--- a/Nathan Vandevoort (Producer)/art Doc.pptx
+++ b/Nathan Vandevoort (Producer)/art Doc.pptx
@@ -1,24 +1,24 @@
 
 <file path=ppt/presentation.xml><?xml version="1.0" encoding="utf-8"?>
-<p:presentation xmlns:a="http://schemas.openxmlformats.org/drawingml/2006/main" xmlns:r="http://schemas.openxmlformats.org/officeDocument/2006/relationships" xmlns:mc="http://schemas.openxmlformats.org/markup-compatibility/2006" xmlns:mv="urn:schemas-microsoft-com:mac:vml" xmlns:p="http://schemas.openxmlformats.org/presentationml/2006/main" xmlns:c="http://schemas.openxmlformats.org/drawingml/2006/chart" xmlns:dgm="http://schemas.openxmlformats.org/drawingml/2006/diagram" xmlns:o="urn:schemas-microsoft-com:office:office" xmlns:v="urn:schemas-microsoft-com:vml" xmlns:pvml="urn:schemas-microsoft-com:office:powerpoint" xmlns:com="http://schemas.openxmlformats.org/drawingml/2006/compatibility" xmlns:p14="http://schemas.microsoft.com/office/powerpoint/2010/main" xmlns:p15="http://schemas.microsoft.com/office/powerpoint/2012/main" autoCompressPictures="0" strictFirstAndLastChars="0" saveSubsetFonts="1">
+<p:presentation xmlns:a="http://schemas.openxmlformats.org/drawingml/2006/main" xmlns:r="http://schemas.openxmlformats.org/officeDocument/2006/relationships" xmlns:p="http://schemas.openxmlformats.org/presentationml/2006/main" strictFirstAndLastChars="0" saveSubsetFonts="1" autoCompressPictures="0">
   <p:sldMasterIdLst>
-    <p:sldMasterId id="2147483659" r:id="rId4"/>
+    <p:sldMasterId id="2147483659" r:id="rId1"/>
   </p:sldMasterIdLst>
   <p:notesMasterIdLst>
-    <p:notesMasterId r:id="rId5"/>
+    <p:notesMasterId r:id="rId8"/>
   </p:notesMasterIdLst>
   <p:sldIdLst>
-    <p:sldId id="256" r:id="rId6"/>
-    <p:sldId id="257" r:id="rId7"/>
-    <p:sldId id="258" r:id="rId8"/>
-    <p:sldId id="259" r:id="rId9"/>
-    <p:sldId id="260" r:id="rId10"/>
-    <p:sldId id="261" r:id="rId11"/>
+    <p:sldId id="256" r:id="rId2"/>
+    <p:sldId id="257" r:id="rId3"/>
+    <p:sldId id="258" r:id="rId4"/>
+    <p:sldId id="259" r:id="rId5"/>
+    <p:sldId id="260" r:id="rId6"/>
+    <p:sldId id="261" r:id="rId7"/>
   </p:sldIdLst>
-  <p:sldSz cy="5143500" cx="9144000"/>
+  <p:sldSz cx="9144000" cy="5143500" type="screen16x9"/>
   <p:notesSz cx="6858000" cy="9144000"/>
   <p:defaultTextStyle>
-    <a:defPPr lvl="0" marR="0" rtl="0" algn="l">
+    <a:defPPr marR="0" lvl="0" algn="l" rtl="0">
       <a:lnSpc>
         <a:spcPct val="100000"/>
       </a:lnSpc>
@@ -29,7 +29,7 @@
         <a:spcPts val="0"/>
       </a:spcAft>
     </a:defPPr>
-    <a:lvl1pPr lvl="0" marR="0" rtl="0" algn="l">
+    <a:lvl1pPr marR="0" lvl="0" algn="l" rtl="0">
       <a:lnSpc>
         <a:spcPct val="100000"/>
       </a:lnSpc>
@@ -43,7 +43,7 @@
         <a:srgbClr val="000000"/>
       </a:buClr>
       <a:buFont typeface="Arial"/>
-      <a:defRPr b="0" i="0" sz="1400" u="none" cap="none" strike="noStrike">
+      <a:defRPr sz="1400" b="0" i="0" u="none" strike="noStrike" cap="none">
         <a:solidFill>
           <a:srgbClr val="000000"/>
         </a:solidFill>
@@ -53,7 +53,7 @@
         <a:sym typeface="Arial"/>
       </a:defRPr>
     </a:lvl1pPr>
-    <a:lvl2pPr lvl="1" marR="0" rtl="0" algn="l">
+    <a:lvl2pPr marR="0" lvl="1" algn="l" rtl="0">
       <a:lnSpc>
         <a:spcPct val="100000"/>
       </a:lnSpc>
@@ -67,7 +67,7 @@
         <a:srgbClr val="000000"/>
       </a:buClr>
       <a:buFont typeface="Arial"/>
-      <a:defRPr b="0" i="0" sz="1400" u="none" cap="none" strike="noStrike">
+      <a:defRPr sz="1400" b="0" i="0" u="none" strike="noStrike" cap="none">
         <a:solidFill>
           <a:srgbClr val="000000"/>
         </a:solidFill>
@@ -77,7 +77,7 @@
         <a:sym typeface="Arial"/>
       </a:defRPr>
     </a:lvl2pPr>
-    <a:lvl3pPr lvl="2" marR="0" rtl="0" algn="l">
+    <a:lvl3pPr marR="0" lvl="2" algn="l" rtl="0">
       <a:lnSpc>
         <a:spcPct val="100000"/>
       </a:lnSpc>
@@ -91,7 +91,7 @@
         <a:srgbClr val="000000"/>
       </a:buClr>
       <a:buFont typeface="Arial"/>
-      <a:defRPr b="0" i="0" sz="1400" u="none" cap="none" strike="noStrike">
+      <a:defRPr sz="1400" b="0" i="0" u="none" strike="noStrike" cap="none">
         <a:solidFill>
           <a:srgbClr val="000000"/>
         </a:solidFill>
@@ -101,7 +101,7 @@
         <a:sym typeface="Arial"/>
       </a:defRPr>
     </a:lvl3pPr>
-    <a:lvl4pPr lvl="3" marR="0" rtl="0" algn="l">
+    <a:lvl4pPr marR="0" lvl="3" algn="l" rtl="0">
       <a:lnSpc>
         <a:spcPct val="100000"/>
       </a:lnSpc>
@@ -115,7 +115,7 @@
         <a:srgbClr val="000000"/>
       </a:buClr>
       <a:buFont typeface="Arial"/>
-      <a:defRPr b="0" i="0" sz="1400" u="none" cap="none" strike="noStrike">
+      <a:defRPr sz="1400" b="0" i="0" u="none" strike="noStrike" cap="none">
         <a:solidFill>
           <a:srgbClr val="000000"/>
         </a:solidFill>
@@ -125,7 +125,7 @@
         <a:sym typeface="Arial"/>
       </a:defRPr>
     </a:lvl4pPr>
-    <a:lvl5pPr lvl="4" marR="0" rtl="0" algn="l">
+    <a:lvl5pPr marR="0" lvl="4" algn="l" rtl="0">
       <a:lnSpc>
         <a:spcPct val="100000"/>
       </a:lnSpc>
@@ -139,7 +139,7 @@
         <a:srgbClr val="000000"/>
       </a:buClr>
       <a:buFont typeface="Arial"/>
-      <a:defRPr b="0" i="0" sz="1400" u="none" cap="none" strike="noStrike">
+      <a:defRPr sz="1400" b="0" i="0" u="none" strike="noStrike" cap="none">
         <a:solidFill>
           <a:srgbClr val="000000"/>
         </a:solidFill>
@@ -149,7 +149,7 @@
         <a:sym typeface="Arial"/>
       </a:defRPr>
     </a:lvl5pPr>
-    <a:lvl6pPr lvl="5" marR="0" rtl="0" algn="l">
+    <a:lvl6pPr marR="0" lvl="5" algn="l" rtl="0">
       <a:lnSpc>
         <a:spcPct val="100000"/>
       </a:lnSpc>
@@ -163,7 +163,7 @@
         <a:srgbClr val="000000"/>
       </a:buClr>
       <a:buFont typeface="Arial"/>
-      <a:defRPr b="0" i="0" sz="1400" u="none" cap="none" strike="noStrike">
+      <a:defRPr sz="1400" b="0" i="0" u="none" strike="noStrike" cap="none">
         <a:solidFill>
           <a:srgbClr val="000000"/>
         </a:solidFill>
@@ -173,7 +173,7 @@
         <a:sym typeface="Arial"/>
       </a:defRPr>
     </a:lvl6pPr>
-    <a:lvl7pPr lvl="6" marR="0" rtl="0" algn="l">
+    <a:lvl7pPr marR="0" lvl="6" algn="l" rtl="0">
       <a:lnSpc>
         <a:spcPct val="100000"/>
       </a:lnSpc>
@@ -187,7 +187,7 @@
         <a:srgbClr val="000000"/>
       </a:buClr>
       <a:buFont typeface="Arial"/>
-      <a:defRPr b="0" i="0" sz="1400" u="none" cap="none" strike="noStrike">
+      <a:defRPr sz="1400" b="0" i="0" u="none" strike="noStrike" cap="none">
         <a:solidFill>
           <a:srgbClr val="000000"/>
         </a:solidFill>
@@ -197,7 +197,7 @@
         <a:sym typeface="Arial"/>
       </a:defRPr>
     </a:lvl7pPr>
-    <a:lvl8pPr lvl="7" marR="0" rtl="0" algn="l">
+    <a:lvl8pPr marR="0" lvl="7" algn="l" rtl="0">
       <a:lnSpc>
         <a:spcPct val="100000"/>
       </a:lnSpc>
@@ -211,7 +211,7 @@
         <a:srgbClr val="000000"/>
       </a:buClr>
       <a:buFont typeface="Arial"/>
-      <a:defRPr b="0" i="0" sz="1400" u="none" cap="none" strike="noStrike">
+      <a:defRPr sz="1400" b="0" i="0" u="none" strike="noStrike" cap="none">
         <a:solidFill>
           <a:srgbClr val="000000"/>
         </a:solidFill>
@@ -221,7 +221,7 @@
         <a:sym typeface="Arial"/>
       </a:defRPr>
     </a:lvl8pPr>
-    <a:lvl9pPr lvl="8" marR="0" rtl="0" algn="l">
+    <a:lvl9pPr marR="0" lvl="8" algn="l" rtl="0">
       <a:lnSpc>
         <a:spcPct val="100000"/>
       </a:lnSpc>
@@ -235,7 +235,7 @@
         <a:srgbClr val="000000"/>
       </a:buClr>
       <a:buFont typeface="Arial"/>
-      <a:defRPr b="0" i="0" sz="1400" u="none" cap="none" strike="noStrike">
+      <a:defRPr sz="1400" b="0" i="0" u="none" strike="noStrike" cap="none">
         <a:solidFill>
           <a:srgbClr val="000000"/>
         </a:solidFill>
@@ -248,7 +248,7 @@
   </p:defaultTextStyle>
   <p:extLst>
     <p:ext uri="{EFAFB233-063F-42B5-8137-9DF3F51BA10A}">
-      <p15:sldGuideLst>
+      <p15:sldGuideLst xmlns:p15="http://schemas.microsoft.com/office/powerpoint/2012/main">
         <p15:guide id="1" orient="horz" pos="1620">
           <p15:clr>
             <a:srgbClr val="A4A3A4"/>
@@ -266,11 +266,16 @@
 </file>
 
 <file path=ppt/notesMasters/notesMaster1.xml><?xml version="1.0" encoding="utf-8"?>
-<p:notesMaster xmlns:a="http://schemas.openxmlformats.org/drawingml/2006/main" xmlns:r="http://schemas.openxmlformats.org/officeDocument/2006/relationships" xmlns:mc="http://schemas.openxmlformats.org/markup-compatibility/2006" xmlns:mv="urn:schemas-microsoft-com:mac:vml" xmlns:p="http://schemas.openxmlformats.org/presentationml/2006/main" xmlns:c="http://schemas.openxmlformats.org/drawingml/2006/chart" xmlns:dgm="http://schemas.openxmlformats.org/drawingml/2006/diagram" xmlns:o="urn:schemas-microsoft-com:office:office" xmlns:v="urn:schemas-microsoft-com:vml" xmlns:pvml="urn:schemas-microsoft-com:office:powerpoint" xmlns:com="http://schemas.openxmlformats.org/drawingml/2006/compatibility" xmlns:p14="http://schemas.microsoft.com/office/powerpoint/2010/main" xmlns:p15="http://schemas.microsoft.com/office/powerpoint/2012/main">
+<p:notesMaster xmlns:a="http://schemas.openxmlformats.org/drawingml/2006/main" xmlns:r="http://schemas.openxmlformats.org/officeDocument/2006/relationships" xmlns:p="http://schemas.openxmlformats.org/presentationml/2006/main">
   <p:cSld>
+    <p:bg>
+      <p:bgRef idx="1001">
+        <a:schemeClr val="bg1"/>
+      </p:bgRef>
+    </p:bg>
     <p:spTree>
       <p:nvGrpSpPr>
-        <p:cNvPr id="2" name="Shape 2"/>
+        <p:cNvPr id="1" name="Shape 2"/>
         <p:cNvGrpSpPr/>
         <p:nvPr/>
       </p:nvGrpSpPr>
@@ -285,9 +290,11 @@
       <p:sp>
         <p:nvSpPr>
           <p:cNvPr id="3" name="Google Shape;3;n"/>
-          <p:cNvSpPr/>
+          <p:cNvSpPr>
+            <a:spLocks noGrp="1" noRot="1" noChangeAspect="1"/>
+          </p:cNvSpPr>
           <p:nvPr>
-            <p:ph idx="2" type="sldImg"/>
+            <p:ph type="sldImg" idx="2"/>
           </p:nvPr>
         </p:nvSpPr>
         <p:spPr>
@@ -296,9 +303,13 @@
             <a:ext cx="6096075" cy="3429000"/>
           </a:xfrm>
           <a:custGeom>
-            <a:rect b="b" l="l" r="r" t="t"/>
+            <a:avLst/>
+            <a:gdLst/>
+            <a:ahLst/>
+            <a:cxnLst/>
+            <a:rect l="l" t="t" r="r" b="b"/>
             <a:pathLst>
-              <a:path extrusionOk="0" h="120000" w="120000">
+              <a:path w="120000" h="120000" extrusionOk="0">
                 <a:moveTo>
                   <a:pt x="0" y="0"/>
                 </a:moveTo>
@@ -316,23 +327,25 @@
             </a:pathLst>
           </a:custGeom>
           <a:noFill/>
-          <a:ln cap="flat" cmpd="sng" w="9525">
+          <a:ln w="9525" cap="flat" cmpd="sng">
             <a:solidFill>
               <a:srgbClr val="000000"/>
             </a:solidFill>
             <a:prstDash val="solid"/>
             <a:round/>
-            <a:headEnd len="sm" w="sm" type="none"/>
-            <a:tailEnd len="sm" w="sm" type="none"/>
+            <a:headEnd type="none" w="sm" len="sm"/>
+            <a:tailEnd type="none" w="sm" len="sm"/>
           </a:ln>
         </p:spPr>
       </p:sp>
       <p:sp>
         <p:nvSpPr>
           <p:cNvPr id="4" name="Google Shape;4;n"/>
-          <p:cNvSpPr txBox="1"/>
+          <p:cNvSpPr txBox="1">
+            <a:spLocks noGrp="1"/>
+          </p:cNvSpPr>
           <p:nvPr>
-            <p:ph idx="1" type="body"/>
+            <p:ph type="body" idx="1"/>
           </p:nvPr>
         </p:nvSpPr>
         <p:spPr>
@@ -349,11 +362,11 @@
           </a:ln>
         </p:spPr>
         <p:txBody>
-          <a:bodyPr anchorCtr="0" anchor="t" bIns="91425" lIns="91425" spcFirstLastPara="1" rIns="91425" wrap="square" tIns="91425">
+          <a:bodyPr spcFirstLastPara="1" wrap="square" lIns="91425" tIns="91425" rIns="91425" bIns="91425" anchor="t" anchorCtr="0">
             <a:noAutofit/>
           </a:bodyPr>
           <a:lstStyle>
-            <a:lvl1pPr indent="-298450" lvl="0" marL="457200">
+            <a:lvl1pPr marL="457200" lvl="0" indent="-298450">
               <a:spcBef>
                 <a:spcPts val="0"/>
               </a:spcBef>
@@ -364,7 +377,7 @@
               <a:buChar char="●"/>
               <a:defRPr sz="1100"/>
             </a:lvl1pPr>
-            <a:lvl2pPr indent="-298450" lvl="1" marL="914400">
+            <a:lvl2pPr marL="914400" lvl="1" indent="-298450">
               <a:spcBef>
                 <a:spcPts val="0"/>
               </a:spcBef>
@@ -375,7 +388,7 @@
               <a:buChar char="○"/>
               <a:defRPr sz="1100"/>
             </a:lvl2pPr>
-            <a:lvl3pPr indent="-298450" lvl="2" marL="1371600">
+            <a:lvl3pPr marL="1371600" lvl="2" indent="-298450">
               <a:spcBef>
                 <a:spcPts val="0"/>
               </a:spcBef>
@@ -386,7 +399,7 @@
               <a:buChar char="■"/>
               <a:defRPr sz="1100"/>
             </a:lvl3pPr>
-            <a:lvl4pPr indent="-298450" lvl="3" marL="1828800">
+            <a:lvl4pPr marL="1828800" lvl="3" indent="-298450">
               <a:spcBef>
                 <a:spcPts val="0"/>
               </a:spcBef>
@@ -397,7 +410,7 @@
               <a:buChar char="●"/>
               <a:defRPr sz="1100"/>
             </a:lvl4pPr>
-            <a:lvl5pPr indent="-298450" lvl="4" marL="2286000">
+            <a:lvl5pPr marL="2286000" lvl="4" indent="-298450">
               <a:spcBef>
                 <a:spcPts val="0"/>
               </a:spcBef>
@@ -408,7 +421,7 @@
               <a:buChar char="○"/>
               <a:defRPr sz="1100"/>
             </a:lvl5pPr>
-            <a:lvl6pPr indent="-298450" lvl="5" marL="2743200">
+            <a:lvl6pPr marL="2743200" lvl="5" indent="-298450">
               <a:spcBef>
                 <a:spcPts val="0"/>
               </a:spcBef>
@@ -419,7 +432,7 @@
               <a:buChar char="■"/>
               <a:defRPr sz="1100"/>
             </a:lvl6pPr>
-            <a:lvl7pPr indent="-298450" lvl="6" marL="3200400">
+            <a:lvl7pPr marL="3200400" lvl="6" indent="-298450">
               <a:spcBef>
                 <a:spcPts val="0"/>
               </a:spcBef>
@@ -430,7 +443,7 @@
               <a:buChar char="●"/>
               <a:defRPr sz="1100"/>
             </a:lvl7pPr>
-            <a:lvl8pPr indent="-298450" lvl="7" marL="3657600">
+            <a:lvl8pPr marL="3657600" lvl="7" indent="-298450">
               <a:spcBef>
                 <a:spcPts val="0"/>
               </a:spcBef>
@@ -441,7 +454,7 @@
               <a:buChar char="○"/>
               <a:defRPr sz="1100"/>
             </a:lvl8pPr>
-            <a:lvl9pPr indent="-298450" lvl="8" marL="4114800">
+            <a:lvl9pPr marL="4114800" lvl="8" indent="-298450">
               <a:spcBef>
                 <a:spcPts val="0"/>
               </a:spcBef>
@@ -453,14 +466,16 @@
               <a:defRPr sz="1100"/>
             </a:lvl9pPr>
           </a:lstStyle>
-          <a:p/>
+          <a:p>
+            <a:endParaRPr/>
+          </a:p>
         </p:txBody>
       </p:sp>
     </p:spTree>
   </p:cSld>
-  <p:clrMap accent1="accent1" accent2="accent2" accent3="accent3" accent4="accent4" accent5="accent5" accent6="accent6" bg1="lt1" bg2="dk2" tx1="dk1" tx2="lt2" folHlink="folHlink" hlink="hlink"/>
+  <p:clrMap bg1="lt1" tx1="dk1" bg2="dk2" tx2="lt2" accent1="accent1" accent2="accent2" accent3="accent3" accent4="accent4" accent5="accent5" accent6="accent6" hlink="hlink" folHlink="folHlink"/>
   <p:notesStyle>
-    <a:defPPr lvl="0" marR="0" rtl="0" algn="l">
+    <a:defPPr marR="0" lvl="0" algn="l" rtl="0">
       <a:lnSpc>
         <a:spcPct val="100000"/>
       </a:lnSpc>
@@ -471,7 +486,7 @@
         <a:spcPts val="0"/>
       </a:spcAft>
     </a:defPPr>
-    <a:lvl1pPr lvl="0" marR="0" rtl="0" algn="l">
+    <a:lvl1pPr marR="0" lvl="0" algn="l" rtl="0">
       <a:lnSpc>
         <a:spcPct val="100000"/>
       </a:lnSpc>
@@ -485,7 +500,7 @@
         <a:srgbClr val="000000"/>
       </a:buClr>
       <a:buFont typeface="Arial"/>
-      <a:defRPr b="0" i="0" sz="1400" u="none" cap="none" strike="noStrike">
+      <a:defRPr sz="1400" b="0" i="0" u="none" strike="noStrike" cap="none">
         <a:solidFill>
           <a:srgbClr val="000000"/>
         </a:solidFill>
@@ -495,7 +510,7 @@
         <a:sym typeface="Arial"/>
       </a:defRPr>
     </a:lvl1pPr>
-    <a:lvl2pPr lvl="1" marR="0" rtl="0" algn="l">
+    <a:lvl2pPr marR="0" lvl="1" algn="l" rtl="0">
       <a:lnSpc>
         <a:spcPct val="100000"/>
       </a:lnSpc>
@@ -509,7 +524,7 @@
         <a:srgbClr val="000000"/>
       </a:buClr>
       <a:buFont typeface="Arial"/>
-      <a:defRPr b="0" i="0" sz="1400" u="none" cap="none" strike="noStrike">
+      <a:defRPr sz="1400" b="0" i="0" u="none" strike="noStrike" cap="none">
         <a:solidFill>
           <a:srgbClr val="000000"/>
         </a:solidFill>
@@ -519,7 +534,7 @@
         <a:sym typeface="Arial"/>
       </a:defRPr>
     </a:lvl2pPr>
-    <a:lvl3pPr lvl="2" marR="0" rtl="0" algn="l">
+    <a:lvl3pPr marR="0" lvl="2" algn="l" rtl="0">
       <a:lnSpc>
         <a:spcPct val="100000"/>
       </a:lnSpc>
@@ -533,7 +548,7 @@
         <a:srgbClr val="000000"/>
       </a:buClr>
       <a:buFont typeface="Arial"/>
-      <a:defRPr b="0" i="0" sz="1400" u="none" cap="none" strike="noStrike">
+      <a:defRPr sz="1400" b="0" i="0" u="none" strike="noStrike" cap="none">
         <a:solidFill>
           <a:srgbClr val="000000"/>
         </a:solidFill>
@@ -543,7 +558,7 @@
         <a:sym typeface="Arial"/>
       </a:defRPr>
     </a:lvl3pPr>
-    <a:lvl4pPr lvl="3" marR="0" rtl="0" algn="l">
+    <a:lvl4pPr marR="0" lvl="3" algn="l" rtl="0">
       <a:lnSpc>
         <a:spcPct val="100000"/>
       </a:lnSpc>
@@ -557,7 +572,7 @@
         <a:srgbClr val="000000"/>
       </a:buClr>
       <a:buFont typeface="Arial"/>
-      <a:defRPr b="0" i="0" sz="1400" u="none" cap="none" strike="noStrike">
+      <a:defRPr sz="1400" b="0" i="0" u="none" strike="noStrike" cap="none">
         <a:solidFill>
           <a:srgbClr val="000000"/>
         </a:solidFill>
@@ -567,7 +582,7 @@
         <a:sym typeface="Arial"/>
       </a:defRPr>
     </a:lvl4pPr>
-    <a:lvl5pPr lvl="4" marR="0" rtl="0" algn="l">
+    <a:lvl5pPr marR="0" lvl="4" algn="l" rtl="0">
       <a:lnSpc>
         <a:spcPct val="100000"/>
       </a:lnSpc>
@@ -581,7 +596,7 @@
         <a:srgbClr val="000000"/>
       </a:buClr>
       <a:buFont typeface="Arial"/>
-      <a:defRPr b="0" i="0" sz="1400" u="none" cap="none" strike="noStrike">
+      <a:defRPr sz="1400" b="0" i="0" u="none" strike="noStrike" cap="none">
         <a:solidFill>
           <a:srgbClr val="000000"/>
         </a:solidFill>
@@ -591,7 +606,7 @@
         <a:sym typeface="Arial"/>
       </a:defRPr>
     </a:lvl5pPr>
-    <a:lvl6pPr lvl="5" marR="0" rtl="0" algn="l">
+    <a:lvl6pPr marR="0" lvl="5" algn="l" rtl="0">
       <a:lnSpc>
         <a:spcPct val="100000"/>
       </a:lnSpc>
@@ -605,7 +620,7 @@
         <a:srgbClr val="000000"/>
       </a:buClr>
       <a:buFont typeface="Arial"/>
-      <a:defRPr b="0" i="0" sz="1400" u="none" cap="none" strike="noStrike">
+      <a:defRPr sz="1400" b="0" i="0" u="none" strike="noStrike" cap="none">
         <a:solidFill>
           <a:srgbClr val="000000"/>
         </a:solidFill>
@@ -615,7 +630,7 @@
         <a:sym typeface="Arial"/>
       </a:defRPr>
     </a:lvl6pPr>
-    <a:lvl7pPr lvl="6" marR="0" rtl="0" algn="l">
+    <a:lvl7pPr marR="0" lvl="6" algn="l" rtl="0">
       <a:lnSpc>
         <a:spcPct val="100000"/>
       </a:lnSpc>
@@ -629,7 +644,7 @@
         <a:srgbClr val="000000"/>
       </a:buClr>
       <a:buFont typeface="Arial"/>
-      <a:defRPr b="0" i="0" sz="1400" u="none" cap="none" strike="noStrike">
+      <a:defRPr sz="1400" b="0" i="0" u="none" strike="noStrike" cap="none">
         <a:solidFill>
           <a:srgbClr val="000000"/>
         </a:solidFill>
@@ -639,7 +654,7 @@
         <a:sym typeface="Arial"/>
       </a:defRPr>
     </a:lvl7pPr>
-    <a:lvl8pPr lvl="7" marR="0" rtl="0" algn="l">
+    <a:lvl8pPr marR="0" lvl="7" algn="l" rtl="0">
       <a:lnSpc>
         <a:spcPct val="100000"/>
       </a:lnSpc>
@@ -653,7 +668,7 @@
         <a:srgbClr val="000000"/>
       </a:buClr>
       <a:buFont typeface="Arial"/>
-      <a:defRPr b="0" i="0" sz="1400" u="none" cap="none" strike="noStrike">
+      <a:defRPr sz="1400" b="0" i="0" u="none" strike="noStrike" cap="none">
         <a:solidFill>
           <a:srgbClr val="000000"/>
         </a:solidFill>
@@ -663,7 +678,7 @@
         <a:sym typeface="Arial"/>
       </a:defRPr>
     </a:lvl8pPr>
-    <a:lvl9pPr lvl="8" marR="0" rtl="0" algn="l">
+    <a:lvl9pPr marR="0" lvl="8" algn="l" rtl="0">
       <a:lnSpc>
         <a:spcPct val="100000"/>
       </a:lnSpc>
@@ -677,7 +692,7 @@
         <a:srgbClr val="000000"/>
       </a:buClr>
       <a:buFont typeface="Arial"/>
-      <a:defRPr b="0" i="0" sz="1400" u="none" cap="none" strike="noStrike">
+      <a:defRPr sz="1400" b="0" i="0" u="none" strike="noStrike" cap="none">
         <a:solidFill>
           <a:srgbClr val="000000"/>
         </a:solidFill>
@@ -692,11 +707,11 @@
 </file>
 
 <file path=ppt/notesSlides/notesSlide1.xml><?xml version="1.0" encoding="utf-8"?>
-<p:notes xmlns:a="http://schemas.openxmlformats.org/drawingml/2006/main" xmlns:r="http://schemas.openxmlformats.org/officeDocument/2006/relationships" xmlns:mc="http://schemas.openxmlformats.org/markup-compatibility/2006" xmlns:mv="urn:schemas-microsoft-com:mac:vml" xmlns:p="http://schemas.openxmlformats.org/presentationml/2006/main" xmlns:c="http://schemas.openxmlformats.org/drawingml/2006/chart" xmlns:dgm="http://schemas.openxmlformats.org/drawingml/2006/diagram" xmlns:o="urn:schemas-microsoft-com:office:office" xmlns:v="urn:schemas-microsoft-com:vml" xmlns:pvml="urn:schemas-microsoft-com:office:powerpoint" xmlns:com="http://schemas.openxmlformats.org/drawingml/2006/compatibility" xmlns:p14="http://schemas.microsoft.com/office/powerpoint/2010/main" xmlns:p15="http://schemas.microsoft.com/office/powerpoint/2012/main" showMasterPhAnim="0" showMasterSp="0">
+<p:notes xmlns:a="http://schemas.openxmlformats.org/drawingml/2006/main" xmlns:r="http://schemas.openxmlformats.org/officeDocument/2006/relationships" xmlns:p="http://schemas.openxmlformats.org/presentationml/2006/main" showMasterSp="0" showMasterPhAnim="0">
   <p:cSld>
     <p:spTree>
       <p:nvGrpSpPr>
-        <p:cNvPr id="50" name="Shape 50"/>
+        <p:cNvPr id="1" name="Shape 50"/>
         <p:cNvGrpSpPr/>
         <p:nvPr/>
       </p:nvGrpSpPr>
@@ -711,20 +726,26 @@
       <p:sp>
         <p:nvSpPr>
           <p:cNvPr id="51" name="Google Shape;51;p:notes"/>
-          <p:cNvSpPr/>
+          <p:cNvSpPr>
+            <a:spLocks noGrp="1" noRot="1" noChangeAspect="1"/>
+          </p:cNvSpPr>
           <p:nvPr>
-            <p:ph idx="2" type="sldImg"/>
+            <p:ph type="sldImg" idx="2"/>
           </p:nvPr>
         </p:nvSpPr>
         <p:spPr>
           <a:xfrm>
-            <a:off x="381300" y="685800"/>
-            <a:ext cx="6096075" cy="3429000"/>
+            <a:off x="381000" y="685800"/>
+            <a:ext cx="6096000" cy="3429000"/>
           </a:xfrm>
           <a:custGeom>
-            <a:rect b="b" l="l" r="r" t="t"/>
+            <a:avLst/>
+            <a:gdLst/>
+            <a:ahLst/>
+            <a:cxnLst/>
+            <a:rect l="l" t="t" r="r" b="b"/>
             <a:pathLst>
-              <a:path extrusionOk="0" h="120000" w="120000">
+              <a:path w="120000" h="120000" extrusionOk="0">
                 <a:moveTo>
                   <a:pt x="0" y="0"/>
                 </a:moveTo>
@@ -746,9 +767,11 @@
       <p:sp>
         <p:nvSpPr>
           <p:cNvPr id="52" name="Google Shape;52;p:notes"/>
-          <p:cNvSpPr txBox="1"/>
+          <p:cNvSpPr txBox="1">
+            <a:spLocks noGrp="1"/>
+          </p:cNvSpPr>
           <p:nvPr>
-            <p:ph idx="1" type="body"/>
+            <p:ph type="body" idx="1"/>
           </p:nvPr>
         </p:nvSpPr>
         <p:spPr>
@@ -761,12 +784,12 @@
           </a:prstGeom>
         </p:spPr>
         <p:txBody>
-          <a:bodyPr anchorCtr="0" anchor="t" bIns="91425" lIns="91425" spcFirstLastPara="1" rIns="91425" wrap="square" tIns="91425">
+          <a:bodyPr spcFirstLastPara="1" wrap="square" lIns="91425" tIns="91425" rIns="91425" bIns="91425" anchor="t" anchorCtr="0">
             <a:noAutofit/>
           </a:bodyPr>
           <a:lstStyle/>
           <a:p>
-            <a:pPr indent="0" lvl="0" marL="0" rtl="0" algn="l">
+            <a:pPr marL="0" lvl="0" indent="0" algn="l" rtl="0">
               <a:spcBef>
                 <a:spcPts val="0"/>
               </a:spcBef>
@@ -775,9 +798,6 @@
               </a:spcAft>
               <a:buNone/>
             </a:pPr>
-            <a:r>
-              <a:t/>
-            </a:r>
             <a:endParaRPr/>
           </a:p>
         </p:txBody>
@@ -791,11 +811,11 @@
 </file>
 
 <file path=ppt/notesSlides/notesSlide2.xml><?xml version="1.0" encoding="utf-8"?>
-<p:notes xmlns:a="http://schemas.openxmlformats.org/drawingml/2006/main" xmlns:r="http://schemas.openxmlformats.org/officeDocument/2006/relationships" xmlns:mc="http://schemas.openxmlformats.org/markup-compatibility/2006" xmlns:mv="urn:schemas-microsoft-com:mac:vml" xmlns:p="http://schemas.openxmlformats.org/presentationml/2006/main" xmlns:c="http://schemas.openxmlformats.org/drawingml/2006/chart" xmlns:dgm="http://schemas.openxmlformats.org/drawingml/2006/diagram" xmlns:o="urn:schemas-microsoft-com:office:office" xmlns:v="urn:schemas-microsoft-com:vml" xmlns:pvml="urn:schemas-microsoft-com:office:powerpoint" xmlns:com="http://schemas.openxmlformats.org/drawingml/2006/compatibility" xmlns:p14="http://schemas.microsoft.com/office/powerpoint/2010/main" xmlns:p15="http://schemas.microsoft.com/office/powerpoint/2012/main" showMasterPhAnim="0" showMasterSp="0">
+<p:notes xmlns:a="http://schemas.openxmlformats.org/drawingml/2006/main" xmlns:r="http://schemas.openxmlformats.org/officeDocument/2006/relationships" xmlns:p="http://schemas.openxmlformats.org/presentationml/2006/main" showMasterSp="0" showMasterPhAnim="0">
   <p:cSld>
     <p:spTree>
       <p:nvGrpSpPr>
-        <p:cNvPr id="56" name="Shape 56"/>
+        <p:cNvPr id="1" name="Shape 56"/>
         <p:cNvGrpSpPr/>
         <p:nvPr/>
       </p:nvGrpSpPr>
@@ -810,20 +830,26 @@
       <p:sp>
         <p:nvSpPr>
           <p:cNvPr id="57" name="Google Shape;57;g70b1d764b9_0_0:notes"/>
-          <p:cNvSpPr/>
+          <p:cNvSpPr>
+            <a:spLocks noGrp="1" noRot="1" noChangeAspect="1"/>
+          </p:cNvSpPr>
           <p:nvPr>
-            <p:ph idx="2" type="sldImg"/>
+            <p:ph type="sldImg" idx="2"/>
           </p:nvPr>
         </p:nvSpPr>
         <p:spPr>
           <a:xfrm>
-            <a:off x="381300" y="685800"/>
+            <a:off x="381000" y="685800"/>
             <a:ext cx="6096000" cy="3429000"/>
           </a:xfrm>
           <a:custGeom>
-            <a:rect b="b" l="l" r="r" t="t"/>
+            <a:avLst/>
+            <a:gdLst/>
+            <a:ahLst/>
+            <a:cxnLst/>
+            <a:rect l="l" t="t" r="r" b="b"/>
             <a:pathLst>
-              <a:path extrusionOk="0" h="120000" w="120000">
+              <a:path w="120000" h="120000" extrusionOk="0">
                 <a:moveTo>
                   <a:pt x="0" y="0"/>
                 </a:moveTo>
@@ -845,9 +871,11 @@
       <p:sp>
         <p:nvSpPr>
           <p:cNvPr id="58" name="Google Shape;58;g70b1d764b9_0_0:notes"/>
-          <p:cNvSpPr txBox="1"/>
+          <p:cNvSpPr txBox="1">
+            <a:spLocks noGrp="1"/>
+          </p:cNvSpPr>
           <p:nvPr>
-            <p:ph idx="1" type="body"/>
+            <p:ph type="body" idx="1"/>
           </p:nvPr>
         </p:nvSpPr>
         <p:spPr>
@@ -860,12 +888,12 @@
           </a:prstGeom>
         </p:spPr>
         <p:txBody>
-          <a:bodyPr anchorCtr="0" anchor="t" bIns="91425" lIns="91425" spcFirstLastPara="1" rIns="91425" wrap="square" tIns="91425">
+          <a:bodyPr spcFirstLastPara="1" wrap="square" lIns="91425" tIns="91425" rIns="91425" bIns="91425" anchor="t" anchorCtr="0">
             <a:noAutofit/>
           </a:bodyPr>
           <a:lstStyle/>
           <a:p>
-            <a:pPr indent="0" lvl="0" marL="0" rtl="0" algn="l">
+            <a:pPr marL="0" lvl="0" indent="0" algn="l" rtl="0">
               <a:spcBef>
                 <a:spcPts val="0"/>
               </a:spcBef>
@@ -874,9 +902,6 @@
               </a:spcAft>
               <a:buNone/>
             </a:pPr>
-            <a:r>
-              <a:t/>
-            </a:r>
             <a:endParaRPr/>
           </a:p>
         </p:txBody>
@@ -890,11 +915,11 @@
 </file>
 
 <file path=ppt/notesSlides/notesSlide3.xml><?xml version="1.0" encoding="utf-8"?>
-<p:notes xmlns:a="http://schemas.openxmlformats.org/drawingml/2006/main" xmlns:r="http://schemas.openxmlformats.org/officeDocument/2006/relationships" xmlns:mc="http://schemas.openxmlformats.org/markup-compatibility/2006" xmlns:mv="urn:schemas-microsoft-com:mac:vml" xmlns:p="http://schemas.openxmlformats.org/presentationml/2006/main" xmlns:c="http://schemas.openxmlformats.org/drawingml/2006/chart" xmlns:dgm="http://schemas.openxmlformats.org/drawingml/2006/diagram" xmlns:o="urn:schemas-microsoft-com:office:office" xmlns:v="urn:schemas-microsoft-com:vml" xmlns:pvml="urn:schemas-microsoft-com:office:powerpoint" xmlns:com="http://schemas.openxmlformats.org/drawingml/2006/compatibility" xmlns:p14="http://schemas.microsoft.com/office/powerpoint/2010/main" xmlns:p15="http://schemas.microsoft.com/office/powerpoint/2012/main" showMasterPhAnim="0" showMasterSp="0">
+<p:notes xmlns:a="http://schemas.openxmlformats.org/drawingml/2006/main" xmlns:r="http://schemas.openxmlformats.org/officeDocument/2006/relationships" xmlns:p="http://schemas.openxmlformats.org/presentationml/2006/main" showMasterSp="0" showMasterPhAnim="0">
   <p:cSld>
     <p:spTree>
       <p:nvGrpSpPr>
-        <p:cNvPr id="62" name="Shape 62"/>
+        <p:cNvPr id="1" name="Shape 62"/>
         <p:cNvGrpSpPr/>
         <p:nvPr/>
       </p:nvGrpSpPr>
@@ -909,20 +934,26 @@
       <p:sp>
         <p:nvSpPr>
           <p:cNvPr id="63" name="Google Shape;63;g70b1d764b9_0_5:notes"/>
-          <p:cNvSpPr/>
+          <p:cNvSpPr>
+            <a:spLocks noGrp="1" noRot="1" noChangeAspect="1"/>
+          </p:cNvSpPr>
           <p:nvPr>
-            <p:ph idx="2" type="sldImg"/>
+            <p:ph type="sldImg" idx="2"/>
           </p:nvPr>
         </p:nvSpPr>
         <p:spPr>
           <a:xfrm>
-            <a:off x="381300" y="685800"/>
+            <a:off x="381000" y="685800"/>
             <a:ext cx="6096000" cy="3429000"/>
           </a:xfrm>
           <a:custGeom>
-            <a:rect b="b" l="l" r="r" t="t"/>
+            <a:avLst/>
+            <a:gdLst/>
+            <a:ahLst/>
+            <a:cxnLst/>
+            <a:rect l="l" t="t" r="r" b="b"/>
             <a:pathLst>
-              <a:path extrusionOk="0" h="120000" w="120000">
+              <a:path w="120000" h="120000" extrusionOk="0">
                 <a:moveTo>
                   <a:pt x="0" y="0"/>
                 </a:moveTo>
@@ -944,9 +975,11 @@
       <p:sp>
         <p:nvSpPr>
           <p:cNvPr id="64" name="Google Shape;64;g70b1d764b9_0_5:notes"/>
-          <p:cNvSpPr txBox="1"/>
+          <p:cNvSpPr txBox="1">
+            <a:spLocks noGrp="1"/>
+          </p:cNvSpPr>
           <p:nvPr>
-            <p:ph idx="1" type="body"/>
+            <p:ph type="body" idx="1"/>
           </p:nvPr>
         </p:nvSpPr>
         <p:spPr>
@@ -959,12 +992,12 @@
           </a:prstGeom>
         </p:spPr>
         <p:txBody>
-          <a:bodyPr anchorCtr="0" anchor="t" bIns="91425" lIns="91425" spcFirstLastPara="1" rIns="91425" wrap="square" tIns="91425">
+          <a:bodyPr spcFirstLastPara="1" wrap="square" lIns="91425" tIns="91425" rIns="91425" bIns="91425" anchor="t" anchorCtr="0">
             <a:noAutofit/>
           </a:bodyPr>
           <a:lstStyle/>
           <a:p>
-            <a:pPr indent="0" lvl="0" marL="0" rtl="0" algn="l">
+            <a:pPr marL="0" lvl="0" indent="0" algn="l" rtl="0">
               <a:spcBef>
                 <a:spcPts val="0"/>
               </a:spcBef>
@@ -973,9 +1006,6 @@
               </a:spcAft>
               <a:buNone/>
             </a:pPr>
-            <a:r>
-              <a:t/>
-            </a:r>
             <a:endParaRPr/>
           </a:p>
         </p:txBody>
@@ -989,11 +1019,11 @@
 </file>
 
 <file path=ppt/notesSlides/notesSlide4.xml><?xml version="1.0" encoding="utf-8"?>
-<p:notes xmlns:a="http://schemas.openxmlformats.org/drawingml/2006/main" xmlns:r="http://schemas.openxmlformats.org/officeDocument/2006/relationships" xmlns:mc="http://schemas.openxmlformats.org/markup-compatibility/2006" xmlns:mv="urn:schemas-microsoft-com:mac:vml" xmlns:p="http://schemas.openxmlformats.org/presentationml/2006/main" xmlns:c="http://schemas.openxmlformats.org/drawingml/2006/chart" xmlns:dgm="http://schemas.openxmlformats.org/drawingml/2006/diagram" xmlns:o="urn:schemas-microsoft-com:office:office" xmlns:v="urn:schemas-microsoft-com:vml" xmlns:pvml="urn:schemas-microsoft-com:office:powerpoint" xmlns:com="http://schemas.openxmlformats.org/drawingml/2006/compatibility" xmlns:p14="http://schemas.microsoft.com/office/powerpoint/2010/main" xmlns:p15="http://schemas.microsoft.com/office/powerpoint/2012/main" showMasterPhAnim="0" showMasterSp="0">
+<p:notes xmlns:a="http://schemas.openxmlformats.org/drawingml/2006/main" xmlns:r="http://schemas.openxmlformats.org/officeDocument/2006/relationships" xmlns:p="http://schemas.openxmlformats.org/presentationml/2006/main" showMasterSp="0" showMasterPhAnim="0">
   <p:cSld>
     <p:spTree>
       <p:nvGrpSpPr>
-        <p:cNvPr id="68" name="Shape 68"/>
+        <p:cNvPr id="1" name="Shape 68"/>
         <p:cNvGrpSpPr/>
         <p:nvPr/>
       </p:nvGrpSpPr>
@@ -1008,20 +1038,26 @@
       <p:sp>
         <p:nvSpPr>
           <p:cNvPr id="69" name="Google Shape;69;g70b1d764b9_0_10:notes"/>
-          <p:cNvSpPr/>
+          <p:cNvSpPr>
+            <a:spLocks noGrp="1" noRot="1" noChangeAspect="1"/>
+          </p:cNvSpPr>
           <p:nvPr>
-            <p:ph idx="2" type="sldImg"/>
+            <p:ph type="sldImg" idx="2"/>
           </p:nvPr>
         </p:nvSpPr>
         <p:spPr>
           <a:xfrm>
-            <a:off x="381300" y="685800"/>
+            <a:off x="381000" y="685800"/>
             <a:ext cx="6096000" cy="3429000"/>
           </a:xfrm>
           <a:custGeom>
-            <a:rect b="b" l="l" r="r" t="t"/>
+            <a:avLst/>
+            <a:gdLst/>
+            <a:ahLst/>
+            <a:cxnLst/>
+            <a:rect l="l" t="t" r="r" b="b"/>
             <a:pathLst>
-              <a:path extrusionOk="0" h="120000" w="120000">
+              <a:path w="120000" h="120000" extrusionOk="0">
                 <a:moveTo>
                   <a:pt x="0" y="0"/>
                 </a:moveTo>
@@ -1043,9 +1079,11 @@
       <p:sp>
         <p:nvSpPr>
           <p:cNvPr id="70" name="Google Shape;70;g70b1d764b9_0_10:notes"/>
-          <p:cNvSpPr txBox="1"/>
+          <p:cNvSpPr txBox="1">
+            <a:spLocks noGrp="1"/>
+          </p:cNvSpPr>
           <p:nvPr>
-            <p:ph idx="1" type="body"/>
+            <p:ph type="body" idx="1"/>
           </p:nvPr>
         </p:nvSpPr>
         <p:spPr>
@@ -1058,12 +1096,12 @@
           </a:prstGeom>
         </p:spPr>
         <p:txBody>
-          <a:bodyPr anchorCtr="0" anchor="t" bIns="91425" lIns="91425" spcFirstLastPara="1" rIns="91425" wrap="square" tIns="91425">
+          <a:bodyPr spcFirstLastPara="1" wrap="square" lIns="91425" tIns="91425" rIns="91425" bIns="91425" anchor="t" anchorCtr="0">
             <a:noAutofit/>
           </a:bodyPr>
           <a:lstStyle/>
           <a:p>
-            <a:pPr indent="0" lvl="0" marL="0" rtl="0" algn="l">
+            <a:pPr marL="0" lvl="0" indent="0" algn="l" rtl="0">
               <a:spcBef>
                 <a:spcPts val="0"/>
               </a:spcBef>
@@ -1072,9 +1110,6 @@
               </a:spcAft>
               <a:buNone/>
             </a:pPr>
-            <a:r>
-              <a:t/>
-            </a:r>
             <a:endParaRPr/>
           </a:p>
         </p:txBody>
@@ -1088,11 +1123,11 @@
 </file>
 
 <file path=ppt/notesSlides/notesSlide5.xml><?xml version="1.0" encoding="utf-8"?>
-<p:notes xmlns:a="http://schemas.openxmlformats.org/drawingml/2006/main" xmlns:r="http://schemas.openxmlformats.org/officeDocument/2006/relationships" xmlns:mc="http://schemas.openxmlformats.org/markup-compatibility/2006" xmlns:mv="urn:schemas-microsoft-com:mac:vml" xmlns:p="http://schemas.openxmlformats.org/presentationml/2006/main" xmlns:c="http://schemas.openxmlformats.org/drawingml/2006/chart" xmlns:dgm="http://schemas.openxmlformats.org/drawingml/2006/diagram" xmlns:o="urn:schemas-microsoft-com:office:office" xmlns:v="urn:schemas-microsoft-com:vml" xmlns:pvml="urn:schemas-microsoft-com:office:powerpoint" xmlns:com="http://schemas.openxmlformats.org/drawingml/2006/compatibility" xmlns:p14="http://schemas.microsoft.com/office/powerpoint/2010/main" xmlns:p15="http://schemas.microsoft.com/office/powerpoint/2012/main" showMasterPhAnim="0" showMasterSp="0">
+<p:notes xmlns:a="http://schemas.openxmlformats.org/drawingml/2006/main" xmlns:r="http://schemas.openxmlformats.org/officeDocument/2006/relationships" xmlns:p="http://schemas.openxmlformats.org/presentationml/2006/main" showMasterSp="0" showMasterPhAnim="0">
   <p:cSld>
     <p:spTree>
       <p:nvGrpSpPr>
-        <p:cNvPr id="74" name="Shape 74"/>
+        <p:cNvPr id="1" name="Shape 74"/>
         <p:cNvGrpSpPr/>
         <p:nvPr/>
       </p:nvGrpSpPr>
@@ -1107,9 +1142,11 @@
       <p:sp>
         <p:nvSpPr>
           <p:cNvPr id="75" name="Google Shape;75;g70b1d764b9_0_15:notes"/>
-          <p:cNvSpPr/>
+          <p:cNvSpPr>
+            <a:spLocks noGrp="1" noRot="1" noChangeAspect="1"/>
+          </p:cNvSpPr>
           <p:nvPr>
-            <p:ph idx="2" type="sldImg"/>
+            <p:ph type="sldImg" idx="2"/>
           </p:nvPr>
         </p:nvSpPr>
         <p:spPr>
@@ -1118,9 +1155,13 @@
             <a:ext cx="6096000" cy="3429000"/>
           </a:xfrm>
           <a:custGeom>
-            <a:rect b="b" l="l" r="r" t="t"/>
+            <a:avLst/>
+            <a:gdLst/>
+            <a:ahLst/>
+            <a:cxnLst/>
+            <a:rect l="l" t="t" r="r" b="b"/>
             <a:pathLst>
-              <a:path extrusionOk="0" h="120000" w="120000">
+              <a:path w="120000" h="120000" extrusionOk="0">
                 <a:moveTo>
                   <a:pt x="0" y="0"/>
                 </a:moveTo>
@@ -1142,9 +1183,11 @@
       <p:sp>
         <p:nvSpPr>
           <p:cNvPr id="76" name="Google Shape;76;g70b1d764b9_0_15:notes"/>
-          <p:cNvSpPr txBox="1"/>
+          <p:cNvSpPr txBox="1">
+            <a:spLocks noGrp="1"/>
+          </p:cNvSpPr>
           <p:nvPr>
-            <p:ph idx="1" type="body"/>
+            <p:ph type="body" idx="1"/>
           </p:nvPr>
         </p:nvSpPr>
         <p:spPr>
@@ -1157,12 +1200,12 @@
           </a:prstGeom>
         </p:spPr>
         <p:txBody>
-          <a:bodyPr anchorCtr="0" anchor="t" bIns="91425" lIns="91425" spcFirstLastPara="1" rIns="91425" wrap="square" tIns="91425">
+          <a:bodyPr spcFirstLastPara="1" wrap="square" lIns="91425" tIns="91425" rIns="91425" bIns="91425" anchor="t" anchorCtr="0">
             <a:noAutofit/>
           </a:bodyPr>
           <a:lstStyle/>
           <a:p>
-            <a:pPr indent="0" lvl="0" marL="0" rtl="0" algn="l">
+            <a:pPr marL="0" lvl="0" indent="0" algn="l" rtl="0">
               <a:spcBef>
                 <a:spcPts val="0"/>
               </a:spcBef>
@@ -1171,9 +1214,6 @@
               </a:spcAft>
               <a:buNone/>
             </a:pPr>
-            <a:r>
-              <a:t/>
-            </a:r>
             <a:endParaRPr/>
           </a:p>
         </p:txBody>
@@ -1187,11 +1227,11 @@
 </file>
 
 <file path=ppt/notesSlides/notesSlide6.xml><?xml version="1.0" encoding="utf-8"?>
-<p:notes xmlns:a="http://schemas.openxmlformats.org/drawingml/2006/main" xmlns:r="http://schemas.openxmlformats.org/officeDocument/2006/relationships" xmlns:mc="http://schemas.openxmlformats.org/markup-compatibility/2006" xmlns:mv="urn:schemas-microsoft-com:mac:vml" xmlns:p="http://schemas.openxmlformats.org/presentationml/2006/main" xmlns:c="http://schemas.openxmlformats.org/drawingml/2006/chart" xmlns:dgm="http://schemas.openxmlformats.org/drawingml/2006/diagram" xmlns:o="urn:schemas-microsoft-com:office:office" xmlns:v="urn:schemas-microsoft-com:vml" xmlns:pvml="urn:schemas-microsoft-com:office:powerpoint" xmlns:com="http://schemas.openxmlformats.org/drawingml/2006/compatibility" xmlns:p14="http://schemas.microsoft.com/office/powerpoint/2010/main" xmlns:p15="http://schemas.microsoft.com/office/powerpoint/2012/main" showMasterPhAnim="0" showMasterSp="0">
+<p:notes xmlns:a="http://schemas.openxmlformats.org/drawingml/2006/main" xmlns:r="http://schemas.openxmlformats.org/officeDocument/2006/relationships" xmlns:p="http://schemas.openxmlformats.org/presentationml/2006/main" showMasterSp="0" showMasterPhAnim="0">
   <p:cSld>
     <p:spTree>
       <p:nvGrpSpPr>
-        <p:cNvPr id="80" name="Shape 80"/>
+        <p:cNvPr id="1" name="Shape 80"/>
         <p:cNvGrpSpPr/>
         <p:nvPr/>
       </p:nvGrpSpPr>
@@ -1206,9 +1246,11 @@
       <p:sp>
         <p:nvSpPr>
           <p:cNvPr id="81" name="Google Shape;81;g70b1d764b9_0_20:notes"/>
-          <p:cNvSpPr/>
+          <p:cNvSpPr>
+            <a:spLocks noGrp="1" noRot="1" noChangeAspect="1"/>
+          </p:cNvSpPr>
           <p:nvPr>
-            <p:ph idx="2" type="sldImg"/>
+            <p:ph type="sldImg" idx="2"/>
           </p:nvPr>
         </p:nvSpPr>
         <p:spPr>
@@ -1217,9 +1259,13 @@
             <a:ext cx="6096000" cy="3429000"/>
           </a:xfrm>
           <a:custGeom>
-            <a:rect b="b" l="l" r="r" t="t"/>
+            <a:avLst/>
+            <a:gdLst/>
+            <a:ahLst/>
+            <a:cxnLst/>
+            <a:rect l="l" t="t" r="r" b="b"/>
             <a:pathLst>
-              <a:path extrusionOk="0" h="120000" w="120000">
+              <a:path w="120000" h="120000" extrusionOk="0">
                 <a:moveTo>
                   <a:pt x="0" y="0"/>
                 </a:moveTo>
@@ -1241,9 +1287,11 @@
       <p:sp>
         <p:nvSpPr>
           <p:cNvPr id="82" name="Google Shape;82;g70b1d764b9_0_20:notes"/>
-          <p:cNvSpPr txBox="1"/>
+          <p:cNvSpPr txBox="1">
+            <a:spLocks noGrp="1"/>
+          </p:cNvSpPr>
           <p:nvPr>
-            <p:ph idx="1" type="body"/>
+            <p:ph type="body" idx="1"/>
           </p:nvPr>
         </p:nvSpPr>
         <p:spPr>
@@ -1256,12 +1304,12 @@
           </a:prstGeom>
         </p:spPr>
         <p:txBody>
-          <a:bodyPr anchorCtr="0" anchor="t" bIns="91425" lIns="91425" spcFirstLastPara="1" rIns="91425" wrap="square" tIns="91425">
+          <a:bodyPr spcFirstLastPara="1" wrap="square" lIns="91425" tIns="91425" rIns="91425" bIns="91425" anchor="t" anchorCtr="0">
             <a:noAutofit/>
           </a:bodyPr>
           <a:lstStyle/>
           <a:p>
-            <a:pPr indent="0" lvl="0" marL="0" rtl="0" algn="l">
+            <a:pPr marL="0" lvl="0" indent="0" algn="l" rtl="0">
               <a:spcBef>
                 <a:spcPts val="0"/>
               </a:spcBef>
@@ -1270,9 +1318,6 @@
               </a:spcAft>
               <a:buNone/>
             </a:pPr>
-            <a:r>
-              <a:t/>
-            </a:r>
             <a:endParaRPr/>
           </a:p>
         </p:txBody>
@@ -1286,11 +1331,11 @@
 </file>
 
 <file path=ppt/slideLayouts/slideLayout1.xml><?xml version="1.0" encoding="utf-8"?>
-<p:sldLayout xmlns:a="http://schemas.openxmlformats.org/drawingml/2006/main" xmlns:r="http://schemas.openxmlformats.org/officeDocument/2006/relationships" xmlns:mc="http://schemas.openxmlformats.org/markup-compatibility/2006" xmlns:mv="urn:schemas-microsoft-com:mac:vml" xmlns:p="http://schemas.openxmlformats.org/presentationml/2006/main" xmlns:c="http://schemas.openxmlformats.org/drawingml/2006/chart" xmlns:dgm="http://schemas.openxmlformats.org/drawingml/2006/diagram" xmlns:o="urn:schemas-microsoft-com:office:office" xmlns:v="urn:schemas-microsoft-com:vml" xmlns:pvml="urn:schemas-microsoft-com:office:powerpoint" xmlns:com="http://schemas.openxmlformats.org/drawingml/2006/compatibility" xmlns:p14="http://schemas.microsoft.com/office/powerpoint/2010/main" xmlns:p15="http://schemas.microsoft.com/office/powerpoint/2012/main" matchingName="Title slide" type="title">
+<p:sldLayout xmlns:a="http://schemas.openxmlformats.org/drawingml/2006/main" xmlns:r="http://schemas.openxmlformats.org/officeDocument/2006/relationships" xmlns:p="http://schemas.openxmlformats.org/presentationml/2006/main" matchingName="Title slide" type="title">
   <p:cSld name="TITLE">
     <p:spTree>
       <p:nvGrpSpPr>
-        <p:cNvPr id="9" name="Shape 9"/>
+        <p:cNvPr id="1" name="Shape 9"/>
         <p:cNvGrpSpPr/>
         <p:nvPr/>
       </p:nvGrpSpPr>
@@ -1305,7 +1350,9 @@
       <p:sp>
         <p:nvSpPr>
           <p:cNvPr id="10" name="Google Shape;10;p2"/>
-          <p:cNvSpPr txBox="1"/>
+          <p:cNvSpPr txBox="1">
+            <a:spLocks noGrp="1"/>
+          </p:cNvSpPr>
           <p:nvPr>
             <p:ph type="ctrTitle"/>
           </p:nvPr>
@@ -1320,7 +1367,7 @@
           </a:prstGeom>
         </p:spPr>
         <p:txBody>
-          <a:bodyPr anchorCtr="0" anchor="b" bIns="91425" lIns="91425" spcFirstLastPara="1" rIns="91425" wrap="square" tIns="91425">
+          <a:bodyPr spcFirstLastPara="1" wrap="square" lIns="91425" tIns="91425" rIns="91425" bIns="91425" anchor="b" anchorCtr="0">
             <a:noAutofit/>
           </a:bodyPr>
           <a:lstStyle>
@@ -1424,15 +1471,19 @@
               <a:defRPr sz="5200"/>
             </a:lvl9pPr>
           </a:lstStyle>
-          <a:p/>
+          <a:p>
+            <a:endParaRPr/>
+          </a:p>
         </p:txBody>
       </p:sp>
       <p:sp>
         <p:nvSpPr>
           <p:cNvPr id="11" name="Google Shape;11;p2"/>
-          <p:cNvSpPr txBox="1"/>
+          <p:cNvSpPr txBox="1">
+            <a:spLocks noGrp="1"/>
+          </p:cNvSpPr>
           <p:nvPr>
-            <p:ph idx="1" type="subTitle"/>
+            <p:ph type="subTitle" idx="1"/>
           </p:nvPr>
         </p:nvSpPr>
         <p:spPr>
@@ -1445,7 +1496,7 @@
           </a:prstGeom>
         </p:spPr>
         <p:txBody>
-          <a:bodyPr anchorCtr="0" anchor="t" bIns="91425" lIns="91425" spcFirstLastPara="1" rIns="91425" wrap="square" tIns="91425">
+          <a:bodyPr spcFirstLastPara="1" wrap="square" lIns="91425" tIns="91425" rIns="91425" bIns="91425" anchor="t" anchorCtr="0">
             <a:noAutofit/>
           </a:bodyPr>
           <a:lstStyle>
@@ -1576,15 +1627,19 @@
               <a:defRPr sz="2800"/>
             </a:lvl9pPr>
           </a:lstStyle>
-          <a:p/>
+          <a:p>
+            <a:endParaRPr/>
+          </a:p>
         </p:txBody>
       </p:sp>
       <p:sp>
         <p:nvSpPr>
           <p:cNvPr id="12" name="Google Shape;12;p2"/>
-          <p:cNvSpPr txBox="1"/>
+          <p:cNvSpPr txBox="1">
+            <a:spLocks noGrp="1"/>
+          </p:cNvSpPr>
           <p:nvPr>
-            <p:ph idx="12" type="sldNum"/>
+            <p:ph type="sldNum" idx="12"/>
           </p:nvPr>
         </p:nvSpPr>
         <p:spPr>
@@ -1597,7 +1652,7 @@
           </a:prstGeom>
         </p:spPr>
         <p:txBody>
-          <a:bodyPr anchorCtr="0" anchor="ctr" bIns="91425" lIns="91425" spcFirstLastPara="1" rIns="91425" wrap="square" tIns="91425">
+          <a:bodyPr spcFirstLastPara="1" wrap="square" lIns="91425" tIns="91425" rIns="91425" bIns="91425" anchor="ctr" anchorCtr="0">
             <a:noAutofit/>
           </a:bodyPr>
           <a:lstStyle>
@@ -1639,7 +1694,7 @@
             </a:lvl9pPr>
           </a:lstStyle>
           <a:p>
-            <a:pPr indent="0" lvl="0" marL="0" rtl="0" algn="r">
+            <a:pPr marL="0" lvl="0" indent="0" algn="r" rtl="0">
               <a:spcBef>
                 <a:spcPts val="0"/>
               </a:spcBef>
@@ -1665,11 +1720,11 @@
 </file>
 
 <file path=ppt/slideLayouts/slideLayout10.xml><?xml version="1.0" encoding="utf-8"?>
-<p:sldLayout xmlns:a="http://schemas.openxmlformats.org/drawingml/2006/main" xmlns:r="http://schemas.openxmlformats.org/officeDocument/2006/relationships" xmlns:mc="http://schemas.openxmlformats.org/markup-compatibility/2006" xmlns:mv="urn:schemas-microsoft-com:mac:vml" xmlns:p="http://schemas.openxmlformats.org/presentationml/2006/main" xmlns:c="http://schemas.openxmlformats.org/drawingml/2006/chart" xmlns:dgm="http://schemas.openxmlformats.org/drawingml/2006/diagram" xmlns:o="urn:schemas-microsoft-com:office:office" xmlns:v="urn:schemas-microsoft-com:vml" xmlns:pvml="urn:schemas-microsoft-com:office:powerpoint" xmlns:com="http://schemas.openxmlformats.org/drawingml/2006/compatibility" xmlns:p14="http://schemas.microsoft.com/office/powerpoint/2010/main" xmlns:p15="http://schemas.microsoft.com/office/powerpoint/2012/main" matchingName="Big number">
+<p:sldLayout xmlns:a="http://schemas.openxmlformats.org/drawingml/2006/main" xmlns:r="http://schemas.openxmlformats.org/officeDocument/2006/relationships" xmlns:p="http://schemas.openxmlformats.org/presentationml/2006/main" matchingName="Big number">
   <p:cSld name="BIG_NUMBER">
     <p:spTree>
       <p:nvGrpSpPr>
-        <p:cNvPr id="44" name="Shape 44"/>
+        <p:cNvPr id="1" name="Shape 44"/>
         <p:cNvGrpSpPr/>
         <p:nvPr/>
       </p:nvGrpSpPr>
@@ -1684,9 +1739,11 @@
       <p:sp>
         <p:nvSpPr>
           <p:cNvPr id="45" name="Google Shape;45;p11"/>
-          <p:cNvSpPr txBox="1"/>
+          <p:cNvSpPr txBox="1">
+            <a:spLocks noGrp="1"/>
+          </p:cNvSpPr>
           <p:nvPr>
-            <p:ph hasCustomPrompt="1" type="title"/>
+            <p:ph type="title" hasCustomPrompt="1"/>
           </p:nvPr>
         </p:nvSpPr>
         <p:spPr>
@@ -1699,7 +1756,7 @@
           </a:prstGeom>
         </p:spPr>
         <p:txBody>
-          <a:bodyPr anchorCtr="0" anchor="b" bIns="91425" lIns="91425" spcFirstLastPara="1" rIns="91425" wrap="square" tIns="91425">
+          <a:bodyPr spcFirstLastPara="1" wrap="square" lIns="91425" tIns="91425" rIns="91425" bIns="91425" anchor="b" anchorCtr="0">
             <a:noAutofit/>
           </a:bodyPr>
           <a:lstStyle>
@@ -1813,9 +1870,11 @@
       <p:sp>
         <p:nvSpPr>
           <p:cNvPr id="46" name="Google Shape;46;p11"/>
-          <p:cNvSpPr txBox="1"/>
+          <p:cNvSpPr txBox="1">
+            <a:spLocks noGrp="1"/>
+          </p:cNvSpPr>
           <p:nvPr>
-            <p:ph idx="1" type="body"/>
+            <p:ph type="body" idx="1"/>
           </p:nvPr>
         </p:nvSpPr>
         <p:spPr>
@@ -1828,11 +1887,11 @@
           </a:prstGeom>
         </p:spPr>
         <p:txBody>
-          <a:bodyPr anchorCtr="0" anchor="t" bIns="91425" lIns="91425" spcFirstLastPara="1" rIns="91425" wrap="square" tIns="91425">
+          <a:bodyPr spcFirstLastPara="1" wrap="square" lIns="91425" tIns="91425" rIns="91425" bIns="91425" anchor="t" anchorCtr="0">
             <a:noAutofit/>
           </a:bodyPr>
           <a:lstStyle>
-            <a:lvl1pPr indent="-342900" lvl="0" marL="457200" algn="ctr">
+            <a:lvl1pPr marL="457200" lvl="0" indent="-342900" algn="ctr">
               <a:spcBef>
                 <a:spcPts val="0"/>
               </a:spcBef>
@@ -1843,7 +1902,7 @@
               <a:buChar char="●"/>
               <a:defRPr/>
             </a:lvl1pPr>
-            <a:lvl2pPr indent="-317500" lvl="1" marL="914400" algn="ctr">
+            <a:lvl2pPr marL="914400" lvl="1" indent="-317500" algn="ctr">
               <a:spcBef>
                 <a:spcPts val="1600"/>
               </a:spcBef>
@@ -1854,7 +1913,7 @@
               <a:buChar char="○"/>
               <a:defRPr/>
             </a:lvl2pPr>
-            <a:lvl3pPr indent="-317500" lvl="2" marL="1371600" algn="ctr">
+            <a:lvl3pPr marL="1371600" lvl="2" indent="-317500" algn="ctr">
               <a:spcBef>
                 <a:spcPts val="1600"/>
               </a:spcBef>
@@ -1865,7 +1924,7 @@
               <a:buChar char="■"/>
               <a:defRPr/>
             </a:lvl3pPr>
-            <a:lvl4pPr indent="-317500" lvl="3" marL="1828800" algn="ctr">
+            <a:lvl4pPr marL="1828800" lvl="3" indent="-317500" algn="ctr">
               <a:spcBef>
                 <a:spcPts val="1600"/>
               </a:spcBef>
@@ -1876,7 +1935,7 @@
               <a:buChar char="●"/>
               <a:defRPr/>
             </a:lvl4pPr>
-            <a:lvl5pPr indent="-317500" lvl="4" marL="2286000" algn="ctr">
+            <a:lvl5pPr marL="2286000" lvl="4" indent="-317500" algn="ctr">
               <a:spcBef>
                 <a:spcPts val="1600"/>
               </a:spcBef>
@@ -1887,7 +1946,7 @@
               <a:buChar char="○"/>
               <a:defRPr/>
             </a:lvl5pPr>
-            <a:lvl6pPr indent="-317500" lvl="5" marL="2743200" algn="ctr">
+            <a:lvl6pPr marL="2743200" lvl="5" indent="-317500" algn="ctr">
               <a:spcBef>
                 <a:spcPts val="1600"/>
               </a:spcBef>
@@ -1898,7 +1957,7 @@
               <a:buChar char="■"/>
               <a:defRPr/>
             </a:lvl6pPr>
-            <a:lvl7pPr indent="-317500" lvl="6" marL="3200400" algn="ctr">
+            <a:lvl7pPr marL="3200400" lvl="6" indent="-317500" algn="ctr">
               <a:spcBef>
                 <a:spcPts val="1600"/>
               </a:spcBef>
@@ -1909,7 +1968,7 @@
               <a:buChar char="●"/>
               <a:defRPr/>
             </a:lvl7pPr>
-            <a:lvl8pPr indent="-317500" lvl="7" marL="3657600" algn="ctr">
+            <a:lvl8pPr marL="3657600" lvl="7" indent="-317500" algn="ctr">
               <a:spcBef>
                 <a:spcPts val="1600"/>
               </a:spcBef>
@@ -1920,7 +1979,7 @@
               <a:buChar char="○"/>
               <a:defRPr/>
             </a:lvl8pPr>
-            <a:lvl9pPr indent="-317500" lvl="8" marL="4114800" algn="ctr">
+            <a:lvl9pPr marL="4114800" lvl="8" indent="-317500" algn="ctr">
               <a:spcBef>
                 <a:spcPts val="1600"/>
               </a:spcBef>
@@ -1932,15 +1991,19 @@
               <a:defRPr/>
             </a:lvl9pPr>
           </a:lstStyle>
-          <a:p/>
+          <a:p>
+            <a:endParaRPr/>
+          </a:p>
         </p:txBody>
       </p:sp>
       <p:sp>
         <p:nvSpPr>
           <p:cNvPr id="47" name="Google Shape;47;p11"/>
-          <p:cNvSpPr txBox="1"/>
+          <p:cNvSpPr txBox="1">
+            <a:spLocks noGrp="1"/>
+          </p:cNvSpPr>
           <p:nvPr>
-            <p:ph idx="12" type="sldNum"/>
+            <p:ph type="sldNum" idx="12"/>
           </p:nvPr>
         </p:nvSpPr>
         <p:spPr>
@@ -1953,7 +2016,7 @@
           </a:prstGeom>
         </p:spPr>
         <p:txBody>
-          <a:bodyPr anchorCtr="0" anchor="ctr" bIns="91425" lIns="91425" spcFirstLastPara="1" rIns="91425" wrap="square" tIns="91425">
+          <a:bodyPr spcFirstLastPara="1" wrap="square" lIns="91425" tIns="91425" rIns="91425" bIns="91425" anchor="ctr" anchorCtr="0">
             <a:noAutofit/>
           </a:bodyPr>
           <a:lstStyle>
@@ -1995,7 +2058,7 @@
             </a:lvl9pPr>
           </a:lstStyle>
           <a:p>
-            <a:pPr indent="0" lvl="0" marL="0" rtl="0" algn="r">
+            <a:pPr marL="0" lvl="0" indent="0" algn="r" rtl="0">
               <a:spcBef>
                 <a:spcPts val="0"/>
               </a:spcBef>
@@ -2021,11 +2084,11 @@
 </file>
 
 <file path=ppt/slideLayouts/slideLayout11.xml><?xml version="1.0" encoding="utf-8"?>
-<p:sldLayout xmlns:a="http://schemas.openxmlformats.org/drawingml/2006/main" xmlns:r="http://schemas.openxmlformats.org/officeDocument/2006/relationships" xmlns:mc="http://schemas.openxmlformats.org/markup-compatibility/2006" xmlns:mv="urn:schemas-microsoft-com:mac:vml" xmlns:p="http://schemas.openxmlformats.org/presentationml/2006/main" xmlns:c="http://schemas.openxmlformats.org/drawingml/2006/chart" xmlns:dgm="http://schemas.openxmlformats.org/drawingml/2006/diagram" xmlns:o="urn:schemas-microsoft-com:office:office" xmlns:v="urn:schemas-microsoft-com:vml" xmlns:pvml="urn:schemas-microsoft-com:office:powerpoint" xmlns:com="http://schemas.openxmlformats.org/drawingml/2006/compatibility" xmlns:p14="http://schemas.microsoft.com/office/powerpoint/2010/main" xmlns:p15="http://schemas.microsoft.com/office/powerpoint/2012/main" matchingName="Blank" type="blank">
+<p:sldLayout xmlns:a="http://schemas.openxmlformats.org/drawingml/2006/main" xmlns:r="http://schemas.openxmlformats.org/officeDocument/2006/relationships" xmlns:p="http://schemas.openxmlformats.org/presentationml/2006/main" matchingName="Blank" type="blank">
   <p:cSld name="BLANK">
     <p:spTree>
       <p:nvGrpSpPr>
-        <p:cNvPr id="48" name="Shape 48"/>
+        <p:cNvPr id="1" name="Shape 48"/>
         <p:cNvGrpSpPr/>
         <p:nvPr/>
       </p:nvGrpSpPr>
@@ -2040,9 +2103,11 @@
       <p:sp>
         <p:nvSpPr>
           <p:cNvPr id="49" name="Google Shape;49;p12"/>
-          <p:cNvSpPr txBox="1"/>
+          <p:cNvSpPr txBox="1">
+            <a:spLocks noGrp="1"/>
+          </p:cNvSpPr>
           <p:nvPr>
-            <p:ph idx="12" type="sldNum"/>
+            <p:ph type="sldNum" idx="12"/>
           </p:nvPr>
         </p:nvSpPr>
         <p:spPr>
@@ -2055,7 +2120,7 @@
           </a:prstGeom>
         </p:spPr>
         <p:txBody>
-          <a:bodyPr anchorCtr="0" anchor="ctr" bIns="91425" lIns="91425" spcFirstLastPara="1" rIns="91425" wrap="square" tIns="91425">
+          <a:bodyPr spcFirstLastPara="1" wrap="square" lIns="91425" tIns="91425" rIns="91425" bIns="91425" anchor="ctr" anchorCtr="0">
             <a:noAutofit/>
           </a:bodyPr>
           <a:lstStyle>
@@ -2097,7 +2162,7 @@
             </a:lvl9pPr>
           </a:lstStyle>
           <a:p>
-            <a:pPr indent="0" lvl="0" marL="0" rtl="0" algn="r">
+            <a:pPr marL="0" lvl="0" indent="0" algn="r" rtl="0">
               <a:spcBef>
                 <a:spcPts val="0"/>
               </a:spcBef>
@@ -2123,11 +2188,11 @@
 </file>
 
 <file path=ppt/slideLayouts/slideLayout2.xml><?xml version="1.0" encoding="utf-8"?>
-<p:sldLayout xmlns:a="http://schemas.openxmlformats.org/drawingml/2006/main" xmlns:r="http://schemas.openxmlformats.org/officeDocument/2006/relationships" xmlns:mc="http://schemas.openxmlformats.org/markup-compatibility/2006" xmlns:mv="urn:schemas-microsoft-com:mac:vml" xmlns:p="http://schemas.openxmlformats.org/presentationml/2006/main" xmlns:c="http://schemas.openxmlformats.org/drawingml/2006/chart" xmlns:dgm="http://schemas.openxmlformats.org/drawingml/2006/diagram" xmlns:o="urn:schemas-microsoft-com:office:office" xmlns:v="urn:schemas-microsoft-com:vml" xmlns:pvml="urn:schemas-microsoft-com:office:powerpoint" xmlns:com="http://schemas.openxmlformats.org/drawingml/2006/compatibility" xmlns:p14="http://schemas.microsoft.com/office/powerpoint/2010/main" xmlns:p15="http://schemas.microsoft.com/office/powerpoint/2012/main" matchingName="Section header" type="secHead">
+<p:sldLayout xmlns:a="http://schemas.openxmlformats.org/drawingml/2006/main" xmlns:r="http://schemas.openxmlformats.org/officeDocument/2006/relationships" xmlns:p="http://schemas.openxmlformats.org/presentationml/2006/main" matchingName="Section header" type="secHead">
   <p:cSld name="SECTION_HEADER">
     <p:spTree>
       <p:nvGrpSpPr>
-        <p:cNvPr id="13" name="Shape 13"/>
+        <p:cNvPr id="1" name="Shape 13"/>
         <p:cNvGrpSpPr/>
         <p:nvPr/>
       </p:nvGrpSpPr>
@@ -2142,7 +2207,9 @@
       <p:sp>
         <p:nvSpPr>
           <p:cNvPr id="14" name="Google Shape;14;p3"/>
-          <p:cNvSpPr txBox="1"/>
+          <p:cNvSpPr txBox="1">
+            <a:spLocks noGrp="1"/>
+          </p:cNvSpPr>
           <p:nvPr>
             <p:ph type="title"/>
           </p:nvPr>
@@ -2157,7 +2224,7 @@
           </a:prstGeom>
         </p:spPr>
         <p:txBody>
-          <a:bodyPr anchorCtr="0" anchor="ctr" bIns="91425" lIns="91425" spcFirstLastPara="1" rIns="91425" wrap="square" tIns="91425">
+          <a:bodyPr spcFirstLastPara="1" wrap="square" lIns="91425" tIns="91425" rIns="91425" bIns="91425" anchor="ctr" anchorCtr="0">
             <a:noAutofit/>
           </a:bodyPr>
           <a:lstStyle>
@@ -2261,15 +2328,19 @@
               <a:defRPr sz="3600"/>
             </a:lvl9pPr>
           </a:lstStyle>
-          <a:p/>
+          <a:p>
+            <a:endParaRPr/>
+          </a:p>
         </p:txBody>
       </p:sp>
       <p:sp>
         <p:nvSpPr>
           <p:cNvPr id="15" name="Google Shape;15;p3"/>
-          <p:cNvSpPr txBox="1"/>
+          <p:cNvSpPr txBox="1">
+            <a:spLocks noGrp="1"/>
+          </p:cNvSpPr>
           <p:nvPr>
-            <p:ph idx="12" type="sldNum"/>
+            <p:ph type="sldNum" idx="12"/>
           </p:nvPr>
         </p:nvSpPr>
         <p:spPr>
@@ -2282,7 +2353,7 @@
           </a:prstGeom>
         </p:spPr>
         <p:txBody>
-          <a:bodyPr anchorCtr="0" anchor="ctr" bIns="91425" lIns="91425" spcFirstLastPara="1" rIns="91425" wrap="square" tIns="91425">
+          <a:bodyPr spcFirstLastPara="1" wrap="square" lIns="91425" tIns="91425" rIns="91425" bIns="91425" anchor="ctr" anchorCtr="0">
             <a:noAutofit/>
           </a:bodyPr>
           <a:lstStyle>
@@ -2324,7 +2395,7 @@
             </a:lvl9pPr>
           </a:lstStyle>
           <a:p>
-            <a:pPr indent="0" lvl="0" marL="0" rtl="0" algn="r">
+            <a:pPr marL="0" lvl="0" indent="0" algn="r" rtl="0">
               <a:spcBef>
                 <a:spcPts val="0"/>
               </a:spcBef>
@@ -2350,11 +2421,11 @@
 </file>
 
 <file path=ppt/slideLayouts/slideLayout3.xml><?xml version="1.0" encoding="utf-8"?>
-<p:sldLayout xmlns:a="http://schemas.openxmlformats.org/drawingml/2006/main" xmlns:r="http://schemas.openxmlformats.org/officeDocument/2006/relationships" xmlns:mc="http://schemas.openxmlformats.org/markup-compatibility/2006" xmlns:mv="urn:schemas-microsoft-com:mac:vml" xmlns:p="http://schemas.openxmlformats.org/presentationml/2006/main" xmlns:c="http://schemas.openxmlformats.org/drawingml/2006/chart" xmlns:dgm="http://schemas.openxmlformats.org/drawingml/2006/diagram" xmlns:o="urn:schemas-microsoft-com:office:office" xmlns:v="urn:schemas-microsoft-com:vml" xmlns:pvml="urn:schemas-microsoft-com:office:powerpoint" xmlns:com="http://schemas.openxmlformats.org/drawingml/2006/compatibility" xmlns:p14="http://schemas.microsoft.com/office/powerpoint/2010/main" xmlns:p15="http://schemas.microsoft.com/office/powerpoint/2012/main" matchingName="Title and body" type="tx">
+<p:sldLayout xmlns:a="http://schemas.openxmlformats.org/drawingml/2006/main" xmlns:r="http://schemas.openxmlformats.org/officeDocument/2006/relationships" xmlns:p="http://schemas.openxmlformats.org/presentationml/2006/main" matchingName="Title and body" type="tx">
   <p:cSld name="TITLE_AND_BODY">
     <p:spTree>
       <p:nvGrpSpPr>
-        <p:cNvPr id="16" name="Shape 16"/>
+        <p:cNvPr id="1" name="Shape 16"/>
         <p:cNvGrpSpPr/>
         <p:nvPr/>
       </p:nvGrpSpPr>
@@ -2369,7 +2440,9 @@
       <p:sp>
         <p:nvSpPr>
           <p:cNvPr id="17" name="Google Shape;17;p4"/>
-          <p:cNvSpPr txBox="1"/>
+          <p:cNvSpPr txBox="1">
+            <a:spLocks noGrp="1"/>
+          </p:cNvSpPr>
           <p:nvPr>
             <p:ph type="title"/>
           </p:nvPr>
@@ -2384,7 +2457,7 @@
           </a:prstGeom>
         </p:spPr>
         <p:txBody>
-          <a:bodyPr anchorCtr="0" anchor="t" bIns="91425" lIns="91425" spcFirstLastPara="1" rIns="91425" wrap="square" tIns="91425">
+          <a:bodyPr spcFirstLastPara="1" wrap="square" lIns="91425" tIns="91425" rIns="91425" bIns="91425" anchor="t" anchorCtr="0">
             <a:noAutofit/>
           </a:bodyPr>
           <a:lstStyle>
@@ -2488,15 +2561,19 @@
               <a:defRPr/>
             </a:lvl9pPr>
           </a:lstStyle>
-          <a:p/>
+          <a:p>
+            <a:endParaRPr/>
+          </a:p>
         </p:txBody>
       </p:sp>
       <p:sp>
         <p:nvSpPr>
           <p:cNvPr id="18" name="Google Shape;18;p4"/>
-          <p:cNvSpPr txBox="1"/>
+          <p:cNvSpPr txBox="1">
+            <a:spLocks noGrp="1"/>
+          </p:cNvSpPr>
           <p:nvPr>
-            <p:ph idx="1" type="body"/>
+            <p:ph type="body" idx="1"/>
           </p:nvPr>
         </p:nvSpPr>
         <p:spPr>
@@ -2509,11 +2586,11 @@
           </a:prstGeom>
         </p:spPr>
         <p:txBody>
-          <a:bodyPr anchorCtr="0" anchor="t" bIns="91425" lIns="91425" spcFirstLastPara="1" rIns="91425" wrap="square" tIns="91425">
+          <a:bodyPr spcFirstLastPara="1" wrap="square" lIns="91425" tIns="91425" rIns="91425" bIns="91425" anchor="t" anchorCtr="0">
             <a:noAutofit/>
           </a:bodyPr>
           <a:lstStyle>
-            <a:lvl1pPr indent="-342900" lvl="0" marL="457200">
+            <a:lvl1pPr marL="457200" lvl="0" indent="-342900">
               <a:spcBef>
                 <a:spcPts val="0"/>
               </a:spcBef>
@@ -2524,7 +2601,7 @@
               <a:buChar char="●"/>
               <a:defRPr/>
             </a:lvl1pPr>
-            <a:lvl2pPr indent="-317500" lvl="1" marL="914400">
+            <a:lvl2pPr marL="914400" lvl="1" indent="-317500">
               <a:spcBef>
                 <a:spcPts val="1600"/>
               </a:spcBef>
@@ -2535,7 +2612,7 @@
               <a:buChar char="○"/>
               <a:defRPr/>
             </a:lvl2pPr>
-            <a:lvl3pPr indent="-317500" lvl="2" marL="1371600">
+            <a:lvl3pPr marL="1371600" lvl="2" indent="-317500">
               <a:spcBef>
                 <a:spcPts val="1600"/>
               </a:spcBef>
@@ -2546,7 +2623,7 @@
               <a:buChar char="■"/>
               <a:defRPr/>
             </a:lvl3pPr>
-            <a:lvl4pPr indent="-317500" lvl="3" marL="1828800">
+            <a:lvl4pPr marL="1828800" lvl="3" indent="-317500">
               <a:spcBef>
                 <a:spcPts val="1600"/>
               </a:spcBef>
@@ -2557,7 +2634,7 @@
               <a:buChar char="●"/>
               <a:defRPr/>
             </a:lvl4pPr>
-            <a:lvl5pPr indent="-317500" lvl="4" marL="2286000">
+            <a:lvl5pPr marL="2286000" lvl="4" indent="-317500">
               <a:spcBef>
                 <a:spcPts val="1600"/>
               </a:spcBef>
@@ -2568,7 +2645,7 @@
               <a:buChar char="○"/>
               <a:defRPr/>
             </a:lvl5pPr>
-            <a:lvl6pPr indent="-317500" lvl="5" marL="2743200">
+            <a:lvl6pPr marL="2743200" lvl="5" indent="-317500">
               <a:spcBef>
                 <a:spcPts val="1600"/>
               </a:spcBef>
@@ -2579,7 +2656,7 @@
               <a:buChar char="■"/>
               <a:defRPr/>
             </a:lvl6pPr>
-            <a:lvl7pPr indent="-317500" lvl="6" marL="3200400">
+            <a:lvl7pPr marL="3200400" lvl="6" indent="-317500">
               <a:spcBef>
                 <a:spcPts val="1600"/>
               </a:spcBef>
@@ -2590,7 +2667,7 @@
               <a:buChar char="●"/>
               <a:defRPr/>
             </a:lvl7pPr>
-            <a:lvl8pPr indent="-317500" lvl="7" marL="3657600">
+            <a:lvl8pPr marL="3657600" lvl="7" indent="-317500">
               <a:spcBef>
                 <a:spcPts val="1600"/>
               </a:spcBef>
@@ -2601,7 +2678,7 @@
               <a:buChar char="○"/>
               <a:defRPr/>
             </a:lvl8pPr>
-            <a:lvl9pPr indent="-317500" lvl="8" marL="4114800">
+            <a:lvl9pPr marL="4114800" lvl="8" indent="-317500">
               <a:spcBef>
                 <a:spcPts val="1600"/>
               </a:spcBef>
@@ -2613,15 +2690,19 @@
               <a:defRPr/>
             </a:lvl9pPr>
           </a:lstStyle>
-          <a:p/>
+          <a:p>
+            <a:endParaRPr/>
+          </a:p>
         </p:txBody>
       </p:sp>
       <p:sp>
         <p:nvSpPr>
           <p:cNvPr id="19" name="Google Shape;19;p4"/>
-          <p:cNvSpPr txBox="1"/>
+          <p:cNvSpPr txBox="1">
+            <a:spLocks noGrp="1"/>
+          </p:cNvSpPr>
           <p:nvPr>
-            <p:ph idx="12" type="sldNum"/>
+            <p:ph type="sldNum" idx="12"/>
           </p:nvPr>
         </p:nvSpPr>
         <p:spPr>
@@ -2634,7 +2715,7 @@
           </a:prstGeom>
         </p:spPr>
         <p:txBody>
-          <a:bodyPr anchorCtr="0" anchor="ctr" bIns="91425" lIns="91425" spcFirstLastPara="1" rIns="91425" wrap="square" tIns="91425">
+          <a:bodyPr spcFirstLastPara="1" wrap="square" lIns="91425" tIns="91425" rIns="91425" bIns="91425" anchor="ctr" anchorCtr="0">
             <a:noAutofit/>
           </a:bodyPr>
           <a:lstStyle>
@@ -2676,7 +2757,7 @@
             </a:lvl9pPr>
           </a:lstStyle>
           <a:p>
-            <a:pPr indent="0" lvl="0" marL="0" rtl="0" algn="r">
+            <a:pPr marL="0" lvl="0" indent="0" algn="r" rtl="0">
               <a:spcBef>
                 <a:spcPts val="0"/>
               </a:spcBef>
@@ -2702,11 +2783,11 @@
 </file>
 
 <file path=ppt/slideLayouts/slideLayout4.xml><?xml version="1.0" encoding="utf-8"?>
-<p:sldLayout xmlns:a="http://schemas.openxmlformats.org/drawingml/2006/main" xmlns:r="http://schemas.openxmlformats.org/officeDocument/2006/relationships" xmlns:mc="http://schemas.openxmlformats.org/markup-compatibility/2006" xmlns:mv="urn:schemas-microsoft-com:mac:vml" xmlns:p="http://schemas.openxmlformats.org/presentationml/2006/main" xmlns:c="http://schemas.openxmlformats.org/drawingml/2006/chart" xmlns:dgm="http://schemas.openxmlformats.org/drawingml/2006/diagram" xmlns:o="urn:schemas-microsoft-com:office:office" xmlns:v="urn:schemas-microsoft-com:vml" xmlns:pvml="urn:schemas-microsoft-com:office:powerpoint" xmlns:com="http://schemas.openxmlformats.org/drawingml/2006/compatibility" xmlns:p14="http://schemas.microsoft.com/office/powerpoint/2010/main" xmlns:p15="http://schemas.microsoft.com/office/powerpoint/2012/main" matchingName="Title and two columns" type="twoColTx">
+<p:sldLayout xmlns:a="http://schemas.openxmlformats.org/drawingml/2006/main" xmlns:r="http://schemas.openxmlformats.org/officeDocument/2006/relationships" xmlns:p="http://schemas.openxmlformats.org/presentationml/2006/main" matchingName="Title and two columns" type="twoColTx">
   <p:cSld name="TITLE_AND_TWO_COLUMNS">
     <p:spTree>
       <p:nvGrpSpPr>
-        <p:cNvPr id="20" name="Shape 20"/>
+        <p:cNvPr id="1" name="Shape 20"/>
         <p:cNvGrpSpPr/>
         <p:nvPr/>
       </p:nvGrpSpPr>
@@ -2721,7 +2802,9 @@
       <p:sp>
         <p:nvSpPr>
           <p:cNvPr id="21" name="Google Shape;21;p5"/>
-          <p:cNvSpPr txBox="1"/>
+          <p:cNvSpPr txBox="1">
+            <a:spLocks noGrp="1"/>
+          </p:cNvSpPr>
           <p:nvPr>
             <p:ph type="title"/>
           </p:nvPr>
@@ -2736,7 +2819,7 @@
           </a:prstGeom>
         </p:spPr>
         <p:txBody>
-          <a:bodyPr anchorCtr="0" anchor="t" bIns="91425" lIns="91425" spcFirstLastPara="1" rIns="91425" wrap="square" tIns="91425">
+          <a:bodyPr spcFirstLastPara="1" wrap="square" lIns="91425" tIns="91425" rIns="91425" bIns="91425" anchor="t" anchorCtr="0">
             <a:noAutofit/>
           </a:bodyPr>
           <a:lstStyle>
@@ -2840,15 +2923,19 @@
               <a:defRPr/>
             </a:lvl9pPr>
           </a:lstStyle>
-          <a:p/>
+          <a:p>
+            <a:endParaRPr/>
+          </a:p>
         </p:txBody>
       </p:sp>
       <p:sp>
         <p:nvSpPr>
           <p:cNvPr id="22" name="Google Shape;22;p5"/>
-          <p:cNvSpPr txBox="1"/>
+          <p:cNvSpPr txBox="1">
+            <a:spLocks noGrp="1"/>
+          </p:cNvSpPr>
           <p:nvPr>
-            <p:ph idx="1" type="body"/>
+            <p:ph type="body" idx="1"/>
           </p:nvPr>
         </p:nvSpPr>
         <p:spPr>
@@ -2861,11 +2948,11 @@
           </a:prstGeom>
         </p:spPr>
         <p:txBody>
-          <a:bodyPr anchorCtr="0" anchor="t" bIns="91425" lIns="91425" spcFirstLastPara="1" rIns="91425" wrap="square" tIns="91425">
+          <a:bodyPr spcFirstLastPara="1" wrap="square" lIns="91425" tIns="91425" rIns="91425" bIns="91425" anchor="t" anchorCtr="0">
             <a:noAutofit/>
           </a:bodyPr>
           <a:lstStyle>
-            <a:lvl1pPr indent="-317500" lvl="0" marL="457200">
+            <a:lvl1pPr marL="457200" lvl="0" indent="-317500">
               <a:spcBef>
                 <a:spcPts val="0"/>
               </a:spcBef>
@@ -2876,7 +2963,7 @@
               <a:buChar char="●"/>
               <a:defRPr sz="1400"/>
             </a:lvl1pPr>
-            <a:lvl2pPr indent="-304800" lvl="1" marL="914400">
+            <a:lvl2pPr marL="914400" lvl="1" indent="-304800">
               <a:spcBef>
                 <a:spcPts val="1600"/>
               </a:spcBef>
@@ -2887,7 +2974,7 @@
               <a:buChar char="○"/>
               <a:defRPr sz="1200"/>
             </a:lvl2pPr>
-            <a:lvl3pPr indent="-304800" lvl="2" marL="1371600">
+            <a:lvl3pPr marL="1371600" lvl="2" indent="-304800">
               <a:spcBef>
                 <a:spcPts val="1600"/>
               </a:spcBef>
@@ -2898,7 +2985,7 @@
               <a:buChar char="■"/>
               <a:defRPr sz="1200"/>
             </a:lvl3pPr>
-            <a:lvl4pPr indent="-304800" lvl="3" marL="1828800">
+            <a:lvl4pPr marL="1828800" lvl="3" indent="-304800">
               <a:spcBef>
                 <a:spcPts val="1600"/>
               </a:spcBef>
@@ -2909,7 +2996,7 @@
               <a:buChar char="●"/>
               <a:defRPr sz="1200"/>
             </a:lvl4pPr>
-            <a:lvl5pPr indent="-304800" lvl="4" marL="2286000">
+            <a:lvl5pPr marL="2286000" lvl="4" indent="-304800">
               <a:spcBef>
                 <a:spcPts val="1600"/>
               </a:spcBef>
@@ -2920,7 +3007,7 @@
               <a:buChar char="○"/>
               <a:defRPr sz="1200"/>
             </a:lvl5pPr>
-            <a:lvl6pPr indent="-304800" lvl="5" marL="2743200">
+            <a:lvl6pPr marL="2743200" lvl="5" indent="-304800">
               <a:spcBef>
                 <a:spcPts val="1600"/>
               </a:spcBef>
@@ -2931,7 +3018,7 @@
               <a:buChar char="■"/>
               <a:defRPr sz="1200"/>
             </a:lvl6pPr>
-            <a:lvl7pPr indent="-304800" lvl="6" marL="3200400">
+            <a:lvl7pPr marL="3200400" lvl="6" indent="-304800">
               <a:spcBef>
                 <a:spcPts val="1600"/>
               </a:spcBef>
@@ -2942,7 +3029,7 @@
               <a:buChar char="●"/>
               <a:defRPr sz="1200"/>
             </a:lvl7pPr>
-            <a:lvl8pPr indent="-304800" lvl="7" marL="3657600">
+            <a:lvl8pPr marL="3657600" lvl="7" indent="-304800">
               <a:spcBef>
                 <a:spcPts val="1600"/>
               </a:spcBef>
@@ -2953,7 +3040,7 @@
               <a:buChar char="○"/>
               <a:defRPr sz="1200"/>
             </a:lvl8pPr>
-            <a:lvl9pPr indent="-304800" lvl="8" marL="4114800">
+            <a:lvl9pPr marL="4114800" lvl="8" indent="-304800">
               <a:spcBef>
                 <a:spcPts val="1600"/>
               </a:spcBef>
@@ -2965,15 +3052,19 @@
               <a:defRPr sz="1200"/>
             </a:lvl9pPr>
           </a:lstStyle>
-          <a:p/>
+          <a:p>
+            <a:endParaRPr/>
+          </a:p>
         </p:txBody>
       </p:sp>
       <p:sp>
         <p:nvSpPr>
           <p:cNvPr id="23" name="Google Shape;23;p5"/>
-          <p:cNvSpPr txBox="1"/>
+          <p:cNvSpPr txBox="1">
+            <a:spLocks noGrp="1"/>
+          </p:cNvSpPr>
           <p:nvPr>
-            <p:ph idx="2" type="body"/>
+            <p:ph type="body" idx="2"/>
           </p:nvPr>
         </p:nvSpPr>
         <p:spPr>
@@ -2986,11 +3077,11 @@
           </a:prstGeom>
         </p:spPr>
         <p:txBody>
-          <a:bodyPr anchorCtr="0" anchor="t" bIns="91425" lIns="91425" spcFirstLastPara="1" rIns="91425" wrap="square" tIns="91425">
+          <a:bodyPr spcFirstLastPara="1" wrap="square" lIns="91425" tIns="91425" rIns="91425" bIns="91425" anchor="t" anchorCtr="0">
             <a:noAutofit/>
           </a:bodyPr>
           <a:lstStyle>
-            <a:lvl1pPr indent="-317500" lvl="0" marL="457200">
+            <a:lvl1pPr marL="457200" lvl="0" indent="-317500">
               <a:spcBef>
                 <a:spcPts val="0"/>
               </a:spcBef>
@@ -3001,7 +3092,7 @@
               <a:buChar char="●"/>
               <a:defRPr sz="1400"/>
             </a:lvl1pPr>
-            <a:lvl2pPr indent="-304800" lvl="1" marL="914400">
+            <a:lvl2pPr marL="914400" lvl="1" indent="-304800">
               <a:spcBef>
                 <a:spcPts val="1600"/>
               </a:spcBef>
@@ -3012,7 +3103,7 @@
               <a:buChar char="○"/>
               <a:defRPr sz="1200"/>
             </a:lvl2pPr>
-            <a:lvl3pPr indent="-304800" lvl="2" marL="1371600">
+            <a:lvl3pPr marL="1371600" lvl="2" indent="-304800">
               <a:spcBef>
                 <a:spcPts val="1600"/>
               </a:spcBef>
@@ -3023,7 +3114,7 @@
               <a:buChar char="■"/>
               <a:defRPr sz="1200"/>
             </a:lvl3pPr>
-            <a:lvl4pPr indent="-304800" lvl="3" marL="1828800">
+            <a:lvl4pPr marL="1828800" lvl="3" indent="-304800">
               <a:spcBef>
                 <a:spcPts val="1600"/>
               </a:spcBef>
@@ -3034,7 +3125,7 @@
               <a:buChar char="●"/>
               <a:defRPr sz="1200"/>
             </a:lvl4pPr>
-            <a:lvl5pPr indent="-304800" lvl="4" marL="2286000">
+            <a:lvl5pPr marL="2286000" lvl="4" indent="-304800">
               <a:spcBef>
                 <a:spcPts val="1600"/>
               </a:spcBef>
@@ -3045,7 +3136,7 @@
               <a:buChar char="○"/>
               <a:defRPr sz="1200"/>
             </a:lvl5pPr>
-            <a:lvl6pPr indent="-304800" lvl="5" marL="2743200">
+            <a:lvl6pPr marL="2743200" lvl="5" indent="-304800">
               <a:spcBef>
                 <a:spcPts val="1600"/>
               </a:spcBef>
@@ -3056,7 +3147,7 @@
               <a:buChar char="■"/>
               <a:defRPr sz="1200"/>
             </a:lvl6pPr>
-            <a:lvl7pPr indent="-304800" lvl="6" marL="3200400">
+            <a:lvl7pPr marL="3200400" lvl="6" indent="-304800">
               <a:spcBef>
                 <a:spcPts val="1600"/>
               </a:spcBef>
@@ -3067,7 +3158,7 @@
               <a:buChar char="●"/>
               <a:defRPr sz="1200"/>
             </a:lvl7pPr>
-            <a:lvl8pPr indent="-304800" lvl="7" marL="3657600">
+            <a:lvl8pPr marL="3657600" lvl="7" indent="-304800">
               <a:spcBef>
                 <a:spcPts val="1600"/>
               </a:spcBef>
@@ -3078,7 +3169,7 @@
               <a:buChar char="○"/>
               <a:defRPr sz="1200"/>
             </a:lvl8pPr>
-            <a:lvl9pPr indent="-304800" lvl="8" marL="4114800">
+            <a:lvl9pPr marL="4114800" lvl="8" indent="-304800">
               <a:spcBef>
                 <a:spcPts val="1600"/>
               </a:spcBef>
@@ -3090,15 +3181,19 @@
               <a:defRPr sz="1200"/>
             </a:lvl9pPr>
           </a:lstStyle>
-          <a:p/>
+          <a:p>
+            <a:endParaRPr/>
+          </a:p>
         </p:txBody>
       </p:sp>
       <p:sp>
         <p:nvSpPr>
           <p:cNvPr id="24" name="Google Shape;24;p5"/>
-          <p:cNvSpPr txBox="1"/>
+          <p:cNvSpPr txBox="1">
+            <a:spLocks noGrp="1"/>
+          </p:cNvSpPr>
           <p:nvPr>
-            <p:ph idx="12" type="sldNum"/>
+            <p:ph type="sldNum" idx="12"/>
           </p:nvPr>
         </p:nvSpPr>
         <p:spPr>
@@ -3111,7 +3206,7 @@
           </a:prstGeom>
         </p:spPr>
         <p:txBody>
-          <a:bodyPr anchorCtr="0" anchor="ctr" bIns="91425" lIns="91425" spcFirstLastPara="1" rIns="91425" wrap="square" tIns="91425">
+          <a:bodyPr spcFirstLastPara="1" wrap="square" lIns="91425" tIns="91425" rIns="91425" bIns="91425" anchor="ctr" anchorCtr="0">
             <a:noAutofit/>
           </a:bodyPr>
           <a:lstStyle>
@@ -3153,7 +3248,7 @@
             </a:lvl9pPr>
           </a:lstStyle>
           <a:p>
-            <a:pPr indent="0" lvl="0" marL="0" rtl="0" algn="r">
+            <a:pPr marL="0" lvl="0" indent="0" algn="r" rtl="0">
               <a:spcBef>
                 <a:spcPts val="0"/>
               </a:spcBef>
@@ -3179,11 +3274,11 @@
 </file>
 
 <file path=ppt/slideLayouts/slideLayout5.xml><?xml version="1.0" encoding="utf-8"?>
-<p:sldLayout xmlns:a="http://schemas.openxmlformats.org/drawingml/2006/main" xmlns:r="http://schemas.openxmlformats.org/officeDocument/2006/relationships" xmlns:mc="http://schemas.openxmlformats.org/markup-compatibility/2006" xmlns:mv="urn:schemas-microsoft-com:mac:vml" xmlns:p="http://schemas.openxmlformats.org/presentationml/2006/main" xmlns:c="http://schemas.openxmlformats.org/drawingml/2006/chart" xmlns:dgm="http://schemas.openxmlformats.org/drawingml/2006/diagram" xmlns:o="urn:schemas-microsoft-com:office:office" xmlns:v="urn:schemas-microsoft-com:vml" xmlns:pvml="urn:schemas-microsoft-com:office:powerpoint" xmlns:com="http://schemas.openxmlformats.org/drawingml/2006/compatibility" xmlns:p14="http://schemas.microsoft.com/office/powerpoint/2010/main" xmlns:p15="http://schemas.microsoft.com/office/powerpoint/2012/main" matchingName="Title only" type="titleOnly">
+<p:sldLayout xmlns:a="http://schemas.openxmlformats.org/drawingml/2006/main" xmlns:r="http://schemas.openxmlformats.org/officeDocument/2006/relationships" xmlns:p="http://schemas.openxmlformats.org/presentationml/2006/main" matchingName="Title only" type="titleOnly">
   <p:cSld name="TITLE_ONLY">
     <p:spTree>
       <p:nvGrpSpPr>
-        <p:cNvPr id="25" name="Shape 25"/>
+        <p:cNvPr id="1" name="Shape 25"/>
         <p:cNvGrpSpPr/>
         <p:nvPr/>
       </p:nvGrpSpPr>
@@ -3198,7 +3293,9 @@
       <p:sp>
         <p:nvSpPr>
           <p:cNvPr id="26" name="Google Shape;26;p6"/>
-          <p:cNvSpPr txBox="1"/>
+          <p:cNvSpPr txBox="1">
+            <a:spLocks noGrp="1"/>
+          </p:cNvSpPr>
           <p:nvPr>
             <p:ph type="title"/>
           </p:nvPr>
@@ -3213,7 +3310,7 @@
           </a:prstGeom>
         </p:spPr>
         <p:txBody>
-          <a:bodyPr anchorCtr="0" anchor="t" bIns="91425" lIns="91425" spcFirstLastPara="1" rIns="91425" wrap="square" tIns="91425">
+          <a:bodyPr spcFirstLastPara="1" wrap="square" lIns="91425" tIns="91425" rIns="91425" bIns="91425" anchor="t" anchorCtr="0">
             <a:noAutofit/>
           </a:bodyPr>
           <a:lstStyle>
@@ -3317,15 +3414,19 @@
               <a:defRPr/>
             </a:lvl9pPr>
           </a:lstStyle>
-          <a:p/>
+          <a:p>
+            <a:endParaRPr/>
+          </a:p>
         </p:txBody>
       </p:sp>
       <p:sp>
         <p:nvSpPr>
           <p:cNvPr id="27" name="Google Shape;27;p6"/>
-          <p:cNvSpPr txBox="1"/>
+          <p:cNvSpPr txBox="1">
+            <a:spLocks noGrp="1"/>
+          </p:cNvSpPr>
           <p:nvPr>
-            <p:ph idx="12" type="sldNum"/>
+            <p:ph type="sldNum" idx="12"/>
           </p:nvPr>
         </p:nvSpPr>
         <p:spPr>
@@ -3338,7 +3439,7 @@
           </a:prstGeom>
         </p:spPr>
         <p:txBody>
-          <a:bodyPr anchorCtr="0" anchor="ctr" bIns="91425" lIns="91425" spcFirstLastPara="1" rIns="91425" wrap="square" tIns="91425">
+          <a:bodyPr spcFirstLastPara="1" wrap="square" lIns="91425" tIns="91425" rIns="91425" bIns="91425" anchor="ctr" anchorCtr="0">
             <a:noAutofit/>
           </a:bodyPr>
           <a:lstStyle>
@@ -3380,7 +3481,7 @@
             </a:lvl9pPr>
           </a:lstStyle>
           <a:p>
-            <a:pPr indent="0" lvl="0" marL="0" rtl="0" algn="r">
+            <a:pPr marL="0" lvl="0" indent="0" algn="r" rtl="0">
               <a:spcBef>
                 <a:spcPts val="0"/>
               </a:spcBef>
@@ -3406,11 +3507,11 @@
 </file>
 
 <file path=ppt/slideLayouts/slideLayout6.xml><?xml version="1.0" encoding="utf-8"?>
-<p:sldLayout xmlns:a="http://schemas.openxmlformats.org/drawingml/2006/main" xmlns:r="http://schemas.openxmlformats.org/officeDocument/2006/relationships" xmlns:mc="http://schemas.openxmlformats.org/markup-compatibility/2006" xmlns:mv="urn:schemas-microsoft-com:mac:vml" xmlns:p="http://schemas.openxmlformats.org/presentationml/2006/main" xmlns:c="http://schemas.openxmlformats.org/drawingml/2006/chart" xmlns:dgm="http://schemas.openxmlformats.org/drawingml/2006/diagram" xmlns:o="urn:schemas-microsoft-com:office:office" xmlns:v="urn:schemas-microsoft-com:vml" xmlns:pvml="urn:schemas-microsoft-com:office:powerpoint" xmlns:com="http://schemas.openxmlformats.org/drawingml/2006/compatibility" xmlns:p14="http://schemas.microsoft.com/office/powerpoint/2010/main" xmlns:p15="http://schemas.microsoft.com/office/powerpoint/2012/main" matchingName="One column text">
+<p:sldLayout xmlns:a="http://schemas.openxmlformats.org/drawingml/2006/main" xmlns:r="http://schemas.openxmlformats.org/officeDocument/2006/relationships" xmlns:p="http://schemas.openxmlformats.org/presentationml/2006/main" matchingName="One column text">
   <p:cSld name="ONE_COLUMN_TEXT">
     <p:spTree>
       <p:nvGrpSpPr>
-        <p:cNvPr id="28" name="Shape 28"/>
+        <p:cNvPr id="1" name="Shape 28"/>
         <p:cNvGrpSpPr/>
         <p:nvPr/>
       </p:nvGrpSpPr>
@@ -3425,7 +3526,9 @@
       <p:sp>
         <p:nvSpPr>
           <p:cNvPr id="29" name="Google Shape;29;p7"/>
-          <p:cNvSpPr txBox="1"/>
+          <p:cNvSpPr txBox="1">
+            <a:spLocks noGrp="1"/>
+          </p:cNvSpPr>
           <p:nvPr>
             <p:ph type="title"/>
           </p:nvPr>
@@ -3440,7 +3543,7 @@
           </a:prstGeom>
         </p:spPr>
         <p:txBody>
-          <a:bodyPr anchorCtr="0" anchor="b" bIns="91425" lIns="91425" spcFirstLastPara="1" rIns="91425" wrap="square" tIns="91425">
+          <a:bodyPr spcFirstLastPara="1" wrap="square" lIns="91425" tIns="91425" rIns="91425" bIns="91425" anchor="b" anchorCtr="0">
             <a:noAutofit/>
           </a:bodyPr>
           <a:lstStyle>
@@ -3544,15 +3647,19 @@
               <a:defRPr sz="2400"/>
             </a:lvl9pPr>
           </a:lstStyle>
-          <a:p/>
+          <a:p>
+            <a:endParaRPr/>
+          </a:p>
         </p:txBody>
       </p:sp>
       <p:sp>
         <p:nvSpPr>
           <p:cNvPr id="30" name="Google Shape;30;p7"/>
-          <p:cNvSpPr txBox="1"/>
+          <p:cNvSpPr txBox="1">
+            <a:spLocks noGrp="1"/>
+          </p:cNvSpPr>
           <p:nvPr>
-            <p:ph idx="1" type="body"/>
+            <p:ph type="body" idx="1"/>
           </p:nvPr>
         </p:nvSpPr>
         <p:spPr>
@@ -3565,11 +3672,11 @@
           </a:prstGeom>
         </p:spPr>
         <p:txBody>
-          <a:bodyPr anchorCtr="0" anchor="t" bIns="91425" lIns="91425" spcFirstLastPara="1" rIns="91425" wrap="square" tIns="91425">
+          <a:bodyPr spcFirstLastPara="1" wrap="square" lIns="91425" tIns="91425" rIns="91425" bIns="91425" anchor="t" anchorCtr="0">
             <a:noAutofit/>
           </a:bodyPr>
           <a:lstStyle>
-            <a:lvl1pPr indent="-304800" lvl="0" marL="457200">
+            <a:lvl1pPr marL="457200" lvl="0" indent="-304800">
               <a:spcBef>
                 <a:spcPts val="0"/>
               </a:spcBef>
@@ -3580,7 +3687,7 @@
               <a:buChar char="●"/>
               <a:defRPr sz="1200"/>
             </a:lvl1pPr>
-            <a:lvl2pPr indent="-304800" lvl="1" marL="914400">
+            <a:lvl2pPr marL="914400" lvl="1" indent="-304800">
               <a:spcBef>
                 <a:spcPts val="1600"/>
               </a:spcBef>
@@ -3591,7 +3698,7 @@
               <a:buChar char="○"/>
               <a:defRPr sz="1200"/>
             </a:lvl2pPr>
-            <a:lvl3pPr indent="-304800" lvl="2" marL="1371600">
+            <a:lvl3pPr marL="1371600" lvl="2" indent="-304800">
               <a:spcBef>
                 <a:spcPts val="1600"/>
               </a:spcBef>
@@ -3602,7 +3709,7 @@
               <a:buChar char="■"/>
               <a:defRPr sz="1200"/>
             </a:lvl3pPr>
-            <a:lvl4pPr indent="-304800" lvl="3" marL="1828800">
+            <a:lvl4pPr marL="1828800" lvl="3" indent="-304800">
               <a:spcBef>
                 <a:spcPts val="1600"/>
               </a:spcBef>
@@ -3613,7 +3720,7 @@
               <a:buChar char="●"/>
               <a:defRPr sz="1200"/>
             </a:lvl4pPr>
-            <a:lvl5pPr indent="-304800" lvl="4" marL="2286000">
+            <a:lvl5pPr marL="2286000" lvl="4" indent="-304800">
               <a:spcBef>
                 <a:spcPts val="1600"/>
               </a:spcBef>
@@ -3624,7 +3731,7 @@
               <a:buChar char="○"/>
               <a:defRPr sz="1200"/>
             </a:lvl5pPr>
-            <a:lvl6pPr indent="-304800" lvl="5" marL="2743200">
+            <a:lvl6pPr marL="2743200" lvl="5" indent="-304800">
               <a:spcBef>
                 <a:spcPts val="1600"/>
               </a:spcBef>
@@ -3635,7 +3742,7 @@
               <a:buChar char="■"/>
               <a:defRPr sz="1200"/>
             </a:lvl6pPr>
-            <a:lvl7pPr indent="-304800" lvl="6" marL="3200400">
+            <a:lvl7pPr marL="3200400" lvl="6" indent="-304800">
               <a:spcBef>
                 <a:spcPts val="1600"/>
               </a:spcBef>
@@ -3646,7 +3753,7 @@
               <a:buChar char="●"/>
               <a:defRPr sz="1200"/>
             </a:lvl7pPr>
-            <a:lvl8pPr indent="-304800" lvl="7" marL="3657600">
+            <a:lvl8pPr marL="3657600" lvl="7" indent="-304800">
               <a:spcBef>
                 <a:spcPts val="1600"/>
               </a:spcBef>
@@ -3657,7 +3764,7 @@
               <a:buChar char="○"/>
               <a:defRPr sz="1200"/>
             </a:lvl8pPr>
-            <a:lvl9pPr indent="-304800" lvl="8" marL="4114800">
+            <a:lvl9pPr marL="4114800" lvl="8" indent="-304800">
               <a:spcBef>
                 <a:spcPts val="1600"/>
               </a:spcBef>
@@ -3669,15 +3776,19 @@
               <a:defRPr sz="1200"/>
             </a:lvl9pPr>
           </a:lstStyle>
-          <a:p/>
+          <a:p>
+            <a:endParaRPr/>
+          </a:p>
         </p:txBody>
       </p:sp>
       <p:sp>
         <p:nvSpPr>
           <p:cNvPr id="31" name="Google Shape;31;p7"/>
-          <p:cNvSpPr txBox="1"/>
+          <p:cNvSpPr txBox="1">
+            <a:spLocks noGrp="1"/>
+          </p:cNvSpPr>
           <p:nvPr>
-            <p:ph idx="12" type="sldNum"/>
+            <p:ph type="sldNum" idx="12"/>
           </p:nvPr>
         </p:nvSpPr>
         <p:spPr>
@@ -3690,7 +3801,7 @@
           </a:prstGeom>
         </p:spPr>
         <p:txBody>
-          <a:bodyPr anchorCtr="0" anchor="ctr" bIns="91425" lIns="91425" spcFirstLastPara="1" rIns="91425" wrap="square" tIns="91425">
+          <a:bodyPr spcFirstLastPara="1" wrap="square" lIns="91425" tIns="91425" rIns="91425" bIns="91425" anchor="ctr" anchorCtr="0">
             <a:noAutofit/>
           </a:bodyPr>
           <a:lstStyle>
@@ -3732,7 +3843,7 @@
             </a:lvl9pPr>
           </a:lstStyle>
           <a:p>
-            <a:pPr indent="0" lvl="0" marL="0" rtl="0" algn="r">
+            <a:pPr marL="0" lvl="0" indent="0" algn="r" rtl="0">
               <a:spcBef>
                 <a:spcPts val="0"/>
               </a:spcBef>
@@ -3758,11 +3869,11 @@
 </file>
 
 <file path=ppt/slideLayouts/slideLayout7.xml><?xml version="1.0" encoding="utf-8"?>
-<p:sldLayout xmlns:a="http://schemas.openxmlformats.org/drawingml/2006/main" xmlns:r="http://schemas.openxmlformats.org/officeDocument/2006/relationships" xmlns:mc="http://schemas.openxmlformats.org/markup-compatibility/2006" xmlns:mv="urn:schemas-microsoft-com:mac:vml" xmlns:p="http://schemas.openxmlformats.org/presentationml/2006/main" xmlns:c="http://schemas.openxmlformats.org/drawingml/2006/chart" xmlns:dgm="http://schemas.openxmlformats.org/drawingml/2006/diagram" xmlns:o="urn:schemas-microsoft-com:office:office" xmlns:v="urn:schemas-microsoft-com:vml" xmlns:pvml="urn:schemas-microsoft-com:office:powerpoint" xmlns:com="http://schemas.openxmlformats.org/drawingml/2006/compatibility" xmlns:p14="http://schemas.microsoft.com/office/powerpoint/2010/main" xmlns:p15="http://schemas.microsoft.com/office/powerpoint/2012/main" matchingName="Main point">
+<p:sldLayout xmlns:a="http://schemas.openxmlformats.org/drawingml/2006/main" xmlns:r="http://schemas.openxmlformats.org/officeDocument/2006/relationships" xmlns:p="http://schemas.openxmlformats.org/presentationml/2006/main" matchingName="Main point">
   <p:cSld name="MAIN_POINT">
     <p:spTree>
       <p:nvGrpSpPr>
-        <p:cNvPr id="32" name="Shape 32"/>
+        <p:cNvPr id="1" name="Shape 32"/>
         <p:cNvGrpSpPr/>
         <p:nvPr/>
       </p:nvGrpSpPr>
@@ -3777,7 +3888,9 @@
       <p:sp>
         <p:nvSpPr>
           <p:cNvPr id="33" name="Google Shape;33;p8"/>
-          <p:cNvSpPr txBox="1"/>
+          <p:cNvSpPr txBox="1">
+            <a:spLocks noGrp="1"/>
+          </p:cNvSpPr>
           <p:nvPr>
             <p:ph type="title"/>
           </p:nvPr>
@@ -3792,7 +3905,7 @@
           </a:prstGeom>
         </p:spPr>
         <p:txBody>
-          <a:bodyPr anchorCtr="0" anchor="ctr" bIns="91425" lIns="91425" spcFirstLastPara="1" rIns="91425" wrap="square" tIns="91425">
+          <a:bodyPr spcFirstLastPara="1" wrap="square" lIns="91425" tIns="91425" rIns="91425" bIns="91425" anchor="ctr" anchorCtr="0">
             <a:noAutofit/>
           </a:bodyPr>
           <a:lstStyle>
@@ -3896,15 +4009,19 @@
               <a:defRPr sz="4800"/>
             </a:lvl9pPr>
           </a:lstStyle>
-          <a:p/>
+          <a:p>
+            <a:endParaRPr/>
+          </a:p>
         </p:txBody>
       </p:sp>
       <p:sp>
         <p:nvSpPr>
           <p:cNvPr id="34" name="Google Shape;34;p8"/>
-          <p:cNvSpPr txBox="1"/>
+          <p:cNvSpPr txBox="1">
+            <a:spLocks noGrp="1"/>
+          </p:cNvSpPr>
           <p:nvPr>
-            <p:ph idx="12" type="sldNum"/>
+            <p:ph type="sldNum" idx="12"/>
           </p:nvPr>
         </p:nvSpPr>
         <p:spPr>
@@ -3917,7 +4034,7 @@
           </a:prstGeom>
         </p:spPr>
         <p:txBody>
-          <a:bodyPr anchorCtr="0" anchor="ctr" bIns="91425" lIns="91425" spcFirstLastPara="1" rIns="91425" wrap="square" tIns="91425">
+          <a:bodyPr spcFirstLastPara="1" wrap="square" lIns="91425" tIns="91425" rIns="91425" bIns="91425" anchor="ctr" anchorCtr="0">
             <a:noAutofit/>
           </a:bodyPr>
           <a:lstStyle>
@@ -3959,7 +4076,7 @@
             </a:lvl9pPr>
           </a:lstStyle>
           <a:p>
-            <a:pPr indent="0" lvl="0" marL="0" rtl="0" algn="r">
+            <a:pPr marL="0" lvl="0" indent="0" algn="r" rtl="0">
               <a:spcBef>
                 <a:spcPts val="0"/>
               </a:spcBef>
@@ -3985,11 +4102,11 @@
 </file>
 
 <file path=ppt/slideLayouts/slideLayout8.xml><?xml version="1.0" encoding="utf-8"?>
-<p:sldLayout xmlns:a="http://schemas.openxmlformats.org/drawingml/2006/main" xmlns:r="http://schemas.openxmlformats.org/officeDocument/2006/relationships" xmlns:mc="http://schemas.openxmlformats.org/markup-compatibility/2006" xmlns:mv="urn:schemas-microsoft-com:mac:vml" xmlns:p="http://schemas.openxmlformats.org/presentationml/2006/main" xmlns:c="http://schemas.openxmlformats.org/drawingml/2006/chart" xmlns:dgm="http://schemas.openxmlformats.org/drawingml/2006/diagram" xmlns:o="urn:schemas-microsoft-com:office:office" xmlns:v="urn:schemas-microsoft-com:vml" xmlns:pvml="urn:schemas-microsoft-com:office:powerpoint" xmlns:com="http://schemas.openxmlformats.org/drawingml/2006/compatibility" xmlns:p14="http://schemas.microsoft.com/office/powerpoint/2010/main" xmlns:p15="http://schemas.microsoft.com/office/powerpoint/2012/main" matchingName="Section title and description">
+<p:sldLayout xmlns:a="http://schemas.openxmlformats.org/drawingml/2006/main" xmlns:r="http://schemas.openxmlformats.org/officeDocument/2006/relationships" xmlns:p="http://schemas.openxmlformats.org/presentationml/2006/main" matchingName="Section title and description">
   <p:cSld name="SECTION_TITLE_AND_DESCRIPTION">
     <p:spTree>
       <p:nvGrpSpPr>
-        <p:cNvPr id="35" name="Shape 35"/>
+        <p:cNvPr id="1" name="Shape 35"/>
         <p:cNvGrpSpPr/>
         <p:nvPr/>
       </p:nvGrpSpPr>
@@ -4023,12 +4140,12 @@
           </a:ln>
         </p:spPr>
         <p:txBody>
-          <a:bodyPr anchorCtr="0" anchor="ctr" bIns="91425" lIns="91425" spcFirstLastPara="1" rIns="91425" wrap="square" tIns="91425">
+          <a:bodyPr spcFirstLastPara="1" wrap="square" lIns="91425" tIns="91425" rIns="91425" bIns="91425" anchor="ctr" anchorCtr="0">
             <a:noAutofit/>
           </a:bodyPr>
           <a:lstStyle/>
           <a:p>
-            <a:pPr indent="0" lvl="0" marL="0" rtl="0" algn="l">
+            <a:pPr marL="0" lvl="0" indent="0" algn="l" rtl="0">
               <a:spcBef>
                 <a:spcPts val="0"/>
               </a:spcBef>
@@ -4037,9 +4154,6 @@
               </a:spcAft>
               <a:buNone/>
             </a:pPr>
-            <a:r>
-              <a:t/>
-            </a:r>
             <a:endParaRPr/>
           </a:p>
         </p:txBody>
@@ -4047,7 +4161,9 @@
       <p:sp>
         <p:nvSpPr>
           <p:cNvPr id="37" name="Google Shape;37;p9"/>
-          <p:cNvSpPr txBox="1"/>
+          <p:cNvSpPr txBox="1">
+            <a:spLocks noGrp="1"/>
+          </p:cNvSpPr>
           <p:nvPr>
             <p:ph type="title"/>
           </p:nvPr>
@@ -4062,7 +4178,7 @@
           </a:prstGeom>
         </p:spPr>
         <p:txBody>
-          <a:bodyPr anchorCtr="0" anchor="b" bIns="91425" lIns="91425" spcFirstLastPara="1" rIns="91425" wrap="square" tIns="91425">
+          <a:bodyPr spcFirstLastPara="1" wrap="square" lIns="91425" tIns="91425" rIns="91425" bIns="91425" anchor="b" anchorCtr="0">
             <a:noAutofit/>
           </a:bodyPr>
           <a:lstStyle>
@@ -4166,15 +4282,19 @@
               <a:defRPr sz="4200"/>
             </a:lvl9pPr>
           </a:lstStyle>
-          <a:p/>
+          <a:p>
+            <a:endParaRPr/>
+          </a:p>
         </p:txBody>
       </p:sp>
       <p:sp>
         <p:nvSpPr>
           <p:cNvPr id="38" name="Google Shape;38;p9"/>
-          <p:cNvSpPr txBox="1"/>
+          <p:cNvSpPr txBox="1">
+            <a:spLocks noGrp="1"/>
+          </p:cNvSpPr>
           <p:nvPr>
-            <p:ph idx="1" type="subTitle"/>
+            <p:ph type="subTitle" idx="1"/>
           </p:nvPr>
         </p:nvSpPr>
         <p:spPr>
@@ -4187,7 +4307,7 @@
           </a:prstGeom>
         </p:spPr>
         <p:txBody>
-          <a:bodyPr anchorCtr="0" anchor="t" bIns="91425" lIns="91425" spcFirstLastPara="1" rIns="91425" wrap="square" tIns="91425">
+          <a:bodyPr spcFirstLastPara="1" wrap="square" lIns="91425" tIns="91425" rIns="91425" bIns="91425" anchor="t" anchorCtr="0">
             <a:noAutofit/>
           </a:bodyPr>
           <a:lstStyle>
@@ -4318,15 +4438,19 @@
               <a:defRPr sz="2100"/>
             </a:lvl9pPr>
           </a:lstStyle>
-          <a:p/>
+          <a:p>
+            <a:endParaRPr/>
+          </a:p>
         </p:txBody>
       </p:sp>
       <p:sp>
         <p:nvSpPr>
           <p:cNvPr id="39" name="Google Shape;39;p9"/>
-          <p:cNvSpPr txBox="1"/>
+          <p:cNvSpPr txBox="1">
+            <a:spLocks noGrp="1"/>
+          </p:cNvSpPr>
           <p:nvPr>
-            <p:ph idx="2" type="body"/>
+            <p:ph type="body" idx="2"/>
           </p:nvPr>
         </p:nvSpPr>
         <p:spPr>
@@ -4339,11 +4463,11 @@
           </a:prstGeom>
         </p:spPr>
         <p:txBody>
-          <a:bodyPr anchorCtr="0" anchor="ctr" bIns="91425" lIns="91425" spcFirstLastPara="1" rIns="91425" wrap="square" tIns="91425">
+          <a:bodyPr spcFirstLastPara="1" wrap="square" lIns="91425" tIns="91425" rIns="91425" bIns="91425" anchor="ctr" anchorCtr="0">
             <a:noAutofit/>
           </a:bodyPr>
           <a:lstStyle>
-            <a:lvl1pPr indent="-342900" lvl="0" marL="457200">
+            <a:lvl1pPr marL="457200" lvl="0" indent="-342900">
               <a:spcBef>
                 <a:spcPts val="0"/>
               </a:spcBef>
@@ -4361,7 +4485,7 @@
                 </a:solidFill>
               </a:defRPr>
             </a:lvl1pPr>
-            <a:lvl2pPr indent="-317500" lvl="1" marL="914400">
+            <a:lvl2pPr marL="914400" lvl="1" indent="-317500">
               <a:spcBef>
                 <a:spcPts val="1600"/>
               </a:spcBef>
@@ -4379,7 +4503,7 @@
                 </a:solidFill>
               </a:defRPr>
             </a:lvl2pPr>
-            <a:lvl3pPr indent="-317500" lvl="2" marL="1371600">
+            <a:lvl3pPr marL="1371600" lvl="2" indent="-317500">
               <a:spcBef>
                 <a:spcPts val="1600"/>
               </a:spcBef>
@@ -4397,7 +4521,7 @@
                 </a:solidFill>
               </a:defRPr>
             </a:lvl3pPr>
-            <a:lvl4pPr indent="-317500" lvl="3" marL="1828800">
+            <a:lvl4pPr marL="1828800" lvl="3" indent="-317500">
               <a:spcBef>
                 <a:spcPts val="1600"/>
               </a:spcBef>
@@ -4415,7 +4539,7 @@
                 </a:solidFill>
               </a:defRPr>
             </a:lvl4pPr>
-            <a:lvl5pPr indent="-317500" lvl="4" marL="2286000">
+            <a:lvl5pPr marL="2286000" lvl="4" indent="-317500">
               <a:spcBef>
                 <a:spcPts val="1600"/>
               </a:spcBef>
@@ -4433,7 +4557,7 @@
                 </a:solidFill>
               </a:defRPr>
             </a:lvl5pPr>
-            <a:lvl6pPr indent="-317500" lvl="5" marL="2743200">
+            <a:lvl6pPr marL="2743200" lvl="5" indent="-317500">
               <a:spcBef>
                 <a:spcPts val="1600"/>
               </a:spcBef>
@@ -4451,7 +4575,7 @@
                 </a:solidFill>
               </a:defRPr>
             </a:lvl6pPr>
-            <a:lvl7pPr indent="-317500" lvl="6" marL="3200400">
+            <a:lvl7pPr marL="3200400" lvl="6" indent="-317500">
               <a:spcBef>
                 <a:spcPts val="1600"/>
               </a:spcBef>
@@ -4469,7 +4593,7 @@
                 </a:solidFill>
               </a:defRPr>
             </a:lvl7pPr>
-            <a:lvl8pPr indent="-317500" lvl="7" marL="3657600">
+            <a:lvl8pPr marL="3657600" lvl="7" indent="-317500">
               <a:spcBef>
                 <a:spcPts val="1600"/>
               </a:spcBef>
@@ -4487,7 +4611,7 @@
                 </a:solidFill>
               </a:defRPr>
             </a:lvl8pPr>
-            <a:lvl9pPr indent="-317500" lvl="8" marL="4114800">
+            <a:lvl9pPr marL="4114800" lvl="8" indent="-317500">
               <a:spcBef>
                 <a:spcPts val="1600"/>
               </a:spcBef>
@@ -4506,15 +4630,19 @@
               </a:defRPr>
             </a:lvl9pPr>
           </a:lstStyle>
-          <a:p/>
+          <a:p>
+            <a:endParaRPr/>
+          </a:p>
         </p:txBody>
       </p:sp>
       <p:sp>
         <p:nvSpPr>
           <p:cNvPr id="40" name="Google Shape;40;p9"/>
-          <p:cNvSpPr txBox="1"/>
+          <p:cNvSpPr txBox="1">
+            <a:spLocks noGrp="1"/>
+          </p:cNvSpPr>
           <p:nvPr>
-            <p:ph idx="12" type="sldNum"/>
+            <p:ph type="sldNum" idx="12"/>
           </p:nvPr>
         </p:nvSpPr>
         <p:spPr>
@@ -4527,7 +4655,7 @@
           </a:prstGeom>
         </p:spPr>
         <p:txBody>
-          <a:bodyPr anchorCtr="0" anchor="ctr" bIns="91425" lIns="91425" spcFirstLastPara="1" rIns="91425" wrap="square" tIns="91425">
+          <a:bodyPr spcFirstLastPara="1" wrap="square" lIns="91425" tIns="91425" rIns="91425" bIns="91425" anchor="ctr" anchorCtr="0">
             <a:noAutofit/>
           </a:bodyPr>
           <a:lstStyle>
@@ -4569,7 +4697,7 @@
             </a:lvl9pPr>
           </a:lstStyle>
           <a:p>
-            <a:pPr indent="0" lvl="0" marL="0" rtl="0" algn="r">
+            <a:pPr marL="0" lvl="0" indent="0" algn="r" rtl="0">
               <a:spcBef>
                 <a:spcPts val="0"/>
               </a:spcBef>
@@ -4595,11 +4723,11 @@
 </file>
 
 <file path=ppt/slideLayouts/slideLayout9.xml><?xml version="1.0" encoding="utf-8"?>
-<p:sldLayout xmlns:a="http://schemas.openxmlformats.org/drawingml/2006/main" xmlns:r="http://schemas.openxmlformats.org/officeDocument/2006/relationships" xmlns:mc="http://schemas.openxmlformats.org/markup-compatibility/2006" xmlns:mv="urn:schemas-microsoft-com:mac:vml" xmlns:p="http://schemas.openxmlformats.org/presentationml/2006/main" xmlns:c="http://schemas.openxmlformats.org/drawingml/2006/chart" xmlns:dgm="http://schemas.openxmlformats.org/drawingml/2006/diagram" xmlns:o="urn:schemas-microsoft-com:office:office" xmlns:v="urn:schemas-microsoft-com:vml" xmlns:pvml="urn:schemas-microsoft-com:office:powerpoint" xmlns:com="http://schemas.openxmlformats.org/drawingml/2006/compatibility" xmlns:p14="http://schemas.microsoft.com/office/powerpoint/2010/main" xmlns:p15="http://schemas.microsoft.com/office/powerpoint/2012/main" matchingName="Caption">
+<p:sldLayout xmlns:a="http://schemas.openxmlformats.org/drawingml/2006/main" xmlns:r="http://schemas.openxmlformats.org/officeDocument/2006/relationships" xmlns:p="http://schemas.openxmlformats.org/presentationml/2006/main" matchingName="Caption">
   <p:cSld name="CAPTION_ONLY">
     <p:spTree>
       <p:nvGrpSpPr>
-        <p:cNvPr id="41" name="Shape 41"/>
+        <p:cNvPr id="1" name="Shape 41"/>
         <p:cNvGrpSpPr/>
         <p:nvPr/>
       </p:nvGrpSpPr>
@@ -4614,9 +4742,11 @@
       <p:sp>
         <p:nvSpPr>
           <p:cNvPr id="42" name="Google Shape;42;p10"/>
-          <p:cNvSpPr txBox="1"/>
+          <p:cNvSpPr txBox="1">
+            <a:spLocks noGrp="1"/>
+          </p:cNvSpPr>
           <p:nvPr>
-            <p:ph idx="1" type="body"/>
+            <p:ph type="body" idx="1"/>
           </p:nvPr>
         </p:nvSpPr>
         <p:spPr>
@@ -4629,11 +4759,11 @@
           </a:prstGeom>
         </p:spPr>
         <p:txBody>
-          <a:bodyPr anchorCtr="0" anchor="ctr" bIns="91425" lIns="91425" spcFirstLastPara="1" rIns="91425" wrap="square" tIns="91425">
+          <a:bodyPr spcFirstLastPara="1" wrap="square" lIns="91425" tIns="91425" rIns="91425" bIns="91425" anchor="ctr" anchorCtr="0">
             <a:noAutofit/>
           </a:bodyPr>
           <a:lstStyle>
-            <a:lvl1pPr indent="-228600" lvl="0" marL="457200">
+            <a:lvl1pPr marL="457200" lvl="0" indent="-228600">
               <a:lnSpc>
                 <a:spcPct val="100000"/>
               </a:lnSpc>
@@ -4648,15 +4778,19 @@
               <a:defRPr/>
             </a:lvl1pPr>
           </a:lstStyle>
-          <a:p/>
+          <a:p>
+            <a:endParaRPr/>
+          </a:p>
         </p:txBody>
       </p:sp>
       <p:sp>
         <p:nvSpPr>
           <p:cNvPr id="43" name="Google Shape;43;p10"/>
-          <p:cNvSpPr txBox="1"/>
+          <p:cNvSpPr txBox="1">
+            <a:spLocks noGrp="1"/>
+          </p:cNvSpPr>
           <p:nvPr>
-            <p:ph idx="12" type="sldNum"/>
+            <p:ph type="sldNum" idx="12"/>
           </p:nvPr>
         </p:nvSpPr>
         <p:spPr>
@@ -4669,7 +4803,7 @@
           </a:prstGeom>
         </p:spPr>
         <p:txBody>
-          <a:bodyPr anchorCtr="0" anchor="ctr" bIns="91425" lIns="91425" spcFirstLastPara="1" rIns="91425" wrap="square" tIns="91425">
+          <a:bodyPr spcFirstLastPara="1" wrap="square" lIns="91425" tIns="91425" rIns="91425" bIns="91425" anchor="ctr" anchorCtr="0">
             <a:noAutofit/>
           </a:bodyPr>
           <a:lstStyle>
@@ -4711,7 +4845,7 @@
             </a:lvl9pPr>
           </a:lstStyle>
           <a:p>
-            <a:pPr indent="0" lvl="0" marL="0" rtl="0" algn="r">
+            <a:pPr marL="0" lvl="0" indent="0" algn="r" rtl="0">
               <a:spcBef>
                 <a:spcPts val="0"/>
               </a:spcBef>
@@ -4737,18 +4871,19 @@
 </file>
 
 <file path=ppt/slideMasters/slideMaster1.xml><?xml version="1.0" encoding="utf-8"?>
-<p:sldMaster xmlns:a="http://schemas.openxmlformats.org/drawingml/2006/main" xmlns:r="http://schemas.openxmlformats.org/officeDocument/2006/relationships" xmlns:mc="http://schemas.openxmlformats.org/markup-compatibility/2006" xmlns:mv="urn:schemas-microsoft-com:mac:vml" xmlns:p="http://schemas.openxmlformats.org/presentationml/2006/main" xmlns:c="http://schemas.openxmlformats.org/drawingml/2006/chart" xmlns:dgm="http://schemas.openxmlformats.org/drawingml/2006/diagram" xmlns:o="urn:schemas-microsoft-com:office:office" xmlns:v="urn:schemas-microsoft-com:vml" xmlns:pvml="urn:schemas-microsoft-com:office:powerpoint" xmlns:com="http://schemas.openxmlformats.org/drawingml/2006/compatibility" xmlns:p14="http://schemas.microsoft.com/office/powerpoint/2010/main" xmlns:p15="http://schemas.microsoft.com/office/powerpoint/2012/main">
+<p:sldMaster xmlns:a="http://schemas.openxmlformats.org/drawingml/2006/main" xmlns:r="http://schemas.openxmlformats.org/officeDocument/2006/relationships" xmlns:p="http://schemas.openxmlformats.org/presentationml/2006/main">
   <p:cSld name="simple-dark-2">
     <p:bg>
       <p:bgPr>
         <a:solidFill>
           <a:schemeClr val="lt1"/>
         </a:solidFill>
+        <a:effectLst/>
       </p:bgPr>
     </p:bg>
     <p:spTree>
       <p:nvGrpSpPr>
-        <p:cNvPr id="5" name="Shape 5"/>
+        <p:cNvPr id="1" name="Shape 5"/>
         <p:cNvGrpSpPr/>
         <p:nvPr/>
       </p:nvGrpSpPr>
@@ -4763,7 +4898,9 @@
       <p:sp>
         <p:nvSpPr>
           <p:cNvPr id="6" name="Google Shape;6;p1"/>
-          <p:cNvSpPr txBox="1"/>
+          <p:cNvSpPr txBox="1">
+            <a:spLocks noGrp="1"/>
+          </p:cNvSpPr>
           <p:nvPr>
             <p:ph type="title"/>
           </p:nvPr>
@@ -4782,7 +4919,7 @@
           </a:ln>
         </p:spPr>
         <p:txBody>
-          <a:bodyPr anchorCtr="0" anchor="t" bIns="91425" lIns="91425" spcFirstLastPara="1" rIns="91425" wrap="square" tIns="91425">
+          <a:bodyPr spcFirstLastPara="1" wrap="square" lIns="91425" tIns="91425" rIns="91425" bIns="91425" anchor="t" anchorCtr="0">
             <a:noAutofit/>
           </a:bodyPr>
           <a:lstStyle>
@@ -4949,15 +5086,19 @@
               </a:defRPr>
             </a:lvl9pPr>
           </a:lstStyle>
-          <a:p/>
+          <a:p>
+            <a:endParaRPr/>
+          </a:p>
         </p:txBody>
       </p:sp>
       <p:sp>
         <p:nvSpPr>
           <p:cNvPr id="7" name="Google Shape;7;p1"/>
-          <p:cNvSpPr txBox="1"/>
+          <p:cNvSpPr txBox="1">
+            <a:spLocks noGrp="1"/>
+          </p:cNvSpPr>
           <p:nvPr>
-            <p:ph idx="1" type="body"/>
+            <p:ph type="body" idx="1"/>
           </p:nvPr>
         </p:nvSpPr>
         <p:spPr>
@@ -4974,11 +5115,11 @@
           </a:ln>
         </p:spPr>
         <p:txBody>
-          <a:bodyPr anchorCtr="0" anchor="t" bIns="91425" lIns="91425" spcFirstLastPara="1" rIns="91425" wrap="square" tIns="91425">
+          <a:bodyPr spcFirstLastPara="1" wrap="square" lIns="91425" tIns="91425" rIns="91425" bIns="91425" anchor="t" anchorCtr="0">
             <a:noAutofit/>
           </a:bodyPr>
           <a:lstStyle>
-            <a:lvl1pPr indent="-342900" lvl="0" marL="457200">
+            <a:lvl1pPr marL="457200" lvl="0" indent="-342900">
               <a:lnSpc>
                 <a:spcPct val="115000"/>
               </a:lnSpc>
@@ -4999,7 +5140,7 @@
                 </a:solidFill>
               </a:defRPr>
             </a:lvl1pPr>
-            <a:lvl2pPr indent="-317500" lvl="1" marL="914400">
+            <a:lvl2pPr marL="914400" lvl="1" indent="-317500">
               <a:lnSpc>
                 <a:spcPct val="115000"/>
               </a:lnSpc>
@@ -5020,7 +5161,7 @@
                 </a:solidFill>
               </a:defRPr>
             </a:lvl2pPr>
-            <a:lvl3pPr indent="-317500" lvl="2" marL="1371600">
+            <a:lvl3pPr marL="1371600" lvl="2" indent="-317500">
               <a:lnSpc>
                 <a:spcPct val="115000"/>
               </a:lnSpc>
@@ -5041,7 +5182,7 @@
                 </a:solidFill>
               </a:defRPr>
             </a:lvl3pPr>
-            <a:lvl4pPr indent="-317500" lvl="3" marL="1828800">
+            <a:lvl4pPr marL="1828800" lvl="3" indent="-317500">
               <a:lnSpc>
                 <a:spcPct val="115000"/>
               </a:lnSpc>
@@ -5062,7 +5203,7 @@
                 </a:solidFill>
               </a:defRPr>
             </a:lvl4pPr>
-            <a:lvl5pPr indent="-317500" lvl="4" marL="2286000">
+            <a:lvl5pPr marL="2286000" lvl="4" indent="-317500">
               <a:lnSpc>
                 <a:spcPct val="115000"/>
               </a:lnSpc>
@@ -5083,7 +5224,7 @@
                 </a:solidFill>
               </a:defRPr>
             </a:lvl5pPr>
-            <a:lvl6pPr indent="-317500" lvl="5" marL="2743200">
+            <a:lvl6pPr marL="2743200" lvl="5" indent="-317500">
               <a:lnSpc>
                 <a:spcPct val="115000"/>
               </a:lnSpc>
@@ -5104,7 +5245,7 @@
                 </a:solidFill>
               </a:defRPr>
             </a:lvl6pPr>
-            <a:lvl7pPr indent="-317500" lvl="6" marL="3200400">
+            <a:lvl7pPr marL="3200400" lvl="6" indent="-317500">
               <a:lnSpc>
                 <a:spcPct val="115000"/>
               </a:lnSpc>
@@ -5125,7 +5266,7 @@
                 </a:solidFill>
               </a:defRPr>
             </a:lvl7pPr>
-            <a:lvl8pPr indent="-317500" lvl="7" marL="3657600">
+            <a:lvl8pPr marL="3657600" lvl="7" indent="-317500">
               <a:lnSpc>
                 <a:spcPct val="115000"/>
               </a:lnSpc>
@@ -5146,7 +5287,7 @@
                 </a:solidFill>
               </a:defRPr>
             </a:lvl8pPr>
-            <a:lvl9pPr indent="-317500" lvl="8" marL="4114800">
+            <a:lvl9pPr marL="4114800" lvl="8" indent="-317500">
               <a:lnSpc>
                 <a:spcPct val="115000"/>
               </a:lnSpc>
@@ -5168,15 +5309,19 @@
               </a:defRPr>
             </a:lvl9pPr>
           </a:lstStyle>
-          <a:p/>
+          <a:p>
+            <a:endParaRPr/>
+          </a:p>
         </p:txBody>
       </p:sp>
       <p:sp>
         <p:nvSpPr>
           <p:cNvPr id="8" name="Google Shape;8;p1"/>
-          <p:cNvSpPr txBox="1"/>
+          <p:cNvSpPr txBox="1">
+            <a:spLocks noGrp="1"/>
+          </p:cNvSpPr>
           <p:nvPr>
-            <p:ph idx="12" type="sldNum"/>
+            <p:ph type="sldNum" idx="12"/>
           </p:nvPr>
         </p:nvSpPr>
         <p:spPr>
@@ -5193,7 +5338,7 @@
           </a:ln>
         </p:spPr>
         <p:txBody>
-          <a:bodyPr anchorCtr="0" anchor="ctr" bIns="91425" lIns="91425" spcFirstLastPara="1" rIns="91425" wrap="square" tIns="91425">
+          <a:bodyPr spcFirstLastPara="1" wrap="square" lIns="91425" tIns="91425" rIns="91425" bIns="91425" anchor="ctr" anchorCtr="0">
             <a:noAutofit/>
           </a:bodyPr>
           <a:lstStyle>
@@ -5271,7 +5416,7 @@
             </a:lvl9pPr>
           </a:lstStyle>
           <a:p>
-            <a:pPr indent="0" lvl="0" marL="0" rtl="0" algn="r">
+            <a:pPr marL="0" lvl="0" indent="0" algn="r" rtl="0">
               <a:spcBef>
                 <a:spcPts val="0"/>
               </a:spcBef>
@@ -5290,7 +5435,7 @@
       </p:sp>
     </p:spTree>
   </p:cSld>
-  <p:clrMap accent1="accent1" accent2="accent2" accent3="accent3" accent4="accent4" accent5="accent5" accent6="accent6" bg1="lt1" bg2="dk2" tx1="dk1" tx2="lt2" folHlink="folHlink" hlink="hlink"/>
+  <p:clrMap bg1="lt1" tx1="dk1" bg2="dk2" tx2="lt2" accent1="accent1" accent2="accent2" accent3="accent3" accent4="accent4" accent5="accent5" accent6="accent6" hlink="hlink" folHlink="folHlink"/>
   <p:sldLayoutIdLst>
     <p:sldLayoutId id="2147483648" r:id="rId1"/>
     <p:sldLayoutId id="2147483649" r:id="rId2"/>
@@ -5304,10 +5449,10 @@
     <p:sldLayoutId id="2147483657" r:id="rId10"/>
     <p:sldLayoutId id="2147483658" r:id="rId11"/>
   </p:sldLayoutIdLst>
-  <p:hf dt="0" ftr="0" hdr="0" sldNum="0"/>
+  <p:hf sldNum="0" hdr="0" ftr="0" dt="0"/>
   <p:txStyles>
     <p:titleStyle>
-      <a:defPPr lvl="0" marR="0" rtl="0" algn="l">
+      <a:defPPr marR="0" lvl="0" algn="l" rtl="0">
         <a:lnSpc>
           <a:spcPct val="100000"/>
         </a:lnSpc>
@@ -5318,7 +5463,7 @@
           <a:spcPts val="0"/>
         </a:spcAft>
       </a:defPPr>
-      <a:lvl1pPr lvl="0" marR="0" rtl="0" algn="l">
+      <a:lvl1pPr marR="0" lvl="0" algn="l" rtl="0">
         <a:lnSpc>
           <a:spcPct val="100000"/>
         </a:lnSpc>
@@ -5332,7 +5477,7 @@
           <a:srgbClr val="000000"/>
         </a:buClr>
         <a:buFont typeface="Arial"/>
-        <a:defRPr b="0" i="0" sz="1400" u="none" cap="none" strike="noStrike">
+        <a:defRPr sz="1400" b="0" i="0" u="none" strike="noStrike" cap="none">
           <a:solidFill>
             <a:srgbClr val="000000"/>
           </a:solidFill>
@@ -5342,7 +5487,7 @@
           <a:sym typeface="Arial"/>
         </a:defRPr>
       </a:lvl1pPr>
-      <a:lvl2pPr lvl="1" marR="0" rtl="0" algn="l">
+      <a:lvl2pPr marR="0" lvl="1" algn="l" rtl="0">
         <a:lnSpc>
           <a:spcPct val="100000"/>
         </a:lnSpc>
@@ -5356,7 +5501,7 @@
           <a:srgbClr val="000000"/>
         </a:buClr>
         <a:buFont typeface="Arial"/>
-        <a:defRPr b="0" i="0" sz="1400" u="none" cap="none" strike="noStrike">
+        <a:defRPr sz="1400" b="0" i="0" u="none" strike="noStrike" cap="none">
           <a:solidFill>
             <a:srgbClr val="000000"/>
           </a:solidFill>
@@ -5366,7 +5511,7 @@
           <a:sym typeface="Arial"/>
         </a:defRPr>
       </a:lvl2pPr>
-      <a:lvl3pPr lvl="2" marR="0" rtl="0" algn="l">
+      <a:lvl3pPr marR="0" lvl="2" algn="l" rtl="0">
         <a:lnSpc>
           <a:spcPct val="100000"/>
         </a:lnSpc>
@@ -5380,7 +5525,7 @@
           <a:srgbClr val="000000"/>
         </a:buClr>
         <a:buFont typeface="Arial"/>
-        <a:defRPr b="0" i="0" sz="1400" u="none" cap="none" strike="noStrike">
+        <a:defRPr sz="1400" b="0" i="0" u="none" strike="noStrike" cap="none">
           <a:solidFill>
             <a:srgbClr val="000000"/>
           </a:solidFill>
@@ -5390,7 +5535,7 @@
           <a:sym typeface="Arial"/>
         </a:defRPr>
       </a:lvl3pPr>
-      <a:lvl4pPr lvl="3" marR="0" rtl="0" algn="l">
+      <a:lvl4pPr marR="0" lvl="3" algn="l" rtl="0">
         <a:lnSpc>
           <a:spcPct val="100000"/>
         </a:lnSpc>
@@ -5404,7 +5549,7 @@
           <a:srgbClr val="000000"/>
         </a:buClr>
         <a:buFont typeface="Arial"/>
-        <a:defRPr b="0" i="0" sz="1400" u="none" cap="none" strike="noStrike">
+        <a:defRPr sz="1400" b="0" i="0" u="none" strike="noStrike" cap="none">
           <a:solidFill>
             <a:srgbClr val="000000"/>
           </a:solidFill>
@@ -5414,7 +5559,7 @@
           <a:sym typeface="Arial"/>
         </a:defRPr>
       </a:lvl4pPr>
-      <a:lvl5pPr lvl="4" marR="0" rtl="0" algn="l">
+      <a:lvl5pPr marR="0" lvl="4" algn="l" rtl="0">
         <a:lnSpc>
           <a:spcPct val="100000"/>
         </a:lnSpc>
@@ -5428,7 +5573,7 @@
           <a:srgbClr val="000000"/>
         </a:buClr>
         <a:buFont typeface="Arial"/>
-        <a:defRPr b="0" i="0" sz="1400" u="none" cap="none" strike="noStrike">
+        <a:defRPr sz="1400" b="0" i="0" u="none" strike="noStrike" cap="none">
           <a:solidFill>
             <a:srgbClr val="000000"/>
           </a:solidFill>
@@ -5438,7 +5583,7 @@
           <a:sym typeface="Arial"/>
         </a:defRPr>
       </a:lvl5pPr>
-      <a:lvl6pPr lvl="5" marR="0" rtl="0" algn="l">
+      <a:lvl6pPr marR="0" lvl="5" algn="l" rtl="0">
         <a:lnSpc>
           <a:spcPct val="100000"/>
         </a:lnSpc>
@@ -5452,7 +5597,7 @@
           <a:srgbClr val="000000"/>
         </a:buClr>
         <a:buFont typeface="Arial"/>
-        <a:defRPr b="0" i="0" sz="1400" u="none" cap="none" strike="noStrike">
+        <a:defRPr sz="1400" b="0" i="0" u="none" strike="noStrike" cap="none">
           <a:solidFill>
             <a:srgbClr val="000000"/>
           </a:solidFill>
@@ -5462,7 +5607,7 @@
           <a:sym typeface="Arial"/>
         </a:defRPr>
       </a:lvl6pPr>
-      <a:lvl7pPr lvl="6" marR="0" rtl="0" algn="l">
+      <a:lvl7pPr marR="0" lvl="6" algn="l" rtl="0">
         <a:lnSpc>
           <a:spcPct val="100000"/>
         </a:lnSpc>
@@ -5476,7 +5621,7 @@
           <a:srgbClr val="000000"/>
         </a:buClr>
         <a:buFont typeface="Arial"/>
-        <a:defRPr b="0" i="0" sz="1400" u="none" cap="none" strike="noStrike">
+        <a:defRPr sz="1400" b="0" i="0" u="none" strike="noStrike" cap="none">
           <a:solidFill>
             <a:srgbClr val="000000"/>
           </a:solidFill>
@@ -5486,7 +5631,7 @@
           <a:sym typeface="Arial"/>
         </a:defRPr>
       </a:lvl7pPr>
-      <a:lvl8pPr lvl="7" marR="0" rtl="0" algn="l">
+      <a:lvl8pPr marR="0" lvl="7" algn="l" rtl="0">
         <a:lnSpc>
           <a:spcPct val="100000"/>
         </a:lnSpc>
@@ -5500,7 +5645,7 @@
           <a:srgbClr val="000000"/>
         </a:buClr>
         <a:buFont typeface="Arial"/>
-        <a:defRPr b="0" i="0" sz="1400" u="none" cap="none" strike="noStrike">
+        <a:defRPr sz="1400" b="0" i="0" u="none" strike="noStrike" cap="none">
           <a:solidFill>
             <a:srgbClr val="000000"/>
           </a:solidFill>
@@ -5510,7 +5655,7 @@
           <a:sym typeface="Arial"/>
         </a:defRPr>
       </a:lvl8pPr>
-      <a:lvl9pPr lvl="8" marR="0" rtl="0" algn="l">
+      <a:lvl9pPr marR="0" lvl="8" algn="l" rtl="0">
         <a:lnSpc>
           <a:spcPct val="100000"/>
         </a:lnSpc>
@@ -5524,7 +5669,7 @@
           <a:srgbClr val="000000"/>
         </a:buClr>
         <a:buFont typeface="Arial"/>
-        <a:defRPr b="0" i="0" sz="1400" u="none" cap="none" strike="noStrike">
+        <a:defRPr sz="1400" b="0" i="0" u="none" strike="noStrike" cap="none">
           <a:solidFill>
             <a:srgbClr val="000000"/>
           </a:solidFill>
@@ -5536,7 +5681,7 @@
       </a:lvl9pPr>
     </p:titleStyle>
     <p:bodyStyle>
-      <a:defPPr lvl="0" marR="0" rtl="0" algn="l">
+      <a:defPPr marR="0" lvl="0" algn="l" rtl="0">
         <a:lnSpc>
           <a:spcPct val="100000"/>
         </a:lnSpc>
@@ -5547,7 +5692,7 @@
           <a:spcPts val="0"/>
         </a:spcAft>
       </a:defPPr>
-      <a:lvl1pPr lvl="0" marR="0" rtl="0" algn="l">
+      <a:lvl1pPr marR="0" lvl="0" algn="l" rtl="0">
         <a:lnSpc>
           <a:spcPct val="100000"/>
         </a:lnSpc>
@@ -5561,7 +5706,7 @@
           <a:srgbClr val="000000"/>
         </a:buClr>
         <a:buFont typeface="Arial"/>
-        <a:defRPr b="0" i="0" sz="1400" u="none" cap="none" strike="noStrike">
+        <a:defRPr sz="1400" b="0" i="0" u="none" strike="noStrike" cap="none">
           <a:solidFill>
             <a:srgbClr val="000000"/>
           </a:solidFill>
@@ -5571,7 +5716,7 @@
           <a:sym typeface="Arial"/>
         </a:defRPr>
       </a:lvl1pPr>
-      <a:lvl2pPr lvl="1" marR="0" rtl="0" algn="l">
+      <a:lvl2pPr marR="0" lvl="1" algn="l" rtl="0">
         <a:lnSpc>
           <a:spcPct val="100000"/>
         </a:lnSpc>
@@ -5585,7 +5730,7 @@
           <a:srgbClr val="000000"/>
         </a:buClr>
         <a:buFont typeface="Arial"/>
-        <a:defRPr b="0" i="0" sz="1400" u="none" cap="none" strike="noStrike">
+        <a:defRPr sz="1400" b="0" i="0" u="none" strike="noStrike" cap="none">
           <a:solidFill>
             <a:srgbClr val="000000"/>
           </a:solidFill>
@@ -5595,7 +5740,7 @@
           <a:sym typeface="Arial"/>
         </a:defRPr>
       </a:lvl2pPr>
-      <a:lvl3pPr lvl="2" marR="0" rtl="0" algn="l">
+      <a:lvl3pPr marR="0" lvl="2" algn="l" rtl="0">
         <a:lnSpc>
           <a:spcPct val="100000"/>
         </a:lnSpc>
@@ -5609,7 +5754,7 @@
           <a:srgbClr val="000000"/>
         </a:buClr>
         <a:buFont typeface="Arial"/>
-        <a:defRPr b="0" i="0" sz="1400" u="none" cap="none" strike="noStrike">
+        <a:defRPr sz="1400" b="0" i="0" u="none" strike="noStrike" cap="none">
           <a:solidFill>
             <a:srgbClr val="000000"/>
           </a:solidFill>
@@ -5619,7 +5764,7 @@
           <a:sym typeface="Arial"/>
         </a:defRPr>
       </a:lvl3pPr>
-      <a:lvl4pPr lvl="3" marR="0" rtl="0" algn="l">
+      <a:lvl4pPr marR="0" lvl="3" algn="l" rtl="0">
         <a:lnSpc>
           <a:spcPct val="100000"/>
         </a:lnSpc>
@@ -5633,7 +5778,7 @@
           <a:srgbClr val="000000"/>
         </a:buClr>
         <a:buFont typeface="Arial"/>
-        <a:defRPr b="0" i="0" sz="1400" u="none" cap="none" strike="noStrike">
+        <a:defRPr sz="1400" b="0" i="0" u="none" strike="noStrike" cap="none">
           <a:solidFill>
             <a:srgbClr val="000000"/>
           </a:solidFill>
@@ -5643,7 +5788,7 @@
           <a:sym typeface="Arial"/>
         </a:defRPr>
       </a:lvl4pPr>
-      <a:lvl5pPr lvl="4" marR="0" rtl="0" algn="l">
+      <a:lvl5pPr marR="0" lvl="4" algn="l" rtl="0">
         <a:lnSpc>
           <a:spcPct val="100000"/>
         </a:lnSpc>
@@ -5657,7 +5802,7 @@
           <a:srgbClr val="000000"/>
         </a:buClr>
         <a:buFont typeface="Arial"/>
-        <a:defRPr b="0" i="0" sz="1400" u="none" cap="none" strike="noStrike">
+        <a:defRPr sz="1400" b="0" i="0" u="none" strike="noStrike" cap="none">
           <a:solidFill>
             <a:srgbClr val="000000"/>
           </a:solidFill>
@@ -5667,7 +5812,7 @@
           <a:sym typeface="Arial"/>
         </a:defRPr>
       </a:lvl5pPr>
-      <a:lvl6pPr lvl="5" marR="0" rtl="0" algn="l">
+      <a:lvl6pPr marR="0" lvl="5" algn="l" rtl="0">
         <a:lnSpc>
           <a:spcPct val="100000"/>
         </a:lnSpc>
@@ -5681,7 +5826,7 @@
           <a:srgbClr val="000000"/>
         </a:buClr>
         <a:buFont typeface="Arial"/>
-        <a:defRPr b="0" i="0" sz="1400" u="none" cap="none" strike="noStrike">
+        <a:defRPr sz="1400" b="0" i="0" u="none" strike="noStrike" cap="none">
           <a:solidFill>
             <a:srgbClr val="000000"/>
           </a:solidFill>
@@ -5691,7 +5836,7 @@
           <a:sym typeface="Arial"/>
         </a:defRPr>
       </a:lvl6pPr>
-      <a:lvl7pPr lvl="6" marR="0" rtl="0" algn="l">
+      <a:lvl7pPr marR="0" lvl="6" algn="l" rtl="0">
         <a:lnSpc>
           <a:spcPct val="100000"/>
         </a:lnSpc>
@@ -5705,7 +5850,7 @@
           <a:srgbClr val="000000"/>
         </a:buClr>
         <a:buFont typeface="Arial"/>
-        <a:defRPr b="0" i="0" sz="1400" u="none" cap="none" strike="noStrike">
+        <a:defRPr sz="1400" b="0" i="0" u="none" strike="noStrike" cap="none">
           <a:solidFill>
             <a:srgbClr val="000000"/>
           </a:solidFill>
@@ -5715,7 +5860,7 @@
           <a:sym typeface="Arial"/>
         </a:defRPr>
       </a:lvl7pPr>
-      <a:lvl8pPr lvl="7" marR="0" rtl="0" algn="l">
+      <a:lvl8pPr marR="0" lvl="7" algn="l" rtl="0">
         <a:lnSpc>
           <a:spcPct val="100000"/>
         </a:lnSpc>
@@ -5729,7 +5874,7 @@
           <a:srgbClr val="000000"/>
         </a:buClr>
         <a:buFont typeface="Arial"/>
-        <a:defRPr b="0" i="0" sz="1400" u="none" cap="none" strike="noStrike">
+        <a:defRPr sz="1400" b="0" i="0" u="none" strike="noStrike" cap="none">
           <a:solidFill>
             <a:srgbClr val="000000"/>
           </a:solidFill>
@@ -5739,7 +5884,7 @@
           <a:sym typeface="Arial"/>
         </a:defRPr>
       </a:lvl8pPr>
-      <a:lvl9pPr lvl="8" marR="0" rtl="0" algn="l">
+      <a:lvl9pPr marR="0" lvl="8" algn="l" rtl="0">
         <a:lnSpc>
           <a:spcPct val="100000"/>
         </a:lnSpc>
@@ -5753,7 +5898,7 @@
           <a:srgbClr val="000000"/>
         </a:buClr>
         <a:buFont typeface="Arial"/>
-        <a:defRPr b="0" i="0" sz="1400" u="none" cap="none" strike="noStrike">
+        <a:defRPr sz="1400" b="0" i="0" u="none" strike="noStrike" cap="none">
           <a:solidFill>
             <a:srgbClr val="000000"/>
           </a:solidFill>
@@ -5765,7 +5910,7 @@
       </a:lvl9pPr>
     </p:bodyStyle>
     <p:otherStyle>
-      <a:defPPr lvl="0" marR="0" rtl="0" algn="l">
+      <a:defPPr marR="0" lvl="0" algn="l" rtl="0">
         <a:lnSpc>
           <a:spcPct val="100000"/>
         </a:lnSpc>
@@ -5776,7 +5921,7 @@
           <a:spcPts val="0"/>
         </a:spcAft>
       </a:defPPr>
-      <a:lvl1pPr lvl="0" marR="0" rtl="0" algn="l">
+      <a:lvl1pPr marR="0" lvl="0" algn="l" rtl="0">
         <a:lnSpc>
           <a:spcPct val="100000"/>
         </a:lnSpc>
@@ -5790,7 +5935,7 @@
           <a:srgbClr val="000000"/>
         </a:buClr>
         <a:buFont typeface="Arial"/>
-        <a:defRPr b="0" i="0" sz="1400" u="none" cap="none" strike="noStrike">
+        <a:defRPr sz="1400" b="0" i="0" u="none" strike="noStrike" cap="none">
           <a:solidFill>
             <a:srgbClr val="000000"/>
           </a:solidFill>
@@ -5800,7 +5945,7 @@
           <a:sym typeface="Arial"/>
         </a:defRPr>
       </a:lvl1pPr>
-      <a:lvl2pPr lvl="1" marR="0" rtl="0" algn="l">
+      <a:lvl2pPr marR="0" lvl="1" algn="l" rtl="0">
         <a:lnSpc>
           <a:spcPct val="100000"/>
         </a:lnSpc>
@@ -5814,7 +5959,7 @@
           <a:srgbClr val="000000"/>
         </a:buClr>
         <a:buFont typeface="Arial"/>
-        <a:defRPr b="0" i="0" sz="1400" u="none" cap="none" strike="noStrike">
+        <a:defRPr sz="1400" b="0" i="0" u="none" strike="noStrike" cap="none">
           <a:solidFill>
             <a:srgbClr val="000000"/>
           </a:solidFill>
@@ -5824,7 +5969,7 @@
           <a:sym typeface="Arial"/>
         </a:defRPr>
       </a:lvl2pPr>
-      <a:lvl3pPr lvl="2" marR="0" rtl="0" algn="l">
+      <a:lvl3pPr marR="0" lvl="2" algn="l" rtl="0">
         <a:lnSpc>
           <a:spcPct val="100000"/>
         </a:lnSpc>
@@ -5838,7 +5983,7 @@
           <a:srgbClr val="000000"/>
         </a:buClr>
         <a:buFont typeface="Arial"/>
-        <a:defRPr b="0" i="0" sz="1400" u="none" cap="none" strike="noStrike">
+        <a:defRPr sz="1400" b="0" i="0" u="none" strike="noStrike" cap="none">
           <a:solidFill>
             <a:srgbClr val="000000"/>
           </a:solidFill>
@@ -5848,7 +5993,7 @@
           <a:sym typeface="Arial"/>
         </a:defRPr>
       </a:lvl3pPr>
-      <a:lvl4pPr lvl="3" marR="0" rtl="0" algn="l">
+      <a:lvl4pPr marR="0" lvl="3" algn="l" rtl="0">
         <a:lnSpc>
           <a:spcPct val="100000"/>
         </a:lnSpc>
@@ -5862,7 +6007,7 @@
           <a:srgbClr val="000000"/>
         </a:buClr>
         <a:buFont typeface="Arial"/>
-        <a:defRPr b="0" i="0" sz="1400" u="none" cap="none" strike="noStrike">
+        <a:defRPr sz="1400" b="0" i="0" u="none" strike="noStrike" cap="none">
           <a:solidFill>
             <a:srgbClr val="000000"/>
           </a:solidFill>
@@ -5872,7 +6017,7 @@
           <a:sym typeface="Arial"/>
         </a:defRPr>
       </a:lvl4pPr>
-      <a:lvl5pPr lvl="4" marR="0" rtl="0" algn="l">
+      <a:lvl5pPr marR="0" lvl="4" algn="l" rtl="0">
         <a:lnSpc>
           <a:spcPct val="100000"/>
         </a:lnSpc>
@@ -5886,7 +6031,7 @@
           <a:srgbClr val="000000"/>
         </a:buClr>
         <a:buFont typeface="Arial"/>
-        <a:defRPr b="0" i="0" sz="1400" u="none" cap="none" strike="noStrike">
+        <a:defRPr sz="1400" b="0" i="0" u="none" strike="noStrike" cap="none">
           <a:solidFill>
             <a:srgbClr val="000000"/>
           </a:solidFill>
@@ -5896,7 +6041,7 @@
           <a:sym typeface="Arial"/>
         </a:defRPr>
       </a:lvl5pPr>
-      <a:lvl6pPr lvl="5" marR="0" rtl="0" algn="l">
+      <a:lvl6pPr marR="0" lvl="5" algn="l" rtl="0">
         <a:lnSpc>
           <a:spcPct val="100000"/>
         </a:lnSpc>
@@ -5910,7 +6055,7 @@
           <a:srgbClr val="000000"/>
         </a:buClr>
         <a:buFont typeface="Arial"/>
-        <a:defRPr b="0" i="0" sz="1400" u="none" cap="none" strike="noStrike">
+        <a:defRPr sz="1400" b="0" i="0" u="none" strike="noStrike" cap="none">
           <a:solidFill>
             <a:srgbClr val="000000"/>
           </a:solidFill>
@@ -5920,7 +6065,7 @@
           <a:sym typeface="Arial"/>
         </a:defRPr>
       </a:lvl6pPr>
-      <a:lvl7pPr lvl="6" marR="0" rtl="0" algn="l">
+      <a:lvl7pPr marR="0" lvl="6" algn="l" rtl="0">
         <a:lnSpc>
           <a:spcPct val="100000"/>
         </a:lnSpc>
@@ -5934,7 +6079,7 @@
           <a:srgbClr val="000000"/>
         </a:buClr>
         <a:buFont typeface="Arial"/>
-        <a:defRPr b="0" i="0" sz="1400" u="none" cap="none" strike="noStrike">
+        <a:defRPr sz="1400" b="0" i="0" u="none" strike="noStrike" cap="none">
           <a:solidFill>
             <a:srgbClr val="000000"/>
           </a:solidFill>
@@ -5944,7 +6089,7 @@
           <a:sym typeface="Arial"/>
         </a:defRPr>
       </a:lvl7pPr>
-      <a:lvl8pPr lvl="7" marR="0" rtl="0" algn="l">
+      <a:lvl8pPr marR="0" lvl="7" algn="l" rtl="0">
         <a:lnSpc>
           <a:spcPct val="100000"/>
         </a:lnSpc>
@@ -5958,7 +6103,7 @@
           <a:srgbClr val="000000"/>
         </a:buClr>
         <a:buFont typeface="Arial"/>
-        <a:defRPr b="0" i="0" sz="1400" u="none" cap="none" strike="noStrike">
+        <a:defRPr sz="1400" b="0" i="0" u="none" strike="noStrike" cap="none">
           <a:solidFill>
             <a:srgbClr val="000000"/>
           </a:solidFill>
@@ -5968,7 +6113,7 @@
           <a:sym typeface="Arial"/>
         </a:defRPr>
       </a:lvl8pPr>
-      <a:lvl9pPr lvl="8" marR="0" rtl="0" algn="l">
+      <a:lvl9pPr marR="0" lvl="8" algn="l" rtl="0">
         <a:lnSpc>
           <a:spcPct val="100000"/>
         </a:lnSpc>
@@ -5982,7 +6127,7 @@
           <a:srgbClr val="000000"/>
         </a:buClr>
         <a:buFont typeface="Arial"/>
-        <a:defRPr b="0" i="0" sz="1400" u="none" cap="none" strike="noStrike">
+        <a:defRPr sz="1400" b="0" i="0" u="none" strike="noStrike" cap="none">
           <a:solidFill>
             <a:srgbClr val="000000"/>
           </a:solidFill>
@@ -5998,11 +6143,11 @@
 </file>
 
 <file path=ppt/slides/slide1.xml><?xml version="1.0" encoding="utf-8"?>
-<p:sld xmlns:a="http://schemas.openxmlformats.org/drawingml/2006/main" xmlns:r="http://schemas.openxmlformats.org/officeDocument/2006/relationships" xmlns:mc="http://schemas.openxmlformats.org/markup-compatibility/2006" xmlns:mv="urn:schemas-microsoft-com:mac:vml" xmlns:p="http://schemas.openxmlformats.org/presentationml/2006/main" xmlns:c="http://schemas.openxmlformats.org/drawingml/2006/chart" xmlns:dgm="http://schemas.openxmlformats.org/drawingml/2006/diagram" xmlns:o="urn:schemas-microsoft-com:office:office" xmlns:v="urn:schemas-microsoft-com:vml" xmlns:pvml="urn:schemas-microsoft-com:office:powerpoint" xmlns:com="http://schemas.openxmlformats.org/drawingml/2006/compatibility" xmlns:p14="http://schemas.microsoft.com/office/powerpoint/2010/main" xmlns:p15="http://schemas.microsoft.com/office/powerpoint/2012/main">
+<p:sld xmlns:a="http://schemas.openxmlformats.org/drawingml/2006/main" xmlns:r="http://schemas.openxmlformats.org/officeDocument/2006/relationships" xmlns:p="http://schemas.openxmlformats.org/presentationml/2006/main">
   <p:cSld>
     <p:spTree>
       <p:nvGrpSpPr>
-        <p:cNvPr id="53" name="Shape 53"/>
+        <p:cNvPr id="1" name="Shape 53"/>
         <p:cNvGrpSpPr/>
         <p:nvPr/>
       </p:nvGrpSpPr>
@@ -6017,7 +6162,9 @@
       <p:sp>
         <p:nvSpPr>
           <p:cNvPr id="54" name="Google Shape;54;p13"/>
-          <p:cNvSpPr txBox="1"/>
+          <p:cNvSpPr txBox="1">
+            <a:spLocks noGrp="1"/>
+          </p:cNvSpPr>
           <p:nvPr>
             <p:ph type="ctrTitle"/>
           </p:nvPr>
@@ -6032,12 +6179,12 @@
           </a:prstGeom>
         </p:spPr>
         <p:txBody>
-          <a:bodyPr anchorCtr="0" anchor="b" bIns="91425" lIns="91425" spcFirstLastPara="1" rIns="91425" wrap="square" tIns="91425">
+          <a:bodyPr spcFirstLastPara="1" wrap="square" lIns="91425" tIns="91425" rIns="91425" bIns="91425" anchor="b" anchorCtr="0">
             <a:noAutofit/>
           </a:bodyPr>
           <a:lstStyle/>
           <a:p>
-            <a:pPr indent="0" lvl="0" marL="0" rtl="0" algn="ctr">
+            <a:pPr marL="0" lvl="0" indent="0" algn="ctr" rtl="0">
               <a:spcBef>
                 <a:spcPts val="0"/>
               </a:spcBef>
@@ -6047,19 +6194,21 @@
               <a:buNone/>
             </a:pPr>
             <a:r>
-              <a:rPr lang="en"/>
-              <a:t>Name  and theme </a:t>
+              <a:rPr lang="en" dirty="0" smtClean="0"/>
+              <a:t>Team 11 Ice Cave Crystals </a:t>
             </a:r>
-            <a:endParaRPr/>
+            <a:endParaRPr dirty="0"/>
           </a:p>
         </p:txBody>
       </p:sp>
       <p:sp>
         <p:nvSpPr>
           <p:cNvPr id="55" name="Google Shape;55;p13"/>
-          <p:cNvSpPr txBox="1"/>
+          <p:cNvSpPr txBox="1">
+            <a:spLocks noGrp="1"/>
+          </p:cNvSpPr>
           <p:nvPr>
-            <p:ph idx="1" type="subTitle"/>
+            <p:ph type="subTitle" idx="1"/>
           </p:nvPr>
         </p:nvSpPr>
         <p:spPr>
@@ -6072,12 +6221,12 @@
           </a:prstGeom>
         </p:spPr>
         <p:txBody>
-          <a:bodyPr anchorCtr="0" anchor="t" bIns="91425" lIns="91425" spcFirstLastPara="1" rIns="91425" wrap="square" tIns="91425">
+          <a:bodyPr spcFirstLastPara="1" wrap="square" lIns="91425" tIns="91425" rIns="91425" bIns="91425" anchor="t" anchorCtr="0">
             <a:noAutofit/>
           </a:bodyPr>
           <a:lstStyle/>
           <a:p>
-            <a:pPr indent="0" lvl="0" marL="0" rtl="0" algn="ctr">
+            <a:pPr marL="0" lvl="0" indent="0" algn="ctr" rtl="0">
               <a:spcBef>
                 <a:spcPts val="0"/>
               </a:spcBef>
@@ -6087,9 +6236,10 @@
               <a:buNone/>
             </a:pPr>
             <a:r>
-              <a:t/>
+              <a:rPr lang="en-US" dirty="0" smtClean="0"/>
+              <a:t>Nathan V, Max B, Josh A, Harry J-R, Zhenhua B </a:t>
             </a:r>
-            <a:endParaRPr/>
+            <a:endParaRPr dirty="0"/>
           </a:p>
         </p:txBody>
       </p:sp>
@@ -6102,11 +6252,11 @@
 </file>
 
 <file path=ppt/slides/slide2.xml><?xml version="1.0" encoding="utf-8"?>
-<p:sld xmlns:a="http://schemas.openxmlformats.org/drawingml/2006/main" xmlns:r="http://schemas.openxmlformats.org/officeDocument/2006/relationships" xmlns:mc="http://schemas.openxmlformats.org/markup-compatibility/2006" xmlns:mv="urn:schemas-microsoft-com:mac:vml" xmlns:p="http://schemas.openxmlformats.org/presentationml/2006/main" xmlns:c="http://schemas.openxmlformats.org/drawingml/2006/chart" xmlns:dgm="http://schemas.openxmlformats.org/drawingml/2006/diagram" xmlns:o="urn:schemas-microsoft-com:office:office" xmlns:v="urn:schemas-microsoft-com:vml" xmlns:pvml="urn:schemas-microsoft-com:office:powerpoint" xmlns:com="http://schemas.openxmlformats.org/drawingml/2006/compatibility" xmlns:p14="http://schemas.microsoft.com/office/powerpoint/2010/main" xmlns:p15="http://schemas.microsoft.com/office/powerpoint/2012/main">
+<p:sld xmlns:a="http://schemas.openxmlformats.org/drawingml/2006/main" xmlns:r="http://schemas.openxmlformats.org/officeDocument/2006/relationships" xmlns:p="http://schemas.openxmlformats.org/presentationml/2006/main">
   <p:cSld>
     <p:spTree>
       <p:nvGrpSpPr>
-        <p:cNvPr id="59" name="Shape 59"/>
+        <p:cNvPr id="1" name="Shape 59"/>
         <p:cNvGrpSpPr/>
         <p:nvPr/>
       </p:nvGrpSpPr>
@@ -6121,7 +6271,9 @@
       <p:sp>
         <p:nvSpPr>
           <p:cNvPr id="60" name="Google Shape;60;p14"/>
-          <p:cNvSpPr txBox="1"/>
+          <p:cNvSpPr txBox="1">
+            <a:spLocks noGrp="1"/>
+          </p:cNvSpPr>
           <p:nvPr>
             <p:ph type="title"/>
           </p:nvPr>
@@ -6136,12 +6288,12 @@
           </a:prstGeom>
         </p:spPr>
         <p:txBody>
-          <a:bodyPr anchorCtr="0" anchor="t" bIns="91425" lIns="91425" spcFirstLastPara="1" rIns="91425" wrap="square" tIns="91425">
+          <a:bodyPr spcFirstLastPara="1" wrap="square" lIns="91425" tIns="91425" rIns="91425" bIns="91425" anchor="t" anchorCtr="0">
             <a:noAutofit/>
           </a:bodyPr>
           <a:lstStyle/>
           <a:p>
-            <a:pPr indent="0" lvl="0" marL="0" rtl="0" algn="l">
+            <a:pPr marL="0" lvl="0" indent="0" algn="l" rtl="0">
               <a:spcBef>
                 <a:spcPts val="0"/>
               </a:spcBef>
@@ -6152,55 +6304,42 @@
             </a:pPr>
             <a:r>
               <a:rPr lang="en"/>
-              <a:t>Research</a:t>
-            </a:r>
-            <a:r>
-              <a:rPr lang="en"/>
-              <a:t> board </a:t>
+              <a:t>Research board </a:t>
             </a:r>
             <a:endParaRPr/>
           </a:p>
         </p:txBody>
       </p:sp>
-      <p:sp>
-        <p:nvSpPr>
-          <p:cNvPr id="61" name="Google Shape;61;p14"/>
-          <p:cNvSpPr txBox="1"/>
-          <p:nvPr>
-            <p:ph idx="1" type="body"/>
-          </p:nvPr>
-        </p:nvSpPr>
+      <p:pic>
+        <p:nvPicPr>
+          <p:cNvPr id="2" name="Picture 1"/>
+          <p:cNvPicPr>
+            <a:picLocks noChangeAspect="1"/>
+          </p:cNvPicPr>
+          <p:nvPr/>
+        </p:nvPicPr>
+        <p:blipFill>
+          <a:blip r:embed="rId3">
+            <a:extLst>
+              <a:ext uri="{28A0092B-C50C-407E-A947-70E740481C1C}">
+                <a14:useLocalDpi xmlns:a14="http://schemas.microsoft.com/office/drawing/2010/main" val="0"/>
+              </a:ext>
+            </a:extLst>
+          </a:blip>
+          <a:stretch>
+            <a:fillRect/>
+          </a:stretch>
+        </p:blipFill>
         <p:spPr>
           <a:xfrm>
-            <a:off x="311700" y="1152475"/>
-            <a:ext cx="8520600" cy="3416400"/>
+            <a:off x="3636092" y="250018"/>
+            <a:ext cx="4003573" cy="4323859"/>
           </a:xfrm>
           <a:prstGeom prst="rect">
             <a:avLst/>
           </a:prstGeom>
         </p:spPr>
-        <p:txBody>
-          <a:bodyPr anchorCtr="0" anchor="t" bIns="91425" lIns="91425" spcFirstLastPara="1" rIns="91425" wrap="square" tIns="91425">
-            <a:noAutofit/>
-          </a:bodyPr>
-          <a:lstStyle/>
-          <a:p>
-            <a:pPr indent="0" lvl="0" marL="0" rtl="0" algn="l">
-              <a:spcBef>
-                <a:spcPts val="0"/>
-              </a:spcBef>
-              <a:spcAft>
-                <a:spcPts val="1600"/>
-              </a:spcAft>
-              <a:buNone/>
-            </a:pPr>
-            <a:r>
-              <a:t/>
-            </a:r>
-            <a:endParaRPr/>
-          </a:p>
-        </p:txBody>
-      </p:sp>
+      </p:pic>
     </p:spTree>
   </p:cSld>
   <p:clrMapOvr>
@@ -6210,11 +6349,11 @@
 </file>
 
 <file path=ppt/slides/slide3.xml><?xml version="1.0" encoding="utf-8"?>
-<p:sld xmlns:a="http://schemas.openxmlformats.org/drawingml/2006/main" xmlns:r="http://schemas.openxmlformats.org/officeDocument/2006/relationships" xmlns:mc="http://schemas.openxmlformats.org/markup-compatibility/2006" xmlns:mv="urn:schemas-microsoft-com:mac:vml" xmlns:p="http://schemas.openxmlformats.org/presentationml/2006/main" xmlns:c="http://schemas.openxmlformats.org/drawingml/2006/chart" xmlns:dgm="http://schemas.openxmlformats.org/drawingml/2006/diagram" xmlns:o="urn:schemas-microsoft-com:office:office" xmlns:v="urn:schemas-microsoft-com:vml" xmlns:pvml="urn:schemas-microsoft-com:office:powerpoint" xmlns:com="http://schemas.openxmlformats.org/drawingml/2006/compatibility" xmlns:p14="http://schemas.microsoft.com/office/powerpoint/2010/main" xmlns:p15="http://schemas.microsoft.com/office/powerpoint/2012/main">
+<p:sld xmlns:a="http://schemas.openxmlformats.org/drawingml/2006/main" xmlns:r="http://schemas.openxmlformats.org/officeDocument/2006/relationships" xmlns:p="http://schemas.openxmlformats.org/presentationml/2006/main">
   <p:cSld>
     <p:spTree>
       <p:nvGrpSpPr>
-        <p:cNvPr id="65" name="Shape 65"/>
+        <p:cNvPr id="1" name="Shape 65"/>
         <p:cNvGrpSpPr/>
         <p:nvPr/>
       </p:nvGrpSpPr>
@@ -6229,7 +6368,9 @@
       <p:sp>
         <p:nvSpPr>
           <p:cNvPr id="66" name="Google Shape;66;p15"/>
-          <p:cNvSpPr txBox="1"/>
+          <p:cNvSpPr txBox="1">
+            <a:spLocks noGrp="1"/>
+          </p:cNvSpPr>
           <p:nvPr>
             <p:ph type="title"/>
           </p:nvPr>
@@ -6244,12 +6385,12 @@
           </a:prstGeom>
         </p:spPr>
         <p:txBody>
-          <a:bodyPr anchorCtr="0" anchor="t" bIns="91425" lIns="91425" spcFirstLastPara="1" rIns="91425" wrap="square" tIns="91425">
+          <a:bodyPr spcFirstLastPara="1" wrap="square" lIns="91425" tIns="91425" rIns="91425" bIns="91425" anchor="t" anchorCtr="0">
             <a:noAutofit/>
           </a:bodyPr>
           <a:lstStyle/>
           <a:p>
-            <a:pPr indent="0" lvl="0" marL="0" rtl="0" algn="l">
+            <a:pPr marL="0" lvl="0" indent="0" algn="l" rtl="0">
               <a:spcBef>
                 <a:spcPts val="0"/>
               </a:spcBef>
@@ -6260,55 +6401,42 @@
             </a:pPr>
             <a:r>
               <a:rPr lang="en"/>
-              <a:t>Distillation</a:t>
-            </a:r>
-            <a:r>
-              <a:rPr lang="en"/>
-              <a:t> </a:t>
+              <a:t>Distillation </a:t>
             </a:r>
             <a:endParaRPr/>
           </a:p>
         </p:txBody>
       </p:sp>
-      <p:sp>
-        <p:nvSpPr>
-          <p:cNvPr id="67" name="Google Shape;67;p15"/>
-          <p:cNvSpPr txBox="1"/>
-          <p:nvPr>
-            <p:ph idx="1" type="body"/>
-          </p:nvPr>
-        </p:nvSpPr>
+      <p:pic>
+        <p:nvPicPr>
+          <p:cNvPr id="3" name="Picture 2"/>
+          <p:cNvPicPr>
+            <a:picLocks noChangeAspect="1"/>
+          </p:cNvPicPr>
+          <p:nvPr/>
+        </p:nvPicPr>
+        <p:blipFill>
+          <a:blip r:embed="rId3">
+            <a:extLst>
+              <a:ext uri="{28A0092B-C50C-407E-A947-70E740481C1C}">
+                <a14:useLocalDpi xmlns:a14="http://schemas.microsoft.com/office/drawing/2010/main" val="0"/>
+              </a:ext>
+            </a:extLst>
+          </a:blip>
+          <a:stretch>
+            <a:fillRect/>
+          </a:stretch>
+        </p:blipFill>
         <p:spPr>
           <a:xfrm>
-            <a:off x="311700" y="1152475"/>
-            <a:ext cx="8520600" cy="3416400"/>
+            <a:off x="2295217" y="520750"/>
+            <a:ext cx="5143500" cy="4048125"/>
           </a:xfrm>
           <a:prstGeom prst="rect">
             <a:avLst/>
           </a:prstGeom>
         </p:spPr>
-        <p:txBody>
-          <a:bodyPr anchorCtr="0" anchor="t" bIns="91425" lIns="91425" spcFirstLastPara="1" rIns="91425" wrap="square" tIns="91425">
-            <a:noAutofit/>
-          </a:bodyPr>
-          <a:lstStyle/>
-          <a:p>
-            <a:pPr indent="0" lvl="0" marL="0" rtl="0" algn="l">
-              <a:spcBef>
-                <a:spcPts val="0"/>
-              </a:spcBef>
-              <a:spcAft>
-                <a:spcPts val="1600"/>
-              </a:spcAft>
-              <a:buNone/>
-            </a:pPr>
-            <a:r>
-              <a:t/>
-            </a:r>
-            <a:endParaRPr/>
-          </a:p>
-        </p:txBody>
-      </p:sp>
+      </p:pic>
     </p:spTree>
   </p:cSld>
   <p:clrMapOvr>
@@ -6318,11 +6446,11 @@
 </file>
 
 <file path=ppt/slides/slide4.xml><?xml version="1.0" encoding="utf-8"?>
-<p:sld xmlns:a="http://schemas.openxmlformats.org/drawingml/2006/main" xmlns:r="http://schemas.openxmlformats.org/officeDocument/2006/relationships" xmlns:mc="http://schemas.openxmlformats.org/markup-compatibility/2006" xmlns:mv="urn:schemas-microsoft-com:mac:vml" xmlns:p="http://schemas.openxmlformats.org/presentationml/2006/main" xmlns:c="http://schemas.openxmlformats.org/drawingml/2006/chart" xmlns:dgm="http://schemas.openxmlformats.org/drawingml/2006/diagram" xmlns:o="urn:schemas-microsoft-com:office:office" xmlns:v="urn:schemas-microsoft-com:vml" xmlns:pvml="urn:schemas-microsoft-com:office:powerpoint" xmlns:com="http://schemas.openxmlformats.org/drawingml/2006/compatibility" xmlns:p14="http://schemas.microsoft.com/office/powerpoint/2010/main" xmlns:p15="http://schemas.microsoft.com/office/powerpoint/2012/main">
+<p:sld xmlns:a="http://schemas.openxmlformats.org/drawingml/2006/main" xmlns:r="http://schemas.openxmlformats.org/officeDocument/2006/relationships" xmlns:p="http://schemas.openxmlformats.org/presentationml/2006/main">
   <p:cSld>
     <p:spTree>
       <p:nvGrpSpPr>
-        <p:cNvPr id="71" name="Shape 71"/>
+        <p:cNvPr id="1" name="Shape 71"/>
         <p:cNvGrpSpPr/>
         <p:nvPr/>
       </p:nvGrpSpPr>
@@ -6337,7 +6465,9 @@
       <p:sp>
         <p:nvSpPr>
           <p:cNvPr id="72" name="Google Shape;72;p16"/>
-          <p:cNvSpPr txBox="1"/>
+          <p:cNvSpPr txBox="1">
+            <a:spLocks noGrp="1"/>
+          </p:cNvSpPr>
           <p:nvPr>
             <p:ph type="title"/>
           </p:nvPr>
@@ -6352,12 +6482,12 @@
           </a:prstGeom>
         </p:spPr>
         <p:txBody>
-          <a:bodyPr anchorCtr="0" anchor="t" bIns="91425" lIns="91425" spcFirstLastPara="1" rIns="91425" wrap="square" tIns="91425">
+          <a:bodyPr spcFirstLastPara="1" wrap="square" lIns="91425" tIns="91425" rIns="91425" bIns="91425" anchor="t" anchorCtr="0">
             <a:noAutofit/>
           </a:bodyPr>
           <a:lstStyle/>
           <a:p>
-            <a:pPr indent="0" lvl="0" marL="0" rtl="0" algn="l">
+            <a:pPr marL="0" lvl="0" indent="0" algn="l" rtl="0">
               <a:spcBef>
                 <a:spcPts val="0"/>
               </a:spcBef>
@@ -6368,55 +6498,72 @@
             </a:pPr>
             <a:r>
               <a:rPr lang="en"/>
-              <a:t>Thumbnails</a:t>
-            </a:r>
-            <a:r>
-              <a:rPr lang="en"/>
-              <a:t> </a:t>
+              <a:t>Thumbnails </a:t>
             </a:r>
             <a:endParaRPr/>
           </a:p>
         </p:txBody>
       </p:sp>
-      <p:sp>
-        <p:nvSpPr>
-          <p:cNvPr id="73" name="Google Shape;73;p16"/>
-          <p:cNvSpPr txBox="1"/>
-          <p:nvPr>
-            <p:ph idx="1" type="body"/>
-          </p:nvPr>
-        </p:nvSpPr>
+      <p:pic>
+        <p:nvPicPr>
+          <p:cNvPr id="2" name="Picture 1"/>
+          <p:cNvPicPr>
+            <a:picLocks noChangeAspect="1"/>
+          </p:cNvPicPr>
+          <p:nvPr/>
+        </p:nvPicPr>
+        <p:blipFill>
+          <a:blip r:embed="rId3">
+            <a:extLst>
+              <a:ext uri="{28A0092B-C50C-407E-A947-70E740481C1C}">
+                <a14:useLocalDpi xmlns:a14="http://schemas.microsoft.com/office/drawing/2010/main" val="0"/>
+              </a:ext>
+            </a:extLst>
+          </a:blip>
+          <a:stretch>
+            <a:fillRect/>
+          </a:stretch>
+        </p:blipFill>
         <p:spPr>
           <a:xfrm>
-            <a:off x="311700" y="1152475"/>
-            <a:ext cx="8520600" cy="3416400"/>
+            <a:off x="4738121" y="1238635"/>
+            <a:ext cx="4260300" cy="2911479"/>
           </a:xfrm>
           <a:prstGeom prst="rect">
             <a:avLst/>
           </a:prstGeom>
         </p:spPr>
-        <p:txBody>
-          <a:bodyPr anchorCtr="0" anchor="t" bIns="91425" lIns="91425" spcFirstLastPara="1" rIns="91425" wrap="square" tIns="91425">
-            <a:noAutofit/>
-          </a:bodyPr>
-          <a:lstStyle/>
-          <a:p>
-            <a:pPr indent="0" lvl="0" marL="0" rtl="0" algn="l">
-              <a:spcBef>
-                <a:spcPts val="0"/>
-              </a:spcBef>
-              <a:spcAft>
-                <a:spcPts val="1600"/>
-              </a:spcAft>
-              <a:buNone/>
-            </a:pPr>
-            <a:r>
-              <a:t/>
-            </a:r>
-            <a:endParaRPr/>
-          </a:p>
-        </p:txBody>
-      </p:sp>
+      </p:pic>
+      <p:pic>
+        <p:nvPicPr>
+          <p:cNvPr id="3" name="Picture 2"/>
+          <p:cNvPicPr>
+            <a:picLocks noChangeAspect="1"/>
+          </p:cNvPicPr>
+          <p:nvPr/>
+        </p:nvPicPr>
+        <p:blipFill>
+          <a:blip r:embed="rId4">
+            <a:extLst>
+              <a:ext uri="{28A0092B-C50C-407E-A947-70E740481C1C}">
+                <a14:useLocalDpi xmlns:a14="http://schemas.microsoft.com/office/drawing/2010/main" val="0"/>
+              </a:ext>
+            </a:extLst>
+          </a:blip>
+          <a:stretch>
+            <a:fillRect/>
+          </a:stretch>
+        </p:blipFill>
+        <p:spPr>
+          <a:xfrm>
+            <a:off x="145579" y="1238635"/>
+            <a:ext cx="4426421" cy="2911479"/>
+          </a:xfrm>
+          <a:prstGeom prst="rect">
+            <a:avLst/>
+          </a:prstGeom>
+        </p:spPr>
+      </p:pic>
     </p:spTree>
   </p:cSld>
   <p:clrMapOvr>
@@ -6426,11 +6573,11 @@
 </file>
 
 <file path=ppt/slides/slide5.xml><?xml version="1.0" encoding="utf-8"?>
-<p:sld xmlns:a="http://schemas.openxmlformats.org/drawingml/2006/main" xmlns:r="http://schemas.openxmlformats.org/officeDocument/2006/relationships" xmlns:mc="http://schemas.openxmlformats.org/markup-compatibility/2006" xmlns:mv="urn:schemas-microsoft-com:mac:vml" xmlns:p="http://schemas.openxmlformats.org/presentationml/2006/main" xmlns:c="http://schemas.openxmlformats.org/drawingml/2006/chart" xmlns:dgm="http://schemas.openxmlformats.org/drawingml/2006/diagram" xmlns:o="urn:schemas-microsoft-com:office:office" xmlns:v="urn:schemas-microsoft-com:vml" xmlns:pvml="urn:schemas-microsoft-com:office:powerpoint" xmlns:com="http://schemas.openxmlformats.org/drawingml/2006/compatibility" xmlns:p14="http://schemas.microsoft.com/office/powerpoint/2010/main" xmlns:p15="http://schemas.microsoft.com/office/powerpoint/2012/main">
+<p:sld xmlns:a="http://schemas.openxmlformats.org/drawingml/2006/main" xmlns:r="http://schemas.openxmlformats.org/officeDocument/2006/relationships" xmlns:p="http://schemas.openxmlformats.org/presentationml/2006/main">
   <p:cSld>
     <p:spTree>
       <p:nvGrpSpPr>
-        <p:cNvPr id="77" name="Shape 77"/>
+        <p:cNvPr id="1" name="Shape 77"/>
         <p:cNvGrpSpPr/>
         <p:nvPr/>
       </p:nvGrpSpPr>
@@ -6445,7 +6592,9 @@
       <p:sp>
         <p:nvSpPr>
           <p:cNvPr id="78" name="Google Shape;78;p17"/>
-          <p:cNvSpPr txBox="1"/>
+          <p:cNvSpPr txBox="1">
+            <a:spLocks noGrp="1"/>
+          </p:cNvSpPr>
           <p:nvPr>
             <p:ph type="title"/>
           </p:nvPr>
@@ -6460,12 +6609,12 @@
           </a:prstGeom>
         </p:spPr>
         <p:txBody>
-          <a:bodyPr anchorCtr="0" anchor="t" bIns="91425" lIns="91425" spcFirstLastPara="1" rIns="91425" wrap="square" tIns="91425">
+          <a:bodyPr spcFirstLastPara="1" wrap="square" lIns="91425" tIns="91425" rIns="91425" bIns="91425" anchor="t" anchorCtr="0">
             <a:noAutofit/>
           </a:bodyPr>
           <a:lstStyle/>
           <a:p>
-            <a:pPr indent="0" lvl="0" marL="0" rtl="0" algn="l">
+            <a:pPr marL="0" lvl="0" indent="0" algn="l" rtl="0">
               <a:spcBef>
                 <a:spcPts val="0"/>
               </a:spcBef>
@@ -6476,11 +6625,7 @@
             </a:pPr>
             <a:r>
               <a:rPr lang="en"/>
-              <a:t>Final</a:t>
-            </a:r>
-            <a:r>
-              <a:rPr lang="en"/>
-              <a:t> art </a:t>
+              <a:t>Final art </a:t>
             </a:r>
             <a:endParaRPr/>
           </a:p>
@@ -6489,9 +6634,11 @@
       <p:sp>
         <p:nvSpPr>
           <p:cNvPr id="79" name="Google Shape;79;p17"/>
-          <p:cNvSpPr txBox="1"/>
+          <p:cNvSpPr txBox="1">
+            <a:spLocks noGrp="1"/>
+          </p:cNvSpPr>
           <p:nvPr>
-            <p:ph idx="1" type="body"/>
+            <p:ph type="body" idx="1"/>
           </p:nvPr>
         </p:nvSpPr>
         <p:spPr>
@@ -6504,12 +6651,12 @@
           </a:prstGeom>
         </p:spPr>
         <p:txBody>
-          <a:bodyPr anchorCtr="0" anchor="t" bIns="91425" lIns="91425" spcFirstLastPara="1" rIns="91425" wrap="square" tIns="91425">
+          <a:bodyPr spcFirstLastPara="1" wrap="square" lIns="91425" tIns="91425" rIns="91425" bIns="91425" anchor="t" anchorCtr="0">
             <a:noAutofit/>
           </a:bodyPr>
           <a:lstStyle/>
           <a:p>
-            <a:pPr indent="0" lvl="0" marL="0" rtl="0" algn="l">
+            <a:pPr marL="0" lvl="0" indent="0" algn="l" rtl="0">
               <a:spcBef>
                 <a:spcPts val="0"/>
               </a:spcBef>
@@ -6518,9 +6665,6 @@
               </a:spcAft>
               <a:buNone/>
             </a:pPr>
-            <a:r>
-              <a:t/>
-            </a:r>
             <a:endParaRPr/>
           </a:p>
         </p:txBody>
@@ -6534,11 +6678,11 @@
 </file>
 
 <file path=ppt/slides/slide6.xml><?xml version="1.0" encoding="utf-8"?>
-<p:sld xmlns:a="http://schemas.openxmlformats.org/drawingml/2006/main" xmlns:r="http://schemas.openxmlformats.org/officeDocument/2006/relationships" xmlns:mc="http://schemas.openxmlformats.org/markup-compatibility/2006" xmlns:mv="urn:schemas-microsoft-com:mac:vml" xmlns:p="http://schemas.openxmlformats.org/presentationml/2006/main" xmlns:c="http://schemas.openxmlformats.org/drawingml/2006/chart" xmlns:dgm="http://schemas.openxmlformats.org/drawingml/2006/diagram" xmlns:o="urn:schemas-microsoft-com:office:office" xmlns:v="urn:schemas-microsoft-com:vml" xmlns:pvml="urn:schemas-microsoft-com:office:powerpoint" xmlns:com="http://schemas.openxmlformats.org/drawingml/2006/compatibility" xmlns:p14="http://schemas.microsoft.com/office/powerpoint/2010/main" xmlns:p15="http://schemas.microsoft.com/office/powerpoint/2012/main">
+<p:sld xmlns:a="http://schemas.openxmlformats.org/drawingml/2006/main" xmlns:r="http://schemas.openxmlformats.org/officeDocument/2006/relationships" xmlns:p="http://schemas.openxmlformats.org/presentationml/2006/main">
   <p:cSld>
     <p:spTree>
       <p:nvGrpSpPr>
-        <p:cNvPr id="83" name="Shape 83"/>
+        <p:cNvPr id="1" name="Shape 83"/>
         <p:cNvGrpSpPr/>
         <p:nvPr/>
       </p:nvGrpSpPr>
@@ -6553,7 +6697,9 @@
       <p:sp>
         <p:nvSpPr>
           <p:cNvPr id="84" name="Google Shape;84;p18"/>
-          <p:cNvSpPr txBox="1"/>
+          <p:cNvSpPr txBox="1">
+            <a:spLocks noGrp="1"/>
+          </p:cNvSpPr>
           <p:nvPr>
             <p:ph type="title"/>
           </p:nvPr>
@@ -6568,12 +6714,12 @@
           </a:prstGeom>
         </p:spPr>
         <p:txBody>
-          <a:bodyPr anchorCtr="0" anchor="t" bIns="91425" lIns="91425" spcFirstLastPara="1" rIns="91425" wrap="square" tIns="91425">
+          <a:bodyPr spcFirstLastPara="1" wrap="square" lIns="91425" tIns="91425" rIns="91425" bIns="91425" anchor="t" anchorCtr="0">
             <a:noAutofit/>
           </a:bodyPr>
           <a:lstStyle/>
           <a:p>
-            <a:pPr indent="0" lvl="0" marL="0" rtl="0" algn="l">
+            <a:pPr marL="0" lvl="0" indent="0" algn="l" rtl="0">
               <a:spcBef>
                 <a:spcPts val="0"/>
               </a:spcBef>
@@ -6584,11 +6730,7 @@
             </a:pPr>
             <a:r>
               <a:rPr lang="en"/>
-              <a:t>Screenshot</a:t>
-            </a:r>
-            <a:r>
-              <a:rPr lang="en"/>
-              <a:t> of the game </a:t>
+              <a:t>Screenshot of the game </a:t>
             </a:r>
             <a:endParaRPr/>
           </a:p>
@@ -6597,9 +6739,11 @@
       <p:sp>
         <p:nvSpPr>
           <p:cNvPr id="85" name="Google Shape;85;p18"/>
-          <p:cNvSpPr txBox="1"/>
+          <p:cNvSpPr txBox="1">
+            <a:spLocks noGrp="1"/>
+          </p:cNvSpPr>
           <p:nvPr>
-            <p:ph idx="1" type="body"/>
+            <p:ph type="body" idx="1"/>
           </p:nvPr>
         </p:nvSpPr>
         <p:spPr>
@@ -6612,12 +6756,12 @@
           </a:prstGeom>
         </p:spPr>
         <p:txBody>
-          <a:bodyPr anchorCtr="0" anchor="t" bIns="91425" lIns="91425" spcFirstLastPara="1" rIns="91425" wrap="square" tIns="91425">
+          <a:bodyPr spcFirstLastPara="1" wrap="square" lIns="91425" tIns="91425" rIns="91425" bIns="91425" anchor="t" anchorCtr="0">
             <a:noAutofit/>
           </a:bodyPr>
           <a:lstStyle/>
           <a:p>
-            <a:pPr indent="0" lvl="0" marL="0" rtl="0" algn="l">
+            <a:pPr marL="0" lvl="0" indent="0" algn="l" rtl="0">
               <a:spcBef>
                 <a:spcPts val="0"/>
               </a:spcBef>
@@ -6626,9 +6770,6 @@
               </a:spcAft>
               <a:buNone/>
             </a:pPr>
-            <a:r>
-              <a:t/>
-            </a:r>
             <a:endParaRPr/>
           </a:p>
         </p:txBody>
@@ -6642,7 +6783,288 @@
 </file>
 
 <file path=ppt/theme/theme1.xml><?xml version="1.0" encoding="utf-8"?>
-<a:theme xmlns:a="http://schemas.openxmlformats.org/drawingml/2006/main" xmlns:r="http://schemas.openxmlformats.org/officeDocument/2006/relationships">
+<a:theme xmlns:a="http://schemas.openxmlformats.org/drawingml/2006/main" name="Simple Dark">
+  <a:themeElements>
+    <a:clrScheme name="Simple Dark">
+      <a:dk1>
+        <a:srgbClr val="FFFFFF"/>
+      </a:dk1>
+      <a:lt1>
+        <a:srgbClr val="212121"/>
+      </a:lt1>
+      <a:dk2>
+        <a:srgbClr val="303030"/>
+      </a:dk2>
+      <a:lt2>
+        <a:srgbClr val="ADADAD"/>
+      </a:lt2>
+      <a:accent1>
+        <a:srgbClr val="009688"/>
+      </a:accent1>
+      <a:accent2>
+        <a:srgbClr val="EEEEEE"/>
+      </a:accent2>
+      <a:accent3>
+        <a:srgbClr val="78909C"/>
+      </a:accent3>
+      <a:accent4>
+        <a:srgbClr val="FFAB40"/>
+      </a:accent4>
+      <a:accent5>
+        <a:srgbClr val="4DD0E1"/>
+      </a:accent5>
+      <a:accent6>
+        <a:srgbClr val="EEFF41"/>
+      </a:accent6>
+      <a:hlink>
+        <a:srgbClr val="4DD0E1"/>
+      </a:hlink>
+      <a:folHlink>
+        <a:srgbClr val="4DD0E1"/>
+      </a:folHlink>
+    </a:clrScheme>
+    <a:fontScheme name="Office">
+      <a:majorFont>
+        <a:latin typeface="Arial"/>
+        <a:ea typeface=""/>
+        <a:cs typeface=""/>
+        <a:font script="Jpan" typeface="ＭＳ Ｐゴシック"/>
+        <a:font script="Hang" typeface="맑은 고딕"/>
+        <a:font script="Hans" typeface="宋体"/>
+        <a:font script="Hant" typeface="新細明體"/>
+        <a:font script="Arab" typeface="Times New Roman"/>
+        <a:font script="Hebr" typeface="Times New Roman"/>
+        <a:font script="Thai" typeface="Angsana New"/>
+        <a:font script="Ethi" typeface="Nyala"/>
+        <a:font script="Beng" typeface="Vrinda"/>
+        <a:font script="Gujr" typeface="Shruti"/>
+        <a:font script="Khmr" typeface="MoolBoran"/>
+        <a:font script="Knda" typeface="Tunga"/>
+        <a:font script="Guru" typeface="Raavi"/>
+        <a:font script="Cans" typeface="Euphemia"/>
+        <a:font script="Cher" typeface="Plantagenet Cherokee"/>
+        <a:font script="Yiii" typeface="Microsoft Yi Baiti"/>
+        <a:font script="Tibt" typeface="Microsoft Himalaya"/>
+        <a:font script="Thaa" typeface="MV Boli"/>
+        <a:font script="Deva" typeface="Mangal"/>
+        <a:font script="Telu" typeface="Gautami"/>
+        <a:font script="Taml" typeface="Latha"/>
+        <a:font script="Syrc" typeface="Estrangelo Edessa"/>
+        <a:font script="Orya" typeface="Kalinga"/>
+        <a:font script="Mlym" typeface="Kartika"/>
+        <a:font script="Laoo" typeface="DokChampa"/>
+        <a:font script="Sinh" typeface="Iskoola Pota"/>
+        <a:font script="Mong" typeface="Mongolian Baiti"/>
+        <a:font script="Viet" typeface="Times New Roman"/>
+        <a:font script="Uigh" typeface="Microsoft Uighur"/>
+        <a:font script="Geor" typeface="Sylfaen"/>
+      </a:majorFont>
+      <a:minorFont>
+        <a:latin typeface="Arial"/>
+        <a:ea typeface=""/>
+        <a:cs typeface=""/>
+        <a:font script="Jpan" typeface="ＭＳ Ｐゴシック"/>
+        <a:font script="Hang" typeface="맑은 고딕"/>
+        <a:font script="Hans" typeface="宋体"/>
+        <a:font script="Hant" typeface="新細明體"/>
+        <a:font script="Arab" typeface="Arial"/>
+        <a:font script="Hebr" typeface="Arial"/>
+        <a:font script="Thai" typeface="Cordia New"/>
+        <a:font script="Ethi" typeface="Nyala"/>
+        <a:font script="Beng" typeface="Vrinda"/>
+        <a:font script="Gujr" typeface="Shruti"/>
+        <a:font script="Khmr" typeface="DaunPenh"/>
+        <a:font script="Knda" typeface="Tunga"/>
+        <a:font script="Guru" typeface="Raavi"/>
+        <a:font script="Cans" typeface="Euphemia"/>
+        <a:font script="Cher" typeface="Plantagenet Cherokee"/>
+        <a:font script="Yiii" typeface="Microsoft Yi Baiti"/>
+        <a:font script="Tibt" typeface="Microsoft Himalaya"/>
+        <a:font script="Thaa" typeface="MV Boli"/>
+        <a:font script="Deva" typeface="Mangal"/>
+        <a:font script="Telu" typeface="Gautami"/>
+        <a:font script="Taml" typeface="Latha"/>
+        <a:font script="Syrc" typeface="Estrangelo Edessa"/>
+        <a:font script="Orya" typeface="Kalinga"/>
+        <a:font script="Mlym" typeface="Kartika"/>
+        <a:font script="Laoo" typeface="DokChampa"/>
+        <a:font script="Sinh" typeface="Iskoola Pota"/>
+        <a:font script="Mong" typeface="Mongolian Baiti"/>
+        <a:font script="Viet" typeface="Arial"/>
+        <a:font script="Uigh" typeface="Microsoft Uighur"/>
+        <a:font script="Geor" typeface="Sylfaen"/>
+      </a:minorFont>
+    </a:fontScheme>
+    <a:fmtScheme name="Office">
+      <a:fillStyleLst>
+        <a:solidFill>
+          <a:schemeClr val="phClr"/>
+        </a:solidFill>
+        <a:gradFill rotWithShape="1">
+          <a:gsLst>
+            <a:gs pos="0">
+              <a:schemeClr val="phClr">
+                <a:tint val="50000"/>
+                <a:satMod val="300000"/>
+              </a:schemeClr>
+            </a:gs>
+            <a:gs pos="35000">
+              <a:schemeClr val="phClr">
+                <a:tint val="37000"/>
+                <a:satMod val="300000"/>
+              </a:schemeClr>
+            </a:gs>
+            <a:gs pos="100000">
+              <a:schemeClr val="phClr">
+                <a:tint val="15000"/>
+                <a:satMod val="350000"/>
+              </a:schemeClr>
+            </a:gs>
+          </a:gsLst>
+          <a:lin ang="16200000" scaled="1"/>
+        </a:gradFill>
+        <a:gradFill rotWithShape="1">
+          <a:gsLst>
+            <a:gs pos="0">
+              <a:schemeClr val="phClr">
+                <a:tint val="100000"/>
+                <a:shade val="100000"/>
+                <a:satMod val="130000"/>
+              </a:schemeClr>
+            </a:gs>
+            <a:gs pos="100000">
+              <a:schemeClr val="phClr">
+                <a:tint val="50000"/>
+                <a:shade val="100000"/>
+                <a:satMod val="350000"/>
+              </a:schemeClr>
+            </a:gs>
+          </a:gsLst>
+          <a:lin ang="16200000" scaled="0"/>
+        </a:gradFill>
+      </a:fillStyleLst>
+      <a:lnStyleLst>
+        <a:ln w="9525" cap="flat" cmpd="sng" algn="ctr">
+          <a:solidFill>
+            <a:schemeClr val="phClr">
+              <a:shade val="95000"/>
+              <a:satMod val="105000"/>
+            </a:schemeClr>
+          </a:solidFill>
+          <a:prstDash val="solid"/>
+        </a:ln>
+        <a:ln w="25400" cap="flat" cmpd="sng" algn="ctr">
+          <a:solidFill>
+            <a:schemeClr val="phClr"/>
+          </a:solidFill>
+          <a:prstDash val="solid"/>
+        </a:ln>
+        <a:ln w="38100" cap="flat" cmpd="sng" algn="ctr">
+          <a:solidFill>
+            <a:schemeClr val="phClr"/>
+          </a:solidFill>
+          <a:prstDash val="solid"/>
+        </a:ln>
+      </a:lnStyleLst>
+      <a:effectStyleLst>
+        <a:effectStyle>
+          <a:effectLst>
+            <a:outerShdw blurRad="40000" dist="20000" dir="5400000" rotWithShape="0">
+              <a:srgbClr val="000000">
+                <a:alpha val="38000"/>
+              </a:srgbClr>
+            </a:outerShdw>
+          </a:effectLst>
+        </a:effectStyle>
+        <a:effectStyle>
+          <a:effectLst>
+            <a:outerShdw blurRad="40000" dist="23000" dir="5400000" rotWithShape="0">
+              <a:srgbClr val="000000">
+                <a:alpha val="35000"/>
+              </a:srgbClr>
+            </a:outerShdw>
+          </a:effectLst>
+        </a:effectStyle>
+        <a:effectStyle>
+          <a:effectLst>
+            <a:outerShdw blurRad="40000" dist="23000" dir="5400000" rotWithShape="0">
+              <a:srgbClr val="000000">
+                <a:alpha val="35000"/>
+              </a:srgbClr>
+            </a:outerShdw>
+          </a:effectLst>
+          <a:scene3d>
+            <a:camera prst="orthographicFront">
+              <a:rot lat="0" lon="0" rev="0"/>
+            </a:camera>
+            <a:lightRig rig="threePt" dir="t">
+              <a:rot lat="0" lon="0" rev="1200000"/>
+            </a:lightRig>
+          </a:scene3d>
+          <a:sp3d>
+            <a:bevelT w="63500" h="25400"/>
+          </a:sp3d>
+        </a:effectStyle>
+      </a:effectStyleLst>
+      <a:bgFillStyleLst>
+        <a:solidFill>
+          <a:schemeClr val="phClr"/>
+        </a:solidFill>
+        <a:gradFill rotWithShape="1">
+          <a:gsLst>
+            <a:gs pos="0">
+              <a:schemeClr val="phClr">
+                <a:tint val="40000"/>
+                <a:satMod val="350000"/>
+              </a:schemeClr>
+            </a:gs>
+            <a:gs pos="40000">
+              <a:schemeClr val="phClr">
+                <a:tint val="45000"/>
+                <a:shade val="99000"/>
+                <a:satMod val="350000"/>
+              </a:schemeClr>
+            </a:gs>
+            <a:gs pos="100000">
+              <a:schemeClr val="phClr">
+                <a:shade val="20000"/>
+                <a:satMod val="255000"/>
+              </a:schemeClr>
+            </a:gs>
+          </a:gsLst>
+          <a:path path="circle">
+            <a:fillToRect l="50000" t="-80000" r="50000" b="180000"/>
+          </a:path>
+        </a:gradFill>
+        <a:gradFill rotWithShape="1">
+          <a:gsLst>
+            <a:gs pos="0">
+              <a:schemeClr val="phClr">
+                <a:tint val="80000"/>
+                <a:satMod val="300000"/>
+              </a:schemeClr>
+            </a:gs>
+            <a:gs pos="100000">
+              <a:schemeClr val="phClr">
+                <a:shade val="30000"/>
+                <a:satMod val="200000"/>
+              </a:schemeClr>
+            </a:gs>
+          </a:gsLst>
+          <a:path path="circle">
+            <a:fillToRect l="50000" t="50000" r="50000" b="50000"/>
+          </a:path>
+        </a:gradFill>
+      </a:bgFillStyleLst>
+    </a:fmtScheme>
+  </a:themeElements>
+  <a:objectDefaults/>
+  <a:extraClrSchemeLst/>
+</a:theme>
+</file>
+
+<file path=ppt/theme/theme2.xml><?xml version="1.0" encoding="utf-8"?>
+<a:theme xmlns:a="http://schemas.openxmlformats.org/drawingml/2006/main">
   <a:themeElements>
     <a:clrScheme name="Default">
       <a:dk1>
@@ -6917,284 +7339,7 @@
       </a:bgFillStyleLst>
     </a:fmtScheme>
   </a:themeElements>
-</a:theme>
-</file>
-
-<file path=ppt/theme/theme2.xml><?xml version="1.0" encoding="utf-8"?>
-<a:theme xmlns:a="http://schemas.openxmlformats.org/drawingml/2006/main" xmlns:r="http://schemas.openxmlformats.org/officeDocument/2006/relationships" name="Simple Dark">
-  <a:themeElements>
-    <a:clrScheme name="Simple Dark">
-      <a:dk1>
-        <a:srgbClr val="FFFFFF"/>
-      </a:dk1>
-      <a:lt1>
-        <a:srgbClr val="212121"/>
-      </a:lt1>
-      <a:dk2>
-        <a:srgbClr val="303030"/>
-      </a:dk2>
-      <a:lt2>
-        <a:srgbClr val="ADADAD"/>
-      </a:lt2>
-      <a:accent1>
-        <a:srgbClr val="009688"/>
-      </a:accent1>
-      <a:accent2>
-        <a:srgbClr val="EEEEEE"/>
-      </a:accent2>
-      <a:accent3>
-        <a:srgbClr val="78909C"/>
-      </a:accent3>
-      <a:accent4>
-        <a:srgbClr val="FFAB40"/>
-      </a:accent4>
-      <a:accent5>
-        <a:srgbClr val="4DD0E1"/>
-      </a:accent5>
-      <a:accent6>
-        <a:srgbClr val="EEFF41"/>
-      </a:accent6>
-      <a:hlink>
-        <a:srgbClr val="4DD0E1"/>
-      </a:hlink>
-      <a:folHlink>
-        <a:srgbClr val="4DD0E1"/>
-      </a:folHlink>
-    </a:clrScheme>
-    <a:fontScheme name="Office">
-      <a:majorFont>
-        <a:latin typeface="Arial"/>
-        <a:ea typeface=""/>
-        <a:cs typeface=""/>
-        <a:font script="Jpan" typeface="ＭＳ Ｐゴシック"/>
-        <a:font script="Hang" typeface="맑은 고딕"/>
-        <a:font script="Hans" typeface="宋体"/>
-        <a:font script="Hant" typeface="新細明體"/>
-        <a:font script="Arab" typeface="Times New Roman"/>
-        <a:font script="Hebr" typeface="Times New Roman"/>
-        <a:font script="Thai" typeface="Angsana New"/>
-        <a:font script="Ethi" typeface="Nyala"/>
-        <a:font script="Beng" typeface="Vrinda"/>
-        <a:font script="Gujr" typeface="Shruti"/>
-        <a:font script="Khmr" typeface="MoolBoran"/>
-        <a:font script="Knda" typeface="Tunga"/>
-        <a:font script="Guru" typeface="Raavi"/>
-        <a:font script="Cans" typeface="Euphemia"/>
-        <a:font script="Cher" typeface="Plantagenet Cherokee"/>
-        <a:font script="Yiii" typeface="Microsoft Yi Baiti"/>
-        <a:font script="Tibt" typeface="Microsoft Himalaya"/>
-        <a:font script="Thaa" typeface="MV Boli"/>
-        <a:font script="Deva" typeface="Mangal"/>
-        <a:font script="Telu" typeface="Gautami"/>
-        <a:font script="Taml" typeface="Latha"/>
-        <a:font script="Syrc" typeface="Estrangelo Edessa"/>
-        <a:font script="Orya" typeface="Kalinga"/>
-        <a:font script="Mlym" typeface="Kartika"/>
-        <a:font script="Laoo" typeface="DokChampa"/>
-        <a:font script="Sinh" typeface="Iskoola Pota"/>
-        <a:font script="Mong" typeface="Mongolian Baiti"/>
-        <a:font script="Viet" typeface="Times New Roman"/>
-        <a:font script="Uigh" typeface="Microsoft Uighur"/>
-        <a:font script="Geor" typeface="Sylfaen"/>
-      </a:majorFont>
-      <a:minorFont>
-        <a:latin typeface="Arial"/>
-        <a:ea typeface=""/>
-        <a:cs typeface=""/>
-        <a:font script="Jpan" typeface="ＭＳ Ｐゴシック"/>
-        <a:font script="Hang" typeface="맑은 고딕"/>
-        <a:font script="Hans" typeface="宋体"/>
-        <a:font script="Hant" typeface="新細明體"/>
-        <a:font script="Arab" typeface="Arial"/>
-        <a:font script="Hebr" typeface="Arial"/>
-        <a:font script="Thai" typeface="Cordia New"/>
-        <a:font script="Ethi" typeface="Nyala"/>
-        <a:font script="Beng" typeface="Vrinda"/>
-        <a:font script="Gujr" typeface="Shruti"/>
-        <a:font script="Khmr" typeface="DaunPenh"/>
-        <a:font script="Knda" typeface="Tunga"/>
-        <a:font script="Guru" typeface="Raavi"/>
-        <a:font script="Cans" typeface="Euphemia"/>
-        <a:font script="Cher" typeface="Plantagenet Cherokee"/>
-        <a:font script="Yiii" typeface="Microsoft Yi Baiti"/>
-        <a:font script="Tibt" typeface="Microsoft Himalaya"/>
-        <a:font script="Thaa" typeface="MV Boli"/>
-        <a:font script="Deva" typeface="Mangal"/>
-        <a:font script="Telu" typeface="Gautami"/>
-        <a:font script="Taml" typeface="Latha"/>
-        <a:font script="Syrc" typeface="Estrangelo Edessa"/>
-        <a:font script="Orya" typeface="Kalinga"/>
-        <a:font script="Mlym" typeface="Kartika"/>
-        <a:font script="Laoo" typeface="DokChampa"/>
-        <a:font script="Sinh" typeface="Iskoola Pota"/>
-        <a:font script="Mong" typeface="Mongolian Baiti"/>
-        <a:font script="Viet" typeface="Arial"/>
-        <a:font script="Uigh" typeface="Microsoft Uighur"/>
-        <a:font script="Geor" typeface="Sylfaen"/>
-      </a:minorFont>
-    </a:fontScheme>
-    <a:fmtScheme name="Office">
-      <a:fillStyleLst>
-        <a:solidFill>
-          <a:schemeClr val="phClr"/>
-        </a:solidFill>
-        <a:gradFill rotWithShape="1">
-          <a:gsLst>
-            <a:gs pos="0">
-              <a:schemeClr val="phClr">
-                <a:tint val="50000"/>
-                <a:satMod val="300000"/>
-              </a:schemeClr>
-            </a:gs>
-            <a:gs pos="35000">
-              <a:schemeClr val="phClr">
-                <a:tint val="37000"/>
-                <a:satMod val="300000"/>
-              </a:schemeClr>
-            </a:gs>
-            <a:gs pos="100000">
-              <a:schemeClr val="phClr">
-                <a:tint val="15000"/>
-                <a:satMod val="350000"/>
-              </a:schemeClr>
-            </a:gs>
-          </a:gsLst>
-          <a:lin ang="16200000" scaled="1"/>
-        </a:gradFill>
-        <a:gradFill rotWithShape="1">
-          <a:gsLst>
-            <a:gs pos="0">
-              <a:schemeClr val="phClr">
-                <a:tint val="100000"/>
-                <a:shade val="100000"/>
-                <a:satMod val="130000"/>
-              </a:schemeClr>
-            </a:gs>
-            <a:gs pos="100000">
-              <a:schemeClr val="phClr">
-                <a:tint val="50000"/>
-                <a:shade val="100000"/>
-                <a:satMod val="350000"/>
-              </a:schemeClr>
-            </a:gs>
-          </a:gsLst>
-          <a:lin ang="16200000" scaled="0"/>
-        </a:gradFill>
-      </a:fillStyleLst>
-      <a:lnStyleLst>
-        <a:ln w="9525" cap="flat" cmpd="sng" algn="ctr">
-          <a:solidFill>
-            <a:schemeClr val="phClr">
-              <a:shade val="95000"/>
-              <a:satMod val="105000"/>
-            </a:schemeClr>
-          </a:solidFill>
-          <a:prstDash val="solid"/>
-        </a:ln>
-        <a:ln w="25400" cap="flat" cmpd="sng" algn="ctr">
-          <a:solidFill>
-            <a:schemeClr val="phClr"/>
-          </a:solidFill>
-          <a:prstDash val="solid"/>
-        </a:ln>
-        <a:ln w="38100" cap="flat" cmpd="sng" algn="ctr">
-          <a:solidFill>
-            <a:schemeClr val="phClr"/>
-          </a:solidFill>
-          <a:prstDash val="solid"/>
-        </a:ln>
-      </a:lnStyleLst>
-      <a:effectStyleLst>
-        <a:effectStyle>
-          <a:effectLst>
-            <a:outerShdw blurRad="40000" dist="20000" dir="5400000" rotWithShape="0">
-              <a:srgbClr val="000000">
-                <a:alpha val="38000"/>
-              </a:srgbClr>
-            </a:outerShdw>
-          </a:effectLst>
-        </a:effectStyle>
-        <a:effectStyle>
-          <a:effectLst>
-            <a:outerShdw blurRad="40000" dist="23000" dir="5400000" rotWithShape="0">
-              <a:srgbClr val="000000">
-                <a:alpha val="35000"/>
-              </a:srgbClr>
-            </a:outerShdw>
-          </a:effectLst>
-        </a:effectStyle>
-        <a:effectStyle>
-          <a:effectLst>
-            <a:outerShdw blurRad="40000" dist="23000" dir="5400000" rotWithShape="0">
-              <a:srgbClr val="000000">
-                <a:alpha val="35000"/>
-              </a:srgbClr>
-            </a:outerShdw>
-          </a:effectLst>
-          <a:scene3d>
-            <a:camera prst="orthographicFront">
-              <a:rot lat="0" lon="0" rev="0"/>
-            </a:camera>
-            <a:lightRig rig="threePt" dir="t">
-              <a:rot lat="0" lon="0" rev="1200000"/>
-            </a:lightRig>
-          </a:scene3d>
-          <a:sp3d>
-            <a:bevelT w="63500" h="25400"/>
-          </a:sp3d>
-        </a:effectStyle>
-      </a:effectStyleLst>
-      <a:bgFillStyleLst>
-        <a:solidFill>
-          <a:schemeClr val="phClr"/>
-        </a:solidFill>
-        <a:gradFill rotWithShape="1">
-          <a:gsLst>
-            <a:gs pos="0">
-              <a:schemeClr val="phClr">
-                <a:tint val="40000"/>
-                <a:satMod val="350000"/>
-              </a:schemeClr>
-            </a:gs>
-            <a:gs pos="40000">
-              <a:schemeClr val="phClr">
-                <a:tint val="45000"/>
-                <a:shade val="99000"/>
-                <a:satMod val="350000"/>
-              </a:schemeClr>
-            </a:gs>
-            <a:gs pos="100000">
-              <a:schemeClr val="phClr">
-                <a:shade val="20000"/>
-                <a:satMod val="255000"/>
-              </a:schemeClr>
-            </a:gs>
-          </a:gsLst>
-          <a:path path="circle">
-            <a:fillToRect l="50000" t="-80000" r="50000" b="180000"/>
-          </a:path>
-        </a:gradFill>
-        <a:gradFill rotWithShape="1">
-          <a:gsLst>
-            <a:gs pos="0">
-              <a:schemeClr val="phClr">
-                <a:tint val="80000"/>
-                <a:satMod val="300000"/>
-              </a:schemeClr>
-            </a:gs>
-            <a:gs pos="100000">
-              <a:schemeClr val="phClr">
-                <a:shade val="30000"/>
-                <a:satMod val="200000"/>
-              </a:schemeClr>
-            </a:gs>
-          </a:gsLst>
-          <a:path path="circle">
-            <a:fillToRect l="50000" t="50000" r="50000" b="50000"/>
-          </a:path>
-        </a:gradFill>
-      </a:bgFillStyleLst>
-    </a:fmtScheme>
-  </a:themeElements>
+  <a:objectDefaults/>
+  <a:extraClrSchemeLst/>
 </a:theme>
 </file>
--- a/Nathan Vandevoort (Producer)/art Doc.pptx
+++ b/Nathan Vandevoort (Producer)/art Doc.pptx
@@ -1151,7 +1151,7 @@
         </p:nvSpPr>
         <p:spPr>
           <a:xfrm>
-            <a:off x="381300" y="685800"/>
+            <a:off x="381000" y="685800"/>
             <a:ext cx="6096000" cy="3429000"/>
           </a:xfrm>
           <a:custGeom>
@@ -6631,44 +6631,276 @@
           </a:p>
         </p:txBody>
       </p:sp>
-      <p:sp>
-        <p:nvSpPr>
-          <p:cNvPr id="79" name="Google Shape;79;p17"/>
-          <p:cNvSpPr txBox="1">
-            <a:spLocks noGrp="1"/>
-          </p:cNvSpPr>
-          <p:nvPr>
-            <p:ph type="body" idx="1"/>
-          </p:nvPr>
-        </p:nvSpPr>
+      <p:pic>
+        <p:nvPicPr>
+          <p:cNvPr id="3" name="Picture 2"/>
+          <p:cNvPicPr>
+            <a:picLocks noChangeAspect="1"/>
+          </p:cNvPicPr>
+          <p:nvPr/>
+        </p:nvPicPr>
+        <p:blipFill>
+          <a:blip r:embed="rId3">
+            <a:extLst>
+              <a:ext uri="{28A0092B-C50C-407E-A947-70E740481C1C}">
+                <a14:useLocalDpi xmlns:a14="http://schemas.microsoft.com/office/drawing/2010/main" val="0"/>
+              </a:ext>
+            </a:extLst>
+          </a:blip>
+          <a:stretch>
+            <a:fillRect/>
+          </a:stretch>
+        </p:blipFill>
         <p:spPr>
           <a:xfrm>
-            <a:off x="311700" y="1152475"/>
-            <a:ext cx="8520600" cy="3416400"/>
+            <a:off x="311700" y="1017725"/>
+            <a:ext cx="1949719" cy="1949719"/>
           </a:xfrm>
           <a:prstGeom prst="rect">
             <a:avLst/>
           </a:prstGeom>
         </p:spPr>
-        <p:txBody>
-          <a:bodyPr spcFirstLastPara="1" wrap="square" lIns="91425" tIns="91425" rIns="91425" bIns="91425" anchor="t" anchorCtr="0">
-            <a:noAutofit/>
-          </a:bodyPr>
-          <a:lstStyle/>
-          <a:p>
-            <a:pPr marL="0" lvl="0" indent="0" algn="l" rtl="0">
-              <a:spcBef>
-                <a:spcPts val="0"/>
-              </a:spcBef>
-              <a:spcAft>
-                <a:spcPts val="1600"/>
-              </a:spcAft>
-              <a:buNone/>
-            </a:pPr>
-            <a:endParaRPr/>
-          </a:p>
-        </p:txBody>
-      </p:sp>
+      </p:pic>
+      <p:pic>
+        <p:nvPicPr>
+          <p:cNvPr id="4" name="Picture 3"/>
+          <p:cNvPicPr>
+            <a:picLocks noChangeAspect="1"/>
+          </p:cNvPicPr>
+          <p:nvPr/>
+        </p:nvPicPr>
+        <p:blipFill>
+          <a:blip r:embed="rId4">
+            <a:extLst>
+              <a:ext uri="{28A0092B-C50C-407E-A947-70E740481C1C}">
+                <a14:useLocalDpi xmlns:a14="http://schemas.microsoft.com/office/drawing/2010/main" val="0"/>
+              </a:ext>
+            </a:extLst>
+          </a:blip>
+          <a:stretch>
+            <a:fillRect/>
+          </a:stretch>
+        </p:blipFill>
+        <p:spPr>
+          <a:xfrm>
+            <a:off x="1887605" y="-30836"/>
+            <a:ext cx="2158795" cy="2158795"/>
+          </a:xfrm>
+          <a:prstGeom prst="rect">
+            <a:avLst/>
+          </a:prstGeom>
+        </p:spPr>
+      </p:pic>
+      <p:pic>
+        <p:nvPicPr>
+          <p:cNvPr id="5" name="Picture 4"/>
+          <p:cNvPicPr>
+            <a:picLocks noChangeAspect="1"/>
+          </p:cNvPicPr>
+          <p:nvPr/>
+        </p:nvPicPr>
+        <p:blipFill>
+          <a:blip r:embed="rId5">
+            <a:extLst>
+              <a:ext uri="{28A0092B-C50C-407E-A947-70E740481C1C}">
+                <a14:useLocalDpi xmlns:a14="http://schemas.microsoft.com/office/drawing/2010/main" val="0"/>
+              </a:ext>
+            </a:extLst>
+          </a:blip>
+          <a:stretch>
+            <a:fillRect/>
+          </a:stretch>
+        </p:blipFill>
+        <p:spPr>
+          <a:xfrm>
+            <a:off x="3726125" y="261169"/>
+            <a:ext cx="1219200" cy="1219200"/>
+          </a:xfrm>
+          <a:prstGeom prst="rect">
+            <a:avLst/>
+          </a:prstGeom>
+        </p:spPr>
+      </p:pic>
+      <p:pic>
+        <p:nvPicPr>
+          <p:cNvPr id="6" name="Picture 5"/>
+          <p:cNvPicPr>
+            <a:picLocks noChangeAspect="1"/>
+          </p:cNvPicPr>
+          <p:nvPr/>
+        </p:nvPicPr>
+        <p:blipFill>
+          <a:blip r:embed="rId6">
+            <a:extLst>
+              <a:ext uri="{28A0092B-C50C-407E-A947-70E740481C1C}">
+                <a14:useLocalDpi xmlns:a14="http://schemas.microsoft.com/office/drawing/2010/main" val="0"/>
+              </a:ext>
+            </a:extLst>
+          </a:blip>
+          <a:stretch>
+            <a:fillRect/>
+          </a:stretch>
+        </p:blipFill>
+        <p:spPr>
+          <a:xfrm>
+            <a:off x="5199809" y="270147"/>
+            <a:ext cx="1210222" cy="1210222"/>
+          </a:xfrm>
+          <a:prstGeom prst="rect">
+            <a:avLst/>
+          </a:prstGeom>
+        </p:spPr>
+      </p:pic>
+      <p:pic>
+        <p:nvPicPr>
+          <p:cNvPr id="7" name="Picture 6"/>
+          <p:cNvPicPr>
+            <a:picLocks noChangeAspect="1"/>
+          </p:cNvPicPr>
+          <p:nvPr/>
+        </p:nvPicPr>
+        <p:blipFill>
+          <a:blip r:embed="rId7">
+            <a:extLst>
+              <a:ext uri="{28A0092B-C50C-407E-A947-70E740481C1C}">
+                <a14:useLocalDpi xmlns:a14="http://schemas.microsoft.com/office/drawing/2010/main" val="0"/>
+              </a:ext>
+            </a:extLst>
+          </a:blip>
+          <a:stretch>
+            <a:fillRect/>
+          </a:stretch>
+        </p:blipFill>
+        <p:spPr>
+          <a:xfrm>
+            <a:off x="3176673" y="1079397"/>
+            <a:ext cx="3352874" cy="2411055"/>
+          </a:xfrm>
+          <a:prstGeom prst="rect">
+            <a:avLst/>
+          </a:prstGeom>
+        </p:spPr>
+      </p:pic>
+      <p:pic>
+        <p:nvPicPr>
+          <p:cNvPr id="8" name="Picture 7"/>
+          <p:cNvPicPr>
+            <a:picLocks noChangeAspect="1"/>
+          </p:cNvPicPr>
+          <p:nvPr/>
+        </p:nvPicPr>
+        <p:blipFill>
+          <a:blip r:embed="rId8">
+            <a:extLst>
+              <a:ext uri="{28A0092B-C50C-407E-A947-70E740481C1C}">
+                <a14:useLocalDpi xmlns:a14="http://schemas.microsoft.com/office/drawing/2010/main" val="0"/>
+              </a:ext>
+            </a:extLst>
+          </a:blip>
+          <a:stretch>
+            <a:fillRect/>
+          </a:stretch>
+        </p:blipFill>
+        <p:spPr>
+          <a:xfrm>
+            <a:off x="2855193" y="2654764"/>
+            <a:ext cx="4074724" cy="1146017"/>
+          </a:xfrm>
+          <a:prstGeom prst="rect">
+            <a:avLst/>
+          </a:prstGeom>
+        </p:spPr>
+      </p:pic>
+      <p:pic>
+        <p:nvPicPr>
+          <p:cNvPr id="9" name="Picture 8"/>
+          <p:cNvPicPr>
+            <a:picLocks noChangeAspect="1"/>
+          </p:cNvPicPr>
+          <p:nvPr/>
+        </p:nvPicPr>
+        <p:blipFill>
+          <a:blip r:embed="rId9">
+            <a:extLst>
+              <a:ext uri="{28A0092B-C50C-407E-A947-70E740481C1C}">
+                <a14:useLocalDpi xmlns:a14="http://schemas.microsoft.com/office/drawing/2010/main" val="0"/>
+              </a:ext>
+            </a:extLst>
+          </a:blip>
+          <a:stretch>
+            <a:fillRect/>
+          </a:stretch>
+        </p:blipFill>
+        <p:spPr>
+          <a:xfrm>
+            <a:off x="6501564" y="526640"/>
+            <a:ext cx="2742791" cy="4114186"/>
+          </a:xfrm>
+          <a:prstGeom prst="rect">
+            <a:avLst/>
+          </a:prstGeom>
+        </p:spPr>
+      </p:pic>
+      <p:pic>
+        <p:nvPicPr>
+          <p:cNvPr id="10" name="Picture 9"/>
+          <p:cNvPicPr>
+            <a:picLocks noChangeAspect="1"/>
+          </p:cNvPicPr>
+          <p:nvPr/>
+        </p:nvPicPr>
+        <p:blipFill>
+          <a:blip r:embed="rId10">
+            <a:extLst>
+              <a:ext uri="{28A0092B-C50C-407E-A947-70E740481C1C}">
+                <a14:useLocalDpi xmlns:a14="http://schemas.microsoft.com/office/drawing/2010/main" val="0"/>
+              </a:ext>
+            </a:extLst>
+          </a:blip>
+          <a:stretch>
+            <a:fillRect/>
+          </a:stretch>
+        </p:blipFill>
+        <p:spPr>
+          <a:xfrm>
+            <a:off x="3471977" y="2967444"/>
+            <a:ext cx="2762266" cy="2762266"/>
+          </a:xfrm>
+          <a:prstGeom prst="rect">
+            <a:avLst/>
+          </a:prstGeom>
+        </p:spPr>
+      </p:pic>
+      <p:pic>
+        <p:nvPicPr>
+          <p:cNvPr id="11" name="Picture 10"/>
+          <p:cNvPicPr>
+            <a:picLocks noChangeAspect="1"/>
+          </p:cNvPicPr>
+          <p:nvPr/>
+        </p:nvPicPr>
+        <p:blipFill>
+          <a:blip r:embed="rId11">
+            <a:extLst>
+              <a:ext uri="{28A0092B-C50C-407E-A947-70E740481C1C}">
+                <a14:useLocalDpi xmlns:a14="http://schemas.microsoft.com/office/drawing/2010/main" val="0"/>
+              </a:ext>
+            </a:extLst>
+          </a:blip>
+          <a:stretch>
+            <a:fillRect/>
+          </a:stretch>
+        </p:blipFill>
+        <p:spPr>
+          <a:xfrm>
+            <a:off x="325826" y="2670128"/>
+            <a:ext cx="2156323" cy="2156323"/>
+          </a:xfrm>
+          <a:prstGeom prst="rect">
+            <a:avLst/>
+          </a:prstGeom>
+        </p:spPr>
+      </p:pic>
     </p:spTree>
   </p:cSld>
   <p:clrMapOvr>
